--- a/VoteNow_Technical_Deck.pptx
+++ b/VoteNow_Technical_Deck.pptx
@@ -17,9 +17,10 @@
     <p:sldId id="265" r:id="rId11"/>
     <p:sldId id="266" r:id="rId12"/>
     <p:sldId id="267" r:id="rId13"/>
+    <p:sldId id="268" r:id="rId14"/>
   </p:sldIdLst>
   <p:notesMasterIdLst>
-    <p:notesMasterId r:id="rId14"/>
+    <p:notesMasterId r:id="rId15"/>
   </p:notesMasterIdLst>
   <p:sldSz cx="9144000" cy="5143500"/>
   <p:notesSz cx="5143500" cy="9144000"/>
@@ -801,6 +802,94 @@
             <a:fld id="{F7021451-1387-4CA6-816F-3879F97B5CBC}" type="slidenum">
               <a:rPr lang="en-US"/>
               <a:t>12</a:t>
+            </a:fld>
+            <a:endParaRPr lang="en-US"/>
+          </a:p>
+        </p:txBody>
+      </p:sp>
+    </p:spTree>
+    <p:extLst>
+      <p:ext uri="{BB962C8B-B14F-4D97-AF65-F5344CB8AC3E}">
+        <p14:creationId xmlns:p14="http://schemas.microsoft.com/office/powerpoint/2010/main" val="1024086991"/>
+      </p:ext>
+    </p:extLst>
+  </p:cSld>
+  <p:clrMapOvr>
+    <a:masterClrMapping/>
+  </p:clrMapOvr>
+</p:notes>
+</file>
+
+<file path=ppt/notesSlides/notesSlide13.xml><?xml version="1.0" encoding="utf-8"?>
+<p:notes xmlns:a="http://schemas.openxmlformats.org/drawingml/2006/main" xmlns:r="http://schemas.openxmlformats.org/officeDocument/2006/relationships" xmlns:p="http://schemas.openxmlformats.org/presentationml/2006/main">
+  <p:cSld>
+    <p:spTree>
+      <p:nvGrpSpPr>
+        <p:cNvPr id="1" name=""/>
+        <p:cNvGrpSpPr/>
+        <p:nvPr/>
+      </p:nvGrpSpPr>
+      <p:grpSpPr>
+        <a:xfrm>
+          <a:off x="0" y="0"/>
+          <a:ext cx="0" cy="0"/>
+          <a:chOff x="0" y="0"/>
+          <a:chExt cx="0" cy="0"/>
+        </a:xfrm>
+      </p:grpSpPr>
+      <p:sp>
+        <p:nvSpPr>
+          <p:cNvPr id="2" name="Slide Image Placeholder 1"/>
+          <p:cNvSpPr>
+            <a:spLocks noGrp="1" noRot="1" noChangeAspect="1"/>
+          </p:cNvSpPr>
+          <p:nvPr>
+            <p:ph type="sldImg"/>
+          </p:nvPr>
+        </p:nvSpPr>
+        <p:spPr/>
+      </p:sp>
+      <p:sp>
+        <p:nvSpPr>
+          <p:cNvPr id="3" name="Notes Placeholder 2"/>
+          <p:cNvSpPr>
+            <a:spLocks noGrp="1"/>
+          </p:cNvSpPr>
+          <p:nvPr>
+            <p:ph type="body" idx="1"/>
+          </p:nvPr>
+        </p:nvSpPr>
+        <p:spPr/>
+        <p:txBody>
+          <a:bodyPr/>
+          <a:lstStyle/>
+          <a:p>
+            <a:r>
+              <a:rPr lang="en-US" dirty="0"/>
+              <a:t/>
+            </a:r>
+            <a:endParaRPr lang="en-US" dirty="0"/>
+          </a:p>
+        </p:txBody>
+      </p:sp>
+      <p:sp>
+        <p:nvSpPr>
+          <p:cNvPr id="4" name="Slide Number Placeholder 3"/>
+          <p:cNvSpPr>
+            <a:spLocks noGrp="1"/>
+          </p:cNvSpPr>
+          <p:nvPr>
+            <p:ph type="sldNum" sz="quarter" idx="10"/>
+          </p:nvPr>
+        </p:nvSpPr>
+        <p:spPr/>
+        <p:txBody>
+          <a:bodyPr/>
+          <a:lstStyle/>
+          <a:p>
+            <a:fld id="{F7021451-1387-4CA6-816F-3879F97B5CBC}" type="slidenum">
+              <a:rPr lang="en-US"/>
+              <a:t>13</a:t>
             </a:fld>
             <a:endParaRPr lang="en-US"/>
           </a:p>
@@ -2085,7 +2174,7 @@
                 <a:ea typeface="Arial" pitchFamily="34" charset="-122"/>
                 <a:cs typeface="Arial" pitchFamily="34" charset="-120"/>
               </a:rPr>
-              <a:t>Security &amp; Trust: Non-Custodial by Design</a:t>
+              <a:t>AI Data Flywheel: The Moat</a:t>
             </a:r>
             <a:endParaRPr lang="en-US" sz="2800" dirty="0"/>
           </a:p>
@@ -2099,12 +2188,12 @@
         </p:nvSpPr>
         <p:spPr>
           <a:xfrm>
-            <a:off x="507950" y="1234827"/>
-            <a:ext cx="3905250" cy="984052"/>
+            <a:off x="305246" y="1171277"/>
+            <a:ext cx="1320701" cy="622250"/>
           </a:xfrm>
           <a:prstGeom prst="roundRect">
             <a:avLst>
-              <a:gd name="adj" fmla="val 10325"/>
+              <a:gd name="adj" fmla="val 16328"/>
             </a:avLst>
           </a:prstGeom>
           <a:solidFill>
@@ -2112,9 +2201,9 @@
           </a:solidFill>
           <a:ln/>
           <a:effectLst>
-            <a:outerShdw sx="100000" sy="100000" kx="0" ky="0" algn="bl" rotWithShape="0" blurRad="57150" dist="19050" dir="5400000">
+            <a:outerShdw sx="100000" sy="100000" kx="0" ky="0" algn="bl" rotWithShape="0" blurRad="95250" dist="28575" dir="5400000">
               <a:srgbClr val="000000">
-                <a:alpha val="8000"/>
+                <a:alpha val="10000"/>
               </a:srgbClr>
             </a:outerShdw>
           </a:effectLst>
@@ -2132,26 +2221,45 @@
       </p:sp>
       <p:sp>
         <p:nvSpPr>
-          <p:cNvPr id="5" name="Shape 3"/>
-          <p:cNvSpPr/>
-          <p:nvPr/>
-        </p:nvSpPr>
-        <p:spPr>
-          <a:xfrm>
-            <a:off x="531763" y="1234827"/>
-            <a:ext cx="0" cy="984052"/>
-          </a:xfrm>
-          <a:prstGeom prst="line">
-            <a:avLst/>
-          </a:prstGeom>
-          <a:noFill/>
-          <a:ln w="47625">
-            <a:solidFill>
-              <a:srgbClr val="E94560"/>
-            </a:solidFill>
-            <a:prstDash val="solid"/>
-          </a:ln>
-        </p:spPr>
+          <p:cNvPr id="5" name="Text 3"/>
+          <p:cNvSpPr/>
+          <p:nvPr/>
+        </p:nvSpPr>
+        <p:spPr>
+          <a:xfrm>
+            <a:off x="447487" y="1323677"/>
+            <a:ext cx="1036219" cy="152400"/>
+          </a:xfrm>
+          <a:prstGeom prst="rect">
+            <a:avLst/>
+          </a:prstGeom>
+          <a:noFill/>
+          <a:ln/>
+        </p:spPr>
+        <p:txBody>
+          <a:bodyPr wrap="square" lIns="0" tIns="0" rIns="0" bIns="0" rtlCol="0" anchor="t"/>
+          <a:lstStyle/>
+          <a:p>
+            <a:pPr algn="ctr" indent="0" marL="0">
+              <a:spcAft>
+                <a:spcPts val="400"/>
+              </a:spcAft>
+              <a:buNone/>
+            </a:pPr>
+            <a:r>
+              <a:rPr lang="en-US" sz="1100" b="1" dirty="0">
+                <a:solidFill>
+                  <a:srgbClr val="0F3460"/>
+                </a:solidFill>
+                <a:latin typeface="Arial" pitchFamily="34" charset="0"/>
+                <a:ea typeface="Arial" pitchFamily="34" charset="-122"/>
+                <a:cs typeface="Arial" pitchFamily="34" charset="-120"/>
+              </a:rPr>
+              <a:t>More Users</a:t>
+            </a:r>
+            <a:endParaRPr lang="en-US" sz="1100" dirty="0"/>
+          </a:p>
+        </p:txBody>
       </p:sp>
       <p:sp>
         <p:nvSpPr>
@@ -2161,8 +2269,715 @@
         </p:nvSpPr>
         <p:spPr>
           <a:xfrm>
-            <a:off x="746075" y="1425327"/>
-            <a:ext cx="3546158" cy="171450"/>
+            <a:off x="447487" y="1526828"/>
+            <a:ext cx="1036219" cy="114300"/>
+          </a:xfrm>
+          <a:prstGeom prst="rect">
+            <a:avLst/>
+          </a:prstGeom>
+          <a:noFill/>
+          <a:ln/>
+        </p:spPr>
+        <p:txBody>
+          <a:bodyPr wrap="square" lIns="0" tIns="0" rIns="0" bIns="0" rtlCol="0" anchor="t"/>
+          <a:lstStyle/>
+          <a:p>
+            <a:pPr algn="ctr" indent="0" marL="0">
+              <a:buNone/>
+            </a:pPr>
+            <a:r>
+              <a:rPr lang="en-US" sz="800" dirty="0">
+                <a:solidFill>
+                  <a:srgbClr val="666666"/>
+                </a:solidFill>
+                <a:latin typeface="Arial" pitchFamily="34" charset="0"/>
+                <a:ea typeface="Arial" pitchFamily="34" charset="-122"/>
+                <a:cs typeface="Arial" pitchFamily="34" charset="-120"/>
+              </a:rPr>
+              <a:t>Vote on platform</a:t>
+            </a:r>
+            <a:endParaRPr lang="en-US" sz="800" dirty="0"/>
+          </a:p>
+        </p:txBody>
+      </p:sp>
+      <p:sp>
+        <p:nvSpPr>
+          <p:cNvPr id="7" name="Text 5"/>
+          <p:cNvSpPr/>
+          <p:nvPr/>
+        </p:nvSpPr>
+        <p:spPr>
+          <a:xfrm>
+            <a:off x="1752898" y="1348978"/>
+            <a:ext cx="233172" cy="266700"/>
+          </a:xfrm>
+          <a:prstGeom prst="rect">
+            <a:avLst/>
+          </a:prstGeom>
+          <a:noFill/>
+          <a:ln/>
+        </p:spPr>
+        <p:txBody>
+          <a:bodyPr wrap="square" lIns="0" tIns="0" rIns="0" bIns="0" rtlCol="0" anchor="t"/>
+          <a:lstStyle/>
+          <a:p>
+            <a:pPr algn="l" indent="0" marL="0">
+              <a:buNone/>
+            </a:pPr>
+            <a:r>
+              <a:rPr lang="en-US" sz="1800" b="1" dirty="0">
+                <a:solidFill>
+                  <a:srgbClr val="E94560"/>
+                </a:solidFill>
+                <a:latin typeface="Arial" pitchFamily="34" charset="0"/>
+                <a:ea typeface="Arial" pitchFamily="34" charset="-122"/>
+                <a:cs typeface="Arial" pitchFamily="34" charset="-120"/>
+              </a:rPr>
+              <a:t>→</a:t>
+            </a:r>
+            <a:endParaRPr lang="en-US" sz="1800" dirty="0"/>
+          </a:p>
+        </p:txBody>
+      </p:sp>
+      <p:sp>
+        <p:nvSpPr>
+          <p:cNvPr id="8" name="Text 6"/>
+          <p:cNvSpPr/>
+          <p:nvPr/>
+        </p:nvSpPr>
+        <p:spPr>
+          <a:xfrm>
+            <a:off x="2108448" y="1171277"/>
+            <a:ext cx="1320701" cy="622250"/>
+          </a:xfrm>
+          <a:prstGeom prst="roundRect">
+            <a:avLst>
+              <a:gd name="adj" fmla="val 16328"/>
+            </a:avLst>
+          </a:prstGeom>
+          <a:solidFill>
+            <a:srgbClr val="FFFFFF"/>
+          </a:solidFill>
+          <a:ln/>
+          <a:effectLst>
+            <a:outerShdw sx="100000" sy="100000" kx="0" ky="0" algn="bl" rotWithShape="0" blurRad="95250" dist="28575" dir="5400000">
+              <a:srgbClr val="000000">
+                <a:alpha val="10000"/>
+              </a:srgbClr>
+            </a:outerShdw>
+          </a:effectLst>
+        </p:spPr>
+        <p:txBody>
+          <a:bodyPr wrap="square" rtlCol="0" anchor="ctr"/>
+          <a:lstStyle/>
+          <a:p>
+            <a:pPr indent="0" marL="0">
+              <a:buNone/>
+            </a:pPr>
+            <a:endParaRPr lang="en-US" dirty="0"/>
+          </a:p>
+        </p:txBody>
+      </p:sp>
+      <p:sp>
+        <p:nvSpPr>
+          <p:cNvPr id="9" name="Text 7"/>
+          <p:cNvSpPr/>
+          <p:nvPr/>
+        </p:nvSpPr>
+        <p:spPr>
+          <a:xfrm>
+            <a:off x="2250689" y="1323677"/>
+            <a:ext cx="1036219" cy="152400"/>
+          </a:xfrm>
+          <a:prstGeom prst="rect">
+            <a:avLst/>
+          </a:prstGeom>
+          <a:noFill/>
+          <a:ln/>
+        </p:spPr>
+        <p:txBody>
+          <a:bodyPr wrap="square" lIns="0" tIns="0" rIns="0" bIns="0" rtlCol="0" anchor="t"/>
+          <a:lstStyle/>
+          <a:p>
+            <a:pPr algn="ctr" indent="0" marL="0">
+              <a:spcAft>
+                <a:spcPts val="400"/>
+              </a:spcAft>
+              <a:buNone/>
+            </a:pPr>
+            <a:r>
+              <a:rPr lang="en-US" sz="1100" b="1" dirty="0">
+                <a:solidFill>
+                  <a:srgbClr val="0F3460"/>
+                </a:solidFill>
+                <a:latin typeface="Arial" pitchFamily="34" charset="0"/>
+                <a:ea typeface="Arial" pitchFamily="34" charset="-122"/>
+                <a:cs typeface="Arial" pitchFamily="34" charset="-120"/>
+              </a:rPr>
+              <a:t>More Votes</a:t>
+            </a:r>
+            <a:endParaRPr lang="en-US" sz="1100" dirty="0"/>
+          </a:p>
+        </p:txBody>
+      </p:sp>
+      <p:sp>
+        <p:nvSpPr>
+          <p:cNvPr id="10" name="Text 8"/>
+          <p:cNvSpPr/>
+          <p:nvPr/>
+        </p:nvSpPr>
+        <p:spPr>
+          <a:xfrm>
+            <a:off x="2250689" y="1526828"/>
+            <a:ext cx="1036219" cy="114300"/>
+          </a:xfrm>
+          <a:prstGeom prst="rect">
+            <a:avLst/>
+          </a:prstGeom>
+          <a:noFill/>
+          <a:ln/>
+        </p:spPr>
+        <p:txBody>
+          <a:bodyPr wrap="square" lIns="0" tIns="0" rIns="0" bIns="0" rtlCol="0" anchor="t"/>
+          <a:lstStyle/>
+          <a:p>
+            <a:pPr algn="ctr" indent="0" marL="0">
+              <a:buNone/>
+            </a:pPr>
+            <a:r>
+              <a:rPr lang="en-US" sz="800" dirty="0">
+                <a:solidFill>
+                  <a:srgbClr val="666666"/>
+                </a:solidFill>
+                <a:latin typeface="Arial" pitchFamily="34" charset="0"/>
+                <a:ea typeface="Arial" pitchFamily="34" charset="-122"/>
+                <a:cs typeface="Arial" pitchFamily="34" charset="-120"/>
+              </a:rPr>
+              <a:t>Generate data</a:t>
+            </a:r>
+            <a:endParaRPr lang="en-US" sz="800" dirty="0"/>
+          </a:p>
+        </p:txBody>
+      </p:sp>
+      <p:sp>
+        <p:nvSpPr>
+          <p:cNvPr id="11" name="Text 9"/>
+          <p:cNvSpPr/>
+          <p:nvPr/>
+        </p:nvSpPr>
+        <p:spPr>
+          <a:xfrm>
+            <a:off x="3556099" y="1348978"/>
+            <a:ext cx="233172" cy="266700"/>
+          </a:xfrm>
+          <a:prstGeom prst="rect">
+            <a:avLst/>
+          </a:prstGeom>
+          <a:noFill/>
+          <a:ln/>
+        </p:spPr>
+        <p:txBody>
+          <a:bodyPr wrap="square" lIns="0" tIns="0" rIns="0" bIns="0" rtlCol="0" anchor="t"/>
+          <a:lstStyle/>
+          <a:p>
+            <a:pPr algn="l" indent="0" marL="0">
+              <a:buNone/>
+            </a:pPr>
+            <a:r>
+              <a:rPr lang="en-US" sz="1800" b="1" dirty="0">
+                <a:solidFill>
+                  <a:srgbClr val="E94560"/>
+                </a:solidFill>
+                <a:latin typeface="Arial" pitchFamily="34" charset="0"/>
+                <a:ea typeface="Arial" pitchFamily="34" charset="-122"/>
+                <a:cs typeface="Arial" pitchFamily="34" charset="-120"/>
+              </a:rPr>
+              <a:t>→</a:t>
+            </a:r>
+            <a:endParaRPr lang="en-US" sz="1800" dirty="0"/>
+          </a:p>
+        </p:txBody>
+      </p:sp>
+      <p:sp>
+        <p:nvSpPr>
+          <p:cNvPr id="12" name="Text 10"/>
+          <p:cNvSpPr/>
+          <p:nvPr/>
+        </p:nvSpPr>
+        <p:spPr>
+          <a:xfrm>
+            <a:off x="3911650" y="1171277"/>
+            <a:ext cx="1320701" cy="622250"/>
+          </a:xfrm>
+          <a:prstGeom prst="roundRect">
+            <a:avLst>
+              <a:gd name="adj" fmla="val 16328"/>
+            </a:avLst>
+          </a:prstGeom>
+          <a:solidFill>
+            <a:srgbClr val="FFFFFF"/>
+          </a:solidFill>
+          <a:ln/>
+          <a:effectLst>
+            <a:outerShdw sx="100000" sy="100000" kx="0" ky="0" algn="bl" rotWithShape="0" blurRad="95250" dist="28575" dir="5400000">
+              <a:srgbClr val="000000">
+                <a:alpha val="10000"/>
+              </a:srgbClr>
+            </a:outerShdw>
+          </a:effectLst>
+        </p:spPr>
+        <p:txBody>
+          <a:bodyPr wrap="square" rtlCol="0" anchor="ctr"/>
+          <a:lstStyle/>
+          <a:p>
+            <a:pPr indent="0" marL="0">
+              <a:buNone/>
+            </a:pPr>
+            <a:endParaRPr lang="en-US" dirty="0"/>
+          </a:p>
+        </p:txBody>
+      </p:sp>
+      <p:sp>
+        <p:nvSpPr>
+          <p:cNvPr id="13" name="Text 11"/>
+          <p:cNvSpPr/>
+          <p:nvPr/>
+        </p:nvSpPr>
+        <p:spPr>
+          <a:xfrm>
+            <a:off x="4053891" y="1323677"/>
+            <a:ext cx="1036219" cy="152400"/>
+          </a:xfrm>
+          <a:prstGeom prst="rect">
+            <a:avLst/>
+          </a:prstGeom>
+          <a:noFill/>
+          <a:ln/>
+        </p:spPr>
+        <p:txBody>
+          <a:bodyPr wrap="square" lIns="0" tIns="0" rIns="0" bIns="0" rtlCol="0" anchor="t"/>
+          <a:lstStyle/>
+          <a:p>
+            <a:pPr algn="ctr" indent="0" marL="0">
+              <a:spcAft>
+                <a:spcPts val="400"/>
+              </a:spcAft>
+              <a:buNone/>
+            </a:pPr>
+            <a:r>
+              <a:rPr lang="en-US" sz="1100" b="1" dirty="0">
+                <a:solidFill>
+                  <a:srgbClr val="0F3460"/>
+                </a:solidFill>
+                <a:latin typeface="Arial" pitchFamily="34" charset="0"/>
+                <a:ea typeface="Arial" pitchFamily="34" charset="-122"/>
+                <a:cs typeface="Arial" pitchFamily="34" charset="-120"/>
+              </a:rPr>
+              <a:t>Training Data</a:t>
+            </a:r>
+            <a:endParaRPr lang="en-US" sz="1100" dirty="0"/>
+          </a:p>
+        </p:txBody>
+      </p:sp>
+      <p:sp>
+        <p:nvSpPr>
+          <p:cNvPr id="14" name="Text 12"/>
+          <p:cNvSpPr/>
+          <p:nvPr/>
+        </p:nvSpPr>
+        <p:spPr>
+          <a:xfrm>
+            <a:off x="4053891" y="1526828"/>
+            <a:ext cx="1036219" cy="114300"/>
+          </a:xfrm>
+          <a:prstGeom prst="rect">
+            <a:avLst/>
+          </a:prstGeom>
+          <a:noFill/>
+          <a:ln/>
+        </p:spPr>
+        <p:txBody>
+          <a:bodyPr wrap="square" lIns="0" tIns="0" rIns="0" bIns="0" rtlCol="0" anchor="t"/>
+          <a:lstStyle/>
+          <a:p>
+            <a:pPr algn="ctr" indent="0" marL="0">
+              <a:buNone/>
+            </a:pPr>
+            <a:r>
+              <a:rPr lang="en-US" sz="800" dirty="0">
+                <a:solidFill>
+                  <a:srgbClr val="666666"/>
+                </a:solidFill>
+                <a:latin typeface="Arial" pitchFamily="34" charset="0"/>
+                <a:ea typeface="Arial" pitchFamily="34" charset="-122"/>
+                <a:cs typeface="Arial" pitchFamily="34" charset="-120"/>
+              </a:rPr>
+              <a:t>AI learns patterns</a:t>
+            </a:r>
+            <a:endParaRPr lang="en-US" sz="800" dirty="0"/>
+          </a:p>
+        </p:txBody>
+      </p:sp>
+      <p:sp>
+        <p:nvSpPr>
+          <p:cNvPr id="15" name="Text 13"/>
+          <p:cNvSpPr/>
+          <p:nvPr/>
+        </p:nvSpPr>
+        <p:spPr>
+          <a:xfrm>
+            <a:off x="5359301" y="1348978"/>
+            <a:ext cx="233172" cy="266700"/>
+          </a:xfrm>
+          <a:prstGeom prst="rect">
+            <a:avLst/>
+          </a:prstGeom>
+          <a:noFill/>
+          <a:ln/>
+        </p:spPr>
+        <p:txBody>
+          <a:bodyPr wrap="square" lIns="0" tIns="0" rIns="0" bIns="0" rtlCol="0" anchor="t"/>
+          <a:lstStyle/>
+          <a:p>
+            <a:pPr algn="l" indent="0" marL="0">
+              <a:buNone/>
+            </a:pPr>
+            <a:r>
+              <a:rPr lang="en-US" sz="1800" b="1" dirty="0">
+                <a:solidFill>
+                  <a:srgbClr val="E94560"/>
+                </a:solidFill>
+                <a:latin typeface="Arial" pitchFamily="34" charset="0"/>
+                <a:ea typeface="Arial" pitchFamily="34" charset="-122"/>
+                <a:cs typeface="Arial" pitchFamily="34" charset="-120"/>
+              </a:rPr>
+              <a:t>→</a:t>
+            </a:r>
+            <a:endParaRPr lang="en-US" sz="1800" dirty="0"/>
+          </a:p>
+        </p:txBody>
+      </p:sp>
+      <p:sp>
+        <p:nvSpPr>
+          <p:cNvPr id="16" name="Text 14"/>
+          <p:cNvSpPr/>
+          <p:nvPr/>
+        </p:nvSpPr>
+        <p:spPr>
+          <a:xfrm>
+            <a:off x="5714851" y="1171277"/>
+            <a:ext cx="1320701" cy="622250"/>
+          </a:xfrm>
+          <a:prstGeom prst="roundRect">
+            <a:avLst>
+              <a:gd name="adj" fmla="val 16328"/>
+            </a:avLst>
+          </a:prstGeom>
+          <a:solidFill>
+            <a:srgbClr val="FFFFFF"/>
+          </a:solidFill>
+          <a:ln/>
+          <a:effectLst>
+            <a:outerShdw sx="100000" sy="100000" kx="0" ky="0" algn="bl" rotWithShape="0" blurRad="95250" dist="28575" dir="5400000">
+              <a:srgbClr val="000000">
+                <a:alpha val="10000"/>
+              </a:srgbClr>
+            </a:outerShdw>
+          </a:effectLst>
+        </p:spPr>
+        <p:txBody>
+          <a:bodyPr wrap="square" rtlCol="0" anchor="ctr"/>
+          <a:lstStyle/>
+          <a:p>
+            <a:pPr indent="0" marL="0">
+              <a:buNone/>
+            </a:pPr>
+            <a:endParaRPr lang="en-US" dirty="0"/>
+          </a:p>
+        </p:txBody>
+      </p:sp>
+      <p:sp>
+        <p:nvSpPr>
+          <p:cNvPr id="17" name="Text 15"/>
+          <p:cNvSpPr/>
+          <p:nvPr/>
+        </p:nvSpPr>
+        <p:spPr>
+          <a:xfrm>
+            <a:off x="5857092" y="1323677"/>
+            <a:ext cx="1036219" cy="152400"/>
+          </a:xfrm>
+          <a:prstGeom prst="rect">
+            <a:avLst/>
+          </a:prstGeom>
+          <a:noFill/>
+          <a:ln/>
+        </p:spPr>
+        <p:txBody>
+          <a:bodyPr wrap="square" lIns="0" tIns="0" rIns="0" bIns="0" rtlCol="0" anchor="t"/>
+          <a:lstStyle/>
+          <a:p>
+            <a:pPr algn="ctr" indent="0" marL="0">
+              <a:spcAft>
+                <a:spcPts val="400"/>
+              </a:spcAft>
+              <a:buNone/>
+            </a:pPr>
+            <a:r>
+              <a:rPr lang="en-US" sz="1100" b="1" dirty="0">
+                <a:solidFill>
+                  <a:srgbClr val="0F3460"/>
+                </a:solidFill>
+                <a:latin typeface="Arial" pitchFamily="34" charset="0"/>
+                <a:ea typeface="Arial" pitchFamily="34" charset="-122"/>
+                <a:cs typeface="Arial" pitchFamily="34" charset="-120"/>
+              </a:rPr>
+              <a:t>Better AI</a:t>
+            </a:r>
+            <a:endParaRPr lang="en-US" sz="1100" dirty="0"/>
+          </a:p>
+        </p:txBody>
+      </p:sp>
+      <p:sp>
+        <p:nvSpPr>
+          <p:cNvPr id="18" name="Text 16"/>
+          <p:cNvSpPr/>
+          <p:nvPr/>
+        </p:nvSpPr>
+        <p:spPr>
+          <a:xfrm>
+            <a:off x="5857092" y="1526828"/>
+            <a:ext cx="1036219" cy="114300"/>
+          </a:xfrm>
+          <a:prstGeom prst="rect">
+            <a:avLst/>
+          </a:prstGeom>
+          <a:noFill/>
+          <a:ln/>
+        </p:spPr>
+        <p:txBody>
+          <a:bodyPr wrap="square" lIns="0" tIns="0" rIns="0" bIns="0" rtlCol="0" anchor="t"/>
+          <a:lstStyle/>
+          <a:p>
+            <a:pPr algn="ctr" indent="0" marL="0">
+              <a:buNone/>
+            </a:pPr>
+            <a:r>
+              <a:rPr lang="en-US" sz="800" dirty="0">
+                <a:solidFill>
+                  <a:srgbClr val="666666"/>
+                </a:solidFill>
+                <a:latin typeface="Arial" pitchFamily="34" charset="0"/>
+                <a:ea typeface="Arial" pitchFamily="34" charset="-122"/>
+                <a:cs typeface="Arial" pitchFamily="34" charset="-120"/>
+              </a:rPr>
+              <a:t>Accurate predictions</a:t>
+            </a:r>
+            <a:endParaRPr lang="en-US" sz="800" dirty="0"/>
+          </a:p>
+        </p:txBody>
+      </p:sp>
+      <p:sp>
+        <p:nvSpPr>
+          <p:cNvPr id="19" name="Text 17"/>
+          <p:cNvSpPr/>
+          <p:nvPr/>
+        </p:nvSpPr>
+        <p:spPr>
+          <a:xfrm>
+            <a:off x="7162502" y="1348978"/>
+            <a:ext cx="233172" cy="266700"/>
+          </a:xfrm>
+          <a:prstGeom prst="rect">
+            <a:avLst/>
+          </a:prstGeom>
+          <a:noFill/>
+          <a:ln/>
+        </p:spPr>
+        <p:txBody>
+          <a:bodyPr wrap="square" lIns="0" tIns="0" rIns="0" bIns="0" rtlCol="0" anchor="t"/>
+          <a:lstStyle/>
+          <a:p>
+            <a:pPr algn="l" indent="0" marL="0">
+              <a:buNone/>
+            </a:pPr>
+            <a:r>
+              <a:rPr lang="en-US" sz="1800" b="1" dirty="0">
+                <a:solidFill>
+                  <a:srgbClr val="E94560"/>
+                </a:solidFill>
+                <a:latin typeface="Arial" pitchFamily="34" charset="0"/>
+                <a:ea typeface="Arial" pitchFamily="34" charset="-122"/>
+                <a:cs typeface="Arial" pitchFamily="34" charset="-120"/>
+              </a:rPr>
+              <a:t>→</a:t>
+            </a:r>
+            <a:endParaRPr lang="en-US" sz="1800" dirty="0"/>
+          </a:p>
+        </p:txBody>
+      </p:sp>
+      <p:sp>
+        <p:nvSpPr>
+          <p:cNvPr id="20" name="Text 18"/>
+          <p:cNvSpPr/>
+          <p:nvPr/>
+        </p:nvSpPr>
+        <p:spPr>
+          <a:xfrm>
+            <a:off x="7518053" y="1171277"/>
+            <a:ext cx="1320701" cy="622250"/>
+          </a:xfrm>
+          <a:prstGeom prst="roundRect">
+            <a:avLst>
+              <a:gd name="adj" fmla="val 16328"/>
+            </a:avLst>
+          </a:prstGeom>
+          <a:solidFill>
+            <a:srgbClr val="FFFFFF"/>
+          </a:solidFill>
+          <a:ln/>
+          <a:effectLst>
+            <a:outerShdw sx="100000" sy="100000" kx="0" ky="0" algn="bl" rotWithShape="0" blurRad="95250" dist="28575" dir="5400000">
+              <a:srgbClr val="000000">
+                <a:alpha val="10000"/>
+              </a:srgbClr>
+            </a:outerShdw>
+          </a:effectLst>
+        </p:spPr>
+        <p:txBody>
+          <a:bodyPr wrap="square" rtlCol="0" anchor="ctr"/>
+          <a:lstStyle/>
+          <a:p>
+            <a:pPr indent="0" marL="0">
+              <a:buNone/>
+            </a:pPr>
+            <a:endParaRPr lang="en-US" dirty="0"/>
+          </a:p>
+        </p:txBody>
+      </p:sp>
+      <p:sp>
+        <p:nvSpPr>
+          <p:cNvPr id="21" name="Text 19"/>
+          <p:cNvSpPr/>
+          <p:nvPr/>
+        </p:nvSpPr>
+        <p:spPr>
+          <a:xfrm>
+            <a:off x="7660294" y="1323677"/>
+            <a:ext cx="1036219" cy="152400"/>
+          </a:xfrm>
+          <a:prstGeom prst="rect">
+            <a:avLst/>
+          </a:prstGeom>
+          <a:noFill/>
+          <a:ln/>
+        </p:spPr>
+        <p:txBody>
+          <a:bodyPr wrap="square" lIns="0" tIns="0" rIns="0" bIns="0" rtlCol="0" anchor="t"/>
+          <a:lstStyle/>
+          <a:p>
+            <a:pPr algn="ctr" indent="0" marL="0">
+              <a:spcAft>
+                <a:spcPts val="400"/>
+              </a:spcAft>
+              <a:buNone/>
+            </a:pPr>
+            <a:r>
+              <a:rPr lang="en-US" sz="1100" b="1" dirty="0">
+                <a:solidFill>
+                  <a:srgbClr val="0F3460"/>
+                </a:solidFill>
+                <a:latin typeface="Arial" pitchFamily="34" charset="0"/>
+                <a:ea typeface="Arial" pitchFamily="34" charset="-122"/>
+                <a:cs typeface="Arial" pitchFamily="34" charset="-120"/>
+              </a:rPr>
+              <a:t>More Users</a:t>
+            </a:r>
+            <a:endParaRPr lang="en-US" sz="1100" dirty="0"/>
+          </a:p>
+        </p:txBody>
+      </p:sp>
+      <p:sp>
+        <p:nvSpPr>
+          <p:cNvPr id="22" name="Text 20"/>
+          <p:cNvSpPr/>
+          <p:nvPr/>
+        </p:nvSpPr>
+        <p:spPr>
+          <a:xfrm>
+            <a:off x="7660294" y="1526828"/>
+            <a:ext cx="1036219" cy="114300"/>
+          </a:xfrm>
+          <a:prstGeom prst="rect">
+            <a:avLst/>
+          </a:prstGeom>
+          <a:noFill/>
+          <a:ln/>
+        </p:spPr>
+        <p:txBody>
+          <a:bodyPr wrap="square" lIns="0" tIns="0" rIns="0" bIns="0" rtlCol="0" anchor="t"/>
+          <a:lstStyle/>
+          <a:p>
+            <a:pPr algn="ctr" indent="0" marL="0">
+              <a:buNone/>
+            </a:pPr>
+            <a:r>
+              <a:rPr lang="en-US" sz="800" dirty="0">
+                <a:solidFill>
+                  <a:srgbClr val="666666"/>
+                </a:solidFill>
+                <a:latin typeface="Arial" pitchFamily="34" charset="0"/>
+                <a:ea typeface="Arial" pitchFamily="34" charset="-122"/>
+                <a:cs typeface="Arial" pitchFamily="34" charset="-120"/>
+              </a:rPr>
+              <a:t>Cycle repeats</a:t>
+            </a:r>
+            <a:endParaRPr lang="en-US" sz="800" dirty="0"/>
+          </a:p>
+        </p:txBody>
+      </p:sp>
+      <p:sp>
+        <p:nvSpPr>
+          <p:cNvPr id="23" name="Text 21"/>
+          <p:cNvSpPr/>
+          <p:nvPr/>
+        </p:nvSpPr>
+        <p:spPr>
+          <a:xfrm>
+            <a:off x="444401" y="2047429"/>
+            <a:ext cx="2624733" cy="853380"/>
+          </a:xfrm>
+          <a:prstGeom prst="roundRect">
+            <a:avLst>
+              <a:gd name="adj" fmla="val 11906"/>
+            </a:avLst>
+          </a:prstGeom>
+          <a:solidFill>
+            <a:srgbClr val="1A1A2E"/>
+          </a:solidFill>
+          <a:ln/>
+        </p:spPr>
+        <p:txBody>
+          <a:bodyPr wrap="square" rtlCol="0" anchor="ctr"/>
+          <a:lstStyle/>
+          <a:p>
+            <a:pPr indent="0" marL="0">
+              <a:buNone/>
+            </a:pPr>
+            <a:endParaRPr lang="en-US" dirty="0"/>
+          </a:p>
+        </p:txBody>
+      </p:sp>
+      <p:sp>
+        <p:nvSpPr>
+          <p:cNvPr id="24" name="Text 22"/>
+          <p:cNvSpPr/>
+          <p:nvPr/>
+        </p:nvSpPr>
+        <p:spPr>
+          <a:xfrm>
+            <a:off x="596801" y="2199829"/>
+            <a:ext cx="2366331" cy="152400"/>
           </a:xfrm>
           <a:prstGeom prst="rect">
             <a:avLst/>
@@ -2181,30 +2996,30 @@
               <a:buNone/>
             </a:pPr>
             <a:r>
-              <a:rPr lang="en-US" sz="1200" b="1" dirty="0">
-                <a:solidFill>
-                  <a:srgbClr val="0F3460"/>
-                </a:solidFill>
-                <a:latin typeface="Arial" pitchFamily="34" charset="0"/>
-                <a:ea typeface="Arial" pitchFamily="34" charset="-122"/>
-                <a:cs typeface="Arial" pitchFamily="34" charset="-120"/>
-              </a:rPr>
-              <a:t>No Custody of Funds</a:t>
-            </a:r>
-            <a:endParaRPr lang="en-US" sz="1200" dirty="0"/>
-          </a:p>
-        </p:txBody>
-      </p:sp>
-      <p:sp>
-        <p:nvSpPr>
-          <p:cNvPr id="7" name="Text 5"/>
-          <p:cNvSpPr/>
-          <p:nvPr/>
-        </p:nvSpPr>
-        <p:spPr>
-          <a:xfrm>
-            <a:off x="746075" y="1672977"/>
-            <a:ext cx="3546158" cy="355402"/>
+              <a:rPr lang="en-US" sz="1100" b="1" dirty="0">
+                <a:solidFill>
+                  <a:srgbClr val="E94560"/>
+                </a:solidFill>
+                <a:latin typeface="Arial" pitchFamily="34" charset="0"/>
+                <a:ea typeface="Arial" pitchFamily="34" charset="-122"/>
+                <a:cs typeface="Arial" pitchFamily="34" charset="-120"/>
+              </a:rPr>
+              <a:t>6-Month Data Barrier</a:t>
+            </a:r>
+            <a:endParaRPr lang="en-US" sz="1100" dirty="0"/>
+          </a:p>
+        </p:txBody>
+      </p:sp>
+      <p:sp>
+        <p:nvSpPr>
+          <p:cNvPr id="25" name="Text 23"/>
+          <p:cNvSpPr/>
+          <p:nvPr/>
+        </p:nvSpPr>
+        <p:spPr>
+          <a:xfrm>
+            <a:off x="596801" y="2428429"/>
+            <a:ext cx="2366331" cy="319980"/>
           </a:xfrm>
           <a:prstGeom prst="rect">
             <a:avLst/>
@@ -2218,52 +3033,45 @@
           <a:p>
             <a:pPr algn="l" indent="0" marL="0">
               <a:lnSpc>
-                <a:spcPts val="1400"/>
+                <a:spcPts val="1260"/>
               </a:lnSpc>
               <a:buNone/>
             </a:pPr>
             <a:r>
-              <a:rPr lang="en-US" sz="1000" dirty="0">
-                <a:solidFill>
-                  <a:srgbClr val="333333"/>
-                </a:solidFill>
-                <a:latin typeface="Arial" pitchFamily="34" charset="0"/>
-                <a:ea typeface="Arial" pitchFamily="34" charset="-122"/>
-                <a:cs typeface="Arial" pitchFamily="34" charset="-120"/>
-              </a:rPr>
-              <a:t>We never hold user tokens. Voting power is queried from chain, not stored.</a:t>
-            </a:r>
-            <a:endParaRPr lang="en-US" sz="1000" dirty="0"/>
-          </a:p>
-        </p:txBody>
-      </p:sp>
-      <p:sp>
-        <p:nvSpPr>
-          <p:cNvPr id="8" name="Text 6"/>
-          <p:cNvSpPr/>
-          <p:nvPr/>
-        </p:nvSpPr>
-        <p:spPr>
-          <a:xfrm>
-            <a:off x="507950" y="2371279"/>
-            <a:ext cx="3905250" cy="984052"/>
+              <a:rPr lang="en-US" sz="900" dirty="0">
+                <a:solidFill>
+                  <a:srgbClr val="FFFFFF"/>
+                </a:solidFill>
+                <a:latin typeface="Arial" pitchFamily="34" charset="0"/>
+                <a:ea typeface="Arial" pitchFamily="34" charset="-122"/>
+                <a:cs typeface="Arial" pitchFamily="34" charset="-120"/>
+              </a:rPr>
+              <a:t>Proposal analysis history creates dataset no competitor can replicate</a:t>
+            </a:r>
+            <a:endParaRPr lang="en-US" sz="900" dirty="0"/>
+          </a:p>
+        </p:txBody>
+      </p:sp>
+      <p:sp>
+        <p:nvSpPr>
+          <p:cNvPr id="26" name="Text 24"/>
+          <p:cNvSpPr/>
+          <p:nvPr/>
+        </p:nvSpPr>
+        <p:spPr>
+          <a:xfrm>
+            <a:off x="3259634" y="2047429"/>
+            <a:ext cx="2624733" cy="853380"/>
           </a:xfrm>
           <a:prstGeom prst="roundRect">
             <a:avLst>
-              <a:gd name="adj" fmla="val 10325"/>
+              <a:gd name="adj" fmla="val 11906"/>
             </a:avLst>
           </a:prstGeom>
           <a:solidFill>
-            <a:srgbClr val="FFFFFF"/>
+            <a:srgbClr val="1A1A2E"/>
           </a:solidFill>
           <a:ln/>
-          <a:effectLst>
-            <a:outerShdw sx="100000" sy="100000" kx="0" ky="0" algn="bl" rotWithShape="0" blurRad="57150" dist="19050" dir="5400000">
-              <a:srgbClr val="000000">
-                <a:alpha val="8000"/>
-              </a:srgbClr>
-            </a:outerShdw>
-          </a:effectLst>
         </p:spPr>
         <p:txBody>
           <a:bodyPr wrap="square" rtlCol="0" anchor="ctr"/>
@@ -2278,37 +3086,14 @@
       </p:sp>
       <p:sp>
         <p:nvSpPr>
-          <p:cNvPr id="9" name="Shape 7"/>
-          <p:cNvSpPr/>
-          <p:nvPr/>
-        </p:nvSpPr>
-        <p:spPr>
-          <a:xfrm>
-            <a:off x="531763" y="2371279"/>
-            <a:ext cx="0" cy="984052"/>
-          </a:xfrm>
-          <a:prstGeom prst="line">
-            <a:avLst/>
-          </a:prstGeom>
-          <a:noFill/>
-          <a:ln w="47625">
-            <a:solidFill>
-              <a:srgbClr val="E94560"/>
-            </a:solidFill>
-            <a:prstDash val="solid"/>
-          </a:ln>
-        </p:spPr>
-      </p:sp>
-      <p:sp>
-        <p:nvSpPr>
-          <p:cNvPr id="10" name="Text 8"/>
-          <p:cNvSpPr/>
-          <p:nvPr/>
-        </p:nvSpPr>
-        <p:spPr>
-          <a:xfrm>
-            <a:off x="746075" y="2561779"/>
-            <a:ext cx="3546158" cy="171450"/>
+          <p:cNvPr id="27" name="Text 25"/>
+          <p:cNvSpPr/>
+          <p:nvPr/>
+        </p:nvSpPr>
+        <p:spPr>
+          <a:xfrm>
+            <a:off x="3412034" y="2199829"/>
+            <a:ext cx="2366331" cy="152400"/>
           </a:xfrm>
           <a:prstGeom prst="rect">
             <a:avLst/>
@@ -2327,30 +3112,30 @@
               <a:buNone/>
             </a:pPr>
             <a:r>
-              <a:rPr lang="en-US" sz="1200" b="1" dirty="0">
-                <a:solidFill>
-                  <a:srgbClr val="0F3460"/>
-                </a:solidFill>
-                <a:latin typeface="Arial" pitchFamily="34" charset="0"/>
-                <a:ea typeface="Arial" pitchFamily="34" charset="-122"/>
-                <a:cs typeface="Arial" pitchFamily="34" charset="-120"/>
-              </a:rPr>
-              <a:t>Off-Chain Signatures Only</a:t>
-            </a:r>
-            <a:endParaRPr lang="en-US" sz="1200" dirty="0"/>
-          </a:p>
-        </p:txBody>
-      </p:sp>
-      <p:sp>
-        <p:nvSpPr>
-          <p:cNvPr id="11" name="Text 9"/>
-          <p:cNvSpPr/>
-          <p:nvPr/>
-        </p:nvSpPr>
-        <p:spPr>
-          <a:xfrm>
-            <a:off x="746075" y="2809429"/>
-            <a:ext cx="3546158" cy="355402"/>
+              <a:rPr lang="en-US" sz="1100" b="1" dirty="0">
+                <a:solidFill>
+                  <a:srgbClr val="E94560"/>
+                </a:solidFill>
+                <a:latin typeface="Arial" pitchFamily="34" charset="0"/>
+                <a:ea typeface="Arial" pitchFamily="34" charset="-122"/>
+                <a:cs typeface="Arial" pitchFamily="34" charset="-120"/>
+              </a:rPr>
+              <a:t>Strategy Profiles</a:t>
+            </a:r>
+            <a:endParaRPr lang="en-US" sz="1100" dirty="0"/>
+          </a:p>
+        </p:txBody>
+      </p:sp>
+      <p:sp>
+        <p:nvSpPr>
+          <p:cNvPr id="28" name="Text 26"/>
+          <p:cNvSpPr/>
+          <p:nvPr/>
+        </p:nvSpPr>
+        <p:spPr>
+          <a:xfrm>
+            <a:off x="3412034" y="2428429"/>
+            <a:ext cx="2366331" cy="319980"/>
           </a:xfrm>
           <a:prstGeom prst="rect">
             <a:avLst/>
@@ -2364,52 +3149,45 @@
           <a:p>
             <a:pPr algn="l" indent="0" marL="0">
               <a:lnSpc>
-                <a:spcPts val="1400"/>
+                <a:spcPts val="1260"/>
               </a:lnSpc>
               <a:buNone/>
             </a:pPr>
             <a:r>
-              <a:rPr lang="en-US" sz="1000" dirty="0">
-                <a:solidFill>
-                  <a:srgbClr val="333333"/>
-                </a:solidFill>
-                <a:latin typeface="Arial" pitchFamily="34" charset="0"/>
-                <a:ea typeface="Arial" pitchFamily="34" charset="-122"/>
-                <a:cs typeface="Arial" pitchFamily="34" charset="-120"/>
-              </a:rPr>
-              <a:t>EIP-712 structured signing. No smart contract interactions, no gas fees, no exploit risk.</a:t>
-            </a:r>
-            <a:endParaRPr lang="en-US" sz="1000" dirty="0"/>
-          </a:p>
-        </p:txBody>
-      </p:sp>
-      <p:sp>
-        <p:nvSpPr>
-          <p:cNvPr id="12" name="Text 10"/>
-          <p:cNvSpPr/>
-          <p:nvPr/>
-        </p:nvSpPr>
-        <p:spPr>
-          <a:xfrm>
-            <a:off x="507950" y="3507730"/>
-            <a:ext cx="3905250" cy="984052"/>
+              <a:rPr lang="en-US" sz="900" dirty="0">
+                <a:solidFill>
+                  <a:srgbClr val="FFFFFF"/>
+                </a:solidFill>
+                <a:latin typeface="Arial" pitchFamily="34" charset="0"/>
+                <a:ea typeface="Arial" pitchFamily="34" charset="-122"/>
+                <a:cs typeface="Arial" pitchFamily="34" charset="-120"/>
+              </a:rPr>
+              <a:t>Conservative/Balanced/Aggressive preferences improve recommendations</a:t>
+            </a:r>
+            <a:endParaRPr lang="en-US" sz="900" dirty="0"/>
+          </a:p>
+        </p:txBody>
+      </p:sp>
+      <p:sp>
+        <p:nvSpPr>
+          <p:cNvPr id="29" name="Text 27"/>
+          <p:cNvSpPr/>
+          <p:nvPr/>
+        </p:nvSpPr>
+        <p:spPr>
+          <a:xfrm>
+            <a:off x="6074866" y="2047429"/>
+            <a:ext cx="2624733" cy="853380"/>
           </a:xfrm>
           <a:prstGeom prst="roundRect">
             <a:avLst>
-              <a:gd name="adj" fmla="val 10325"/>
+              <a:gd name="adj" fmla="val 11906"/>
             </a:avLst>
           </a:prstGeom>
           <a:solidFill>
-            <a:srgbClr val="FFFFFF"/>
+            <a:srgbClr val="1A1A2E"/>
           </a:solidFill>
           <a:ln/>
-          <a:effectLst>
-            <a:outerShdw sx="100000" sy="100000" kx="0" ky="0" algn="bl" rotWithShape="0" blurRad="57150" dist="19050" dir="5400000">
-              <a:srgbClr val="000000">
-                <a:alpha val="8000"/>
-              </a:srgbClr>
-            </a:outerShdw>
-          </a:effectLst>
         </p:spPr>
         <p:txBody>
           <a:bodyPr wrap="square" rtlCol="0" anchor="ctr"/>
@@ -2424,37 +3202,14 @@
       </p:sp>
       <p:sp>
         <p:nvSpPr>
-          <p:cNvPr id="13" name="Shape 11"/>
-          <p:cNvSpPr/>
-          <p:nvPr/>
-        </p:nvSpPr>
-        <p:spPr>
-          <a:xfrm>
-            <a:off x="531763" y="3507730"/>
-            <a:ext cx="0" cy="984052"/>
-          </a:xfrm>
-          <a:prstGeom prst="line">
-            <a:avLst/>
-          </a:prstGeom>
-          <a:noFill/>
-          <a:ln w="47625">
-            <a:solidFill>
-              <a:srgbClr val="E94560"/>
-            </a:solidFill>
-            <a:prstDash val="solid"/>
-          </a:ln>
-        </p:spPr>
-      </p:sp>
-      <p:sp>
-        <p:nvSpPr>
-          <p:cNvPr id="14" name="Text 12"/>
-          <p:cNvSpPr/>
-          <p:nvPr/>
-        </p:nvSpPr>
-        <p:spPr>
-          <a:xfrm>
-            <a:off x="746075" y="3698230"/>
-            <a:ext cx="3546158" cy="171450"/>
+          <p:cNvPr id="30" name="Text 28"/>
+          <p:cNvSpPr/>
+          <p:nvPr/>
+        </p:nvSpPr>
+        <p:spPr>
+          <a:xfrm>
+            <a:off x="6227266" y="2199829"/>
+            <a:ext cx="2366331" cy="152400"/>
           </a:xfrm>
           <a:prstGeom prst="rect">
             <a:avLst/>
@@ -2473,30 +3228,30 @@
               <a:buNone/>
             </a:pPr>
             <a:r>
-              <a:rPr lang="en-US" sz="1200" b="1" dirty="0">
-                <a:solidFill>
-                  <a:srgbClr val="0F3460"/>
-                </a:solidFill>
-                <a:latin typeface="Arial" pitchFamily="34" charset="0"/>
-                <a:ea typeface="Arial" pitchFamily="34" charset="-122"/>
-                <a:cs typeface="Arial" pitchFamily="34" charset="-120"/>
-              </a:rPr>
-              <a:t>Verified Data Sources</a:t>
-            </a:r>
-            <a:endParaRPr lang="en-US" sz="1200" dirty="0"/>
-          </a:p>
-        </p:txBody>
-      </p:sp>
-      <p:sp>
-        <p:nvSpPr>
-          <p:cNvPr id="15" name="Text 13"/>
-          <p:cNvSpPr/>
-          <p:nvPr/>
-        </p:nvSpPr>
-        <p:spPr>
-          <a:xfrm>
-            <a:off x="746075" y="3945880"/>
-            <a:ext cx="3546158" cy="355402"/>
+              <a:rPr lang="en-US" sz="1100" b="1" dirty="0">
+                <a:solidFill>
+                  <a:srgbClr val="E94560"/>
+                </a:solidFill>
+                <a:latin typeface="Arial" pitchFamily="34" charset="0"/>
+                <a:ea typeface="Arial" pitchFamily="34" charset="-122"/>
+                <a:cs typeface="Arial" pitchFamily="34" charset="-120"/>
+              </a:rPr>
+              <a:t>DAO-Specific Models</a:t>
+            </a:r>
+            <a:endParaRPr lang="en-US" sz="1100" dirty="0"/>
+          </a:p>
+        </p:txBody>
+      </p:sp>
+      <p:sp>
+        <p:nvSpPr>
+          <p:cNvPr id="31" name="Text 29"/>
+          <p:cNvSpPr/>
+          <p:nvPr/>
+        </p:nvSpPr>
+        <p:spPr>
+          <a:xfrm>
+            <a:off x="6227266" y="2428429"/>
+            <a:ext cx="2366331" cy="319980"/>
           </a:xfrm>
           <a:prstGeom prst="rect">
             <a:avLst/>
@@ -2510,419 +3265,20 @@
           <a:p>
             <a:pPr algn="l" indent="0" marL="0">
               <a:lnSpc>
-                <a:spcPts val="1400"/>
+                <a:spcPts val="1260"/>
               </a:lnSpc>
               <a:buNone/>
             </a:pPr>
             <a:r>
-              <a:rPr lang="en-US" sz="1000" dirty="0">
-                <a:solidFill>
-                  <a:srgbClr val="333333"/>
-                </a:solidFill>
-                <a:latin typeface="Arial" pitchFamily="34" charset="0"/>
-                <a:ea typeface="Arial" pitchFamily="34" charset="-122"/>
-                <a:cs typeface="Arial" pitchFamily="34" charset="-120"/>
-              </a:rPr>
-              <a:t>All proposal data from official Snapshot API. All voting power from on-chain RPC calls.</a:t>
-            </a:r>
-            <a:endParaRPr lang="en-US" sz="1000" dirty="0"/>
-          </a:p>
-        </p:txBody>
-      </p:sp>
-      <p:sp>
-        <p:nvSpPr>
-          <p:cNvPr id="16" name="Text 14"/>
-          <p:cNvSpPr/>
-          <p:nvPr/>
-        </p:nvSpPr>
-        <p:spPr>
-          <a:xfrm>
-            <a:off x="4730651" y="1234827"/>
-            <a:ext cx="3905399" cy="1143000"/>
-          </a:xfrm>
-          <a:prstGeom prst="roundRect">
-            <a:avLst>
-              <a:gd name="adj" fmla="val 8889"/>
-            </a:avLst>
-          </a:prstGeom>
-          <a:solidFill>
-            <a:srgbClr val="FFFFFF"/>
-          </a:solidFill>
-          <a:ln/>
-          <a:effectLst>
-            <a:outerShdw sx="100000" sy="100000" kx="0" ky="0" algn="bl" rotWithShape="0" blurRad="57150" dist="19050" dir="5400000">
-              <a:srgbClr val="000000">
-                <a:alpha val="8000"/>
-              </a:srgbClr>
-            </a:outerShdw>
-          </a:effectLst>
-        </p:spPr>
-        <p:txBody>
-          <a:bodyPr wrap="square" rtlCol="0" anchor="ctr"/>
-          <a:lstStyle/>
-          <a:p>
-            <a:pPr indent="0" marL="0">
-              <a:buNone/>
-            </a:pPr>
-            <a:endParaRPr lang="en-US" dirty="0"/>
-          </a:p>
-        </p:txBody>
-      </p:sp>
-      <p:sp>
-        <p:nvSpPr>
-          <p:cNvPr id="17" name="Shape 15"/>
-          <p:cNvSpPr/>
-          <p:nvPr/>
-        </p:nvSpPr>
-        <p:spPr>
-          <a:xfrm>
-            <a:off x="4754463" y="1234827"/>
-            <a:ext cx="0" cy="1143000"/>
-          </a:xfrm>
-          <a:prstGeom prst="line">
-            <a:avLst/>
-          </a:prstGeom>
-          <a:noFill/>
-          <a:ln w="47625">
-            <a:solidFill>
-              <a:srgbClr val="E94560"/>
-            </a:solidFill>
-            <a:prstDash val="solid"/>
-          </a:ln>
-        </p:spPr>
-      </p:sp>
-      <p:sp>
-        <p:nvSpPr>
-          <p:cNvPr id="18" name="Text 16"/>
-          <p:cNvSpPr/>
-          <p:nvPr/>
-        </p:nvSpPr>
-        <p:spPr>
-          <a:xfrm>
-            <a:off x="4968776" y="1425327"/>
-            <a:ext cx="3546309" cy="171450"/>
-          </a:xfrm>
-          <a:prstGeom prst="rect">
-            <a:avLst/>
-          </a:prstGeom>
-          <a:noFill/>
-          <a:ln/>
-        </p:spPr>
-        <p:txBody>
-          <a:bodyPr wrap="square" lIns="0" tIns="0" rIns="0" bIns="0" rtlCol="0" anchor="t"/>
-          <a:lstStyle/>
-          <a:p>
-            <a:pPr algn="l" indent="0" marL="0">
-              <a:spcAft>
-                <a:spcPts val="600"/>
-              </a:spcAft>
-              <a:buNone/>
-            </a:pPr>
-            <a:r>
-              <a:rPr lang="en-US" sz="1200" b="1" dirty="0">
-                <a:solidFill>
-                  <a:srgbClr val="0F3460"/>
-                </a:solidFill>
-                <a:latin typeface="Arial" pitchFamily="34" charset="0"/>
-                <a:ea typeface="Arial" pitchFamily="34" charset="-122"/>
-                <a:cs typeface="Arial" pitchFamily="34" charset="-120"/>
-              </a:rPr>
-              <a:t>AI Safety Measures</a:t>
-            </a:r>
-            <a:endParaRPr lang="en-US" sz="1200" dirty="0"/>
-          </a:p>
-        </p:txBody>
-      </p:sp>
-      <p:sp>
-        <p:nvSpPr>
-          <p:cNvPr id="19" name="Text 17"/>
-          <p:cNvSpPr/>
-          <p:nvPr/>
-        </p:nvSpPr>
-        <p:spPr>
-          <a:xfrm>
-            <a:off x="4968776" y="1672977"/>
-            <a:ext cx="3476774" cy="476250"/>
-          </a:xfrm>
-          <a:prstGeom prst="rect">
-            <a:avLst/>
-          </a:prstGeom>
-          <a:noFill/>
-          <a:ln/>
-        </p:spPr>
-        <p:txBody>
-          <a:bodyPr wrap="square" lIns="101600" tIns="0" rIns="0" bIns="0" rtlCol="0" anchor="t"/>
-          <a:lstStyle/>
-          <a:p>
-            <a:pPr algn="l" marL="101600" indent="-101600">
-              <a:spcAft>
-                <a:spcPts val="300"/>
-              </a:spcAft>
-              <a:buSzPct val="100000"/>
-              <a:buChar char="•"/>
-            </a:pPr>
-            <a:r>
               <a:rPr lang="en-US" sz="900" dirty="0">
                 <a:solidFill>
-                  <a:srgbClr val="333333"/>
-                </a:solidFill>
-                <a:latin typeface="Arial" pitchFamily="34" charset="0"/>
-                <a:ea typeface="Arial" pitchFamily="34" charset="-122"/>
-                <a:cs typeface="Arial" pitchFamily="34" charset="-120"/>
-              </a:rPr>
-              <a:t>"Advisory Only" disclaimers on all AI output</a:t>
-            </a:r>
-            <a:endParaRPr lang="en-US" sz="900" dirty="0"/>
-          </a:p>
-          <a:p>
-            <a:pPr algn="l" marL="101600" indent="-101600">
-              <a:spcAft>
-                <a:spcPts val="300"/>
-              </a:spcAft>
-              <a:buSzPct val="100000"/>
-              <a:buChar char="•"/>
-            </a:pPr>
-            <a:r>
-              <a:rPr lang="en-US" sz="900" dirty="0">
-                <a:solidFill>
-                  <a:srgbClr val="333333"/>
-                </a:solidFill>
-                <a:latin typeface="Arial" pitchFamily="34" charset="0"/>
-                <a:ea typeface="Arial" pitchFamily="34" charset="-122"/>
-                <a:cs typeface="Arial" pitchFamily="34" charset="-120"/>
-              </a:rPr>
-              <a:t>Community flagging for bad analysis</a:t>
-            </a:r>
-            <a:endParaRPr lang="en-US" sz="900" dirty="0"/>
-          </a:p>
-          <a:p>
-            <a:pPr algn="l" marL="101600" indent="-101600">
-              <a:spcAft>
-                <a:spcPts val="300"/>
-              </a:spcAft>
-              <a:buSzPct val="100000"/>
-              <a:buChar char="•"/>
-            </a:pPr>
-            <a:r>
-              <a:rPr lang="en-US" sz="900" dirty="0">
-                <a:solidFill>
-                  <a:srgbClr val="333333"/>
-                </a:solidFill>
-                <a:latin typeface="Arial" pitchFamily="34" charset="0"/>
-                <a:ea typeface="Arial" pitchFamily="34" charset="-122"/>
-                <a:cs typeface="Arial" pitchFamily="34" charset="-120"/>
-              </a:rPr>
-              <a:t>Human review for high-value proposals (&gt;$10M)</a:t>
-            </a:r>
-            <a:endParaRPr lang="en-US" sz="900" dirty="0"/>
-          </a:p>
-        </p:txBody>
-      </p:sp>
-      <p:sp>
-        <p:nvSpPr>
-          <p:cNvPr id="20" name="Text 18"/>
-          <p:cNvSpPr/>
-          <p:nvPr/>
-        </p:nvSpPr>
-        <p:spPr>
-          <a:xfrm>
-            <a:off x="4730651" y="2530227"/>
-            <a:ext cx="3905399" cy="1314450"/>
-          </a:xfrm>
-          <a:prstGeom prst="roundRect">
-            <a:avLst>
-              <a:gd name="adj" fmla="val 7729"/>
-            </a:avLst>
-          </a:prstGeom>
-          <a:solidFill>
-            <a:srgbClr val="FFFFFF"/>
-          </a:solidFill>
-          <a:ln/>
-          <a:effectLst>
-            <a:outerShdw sx="100000" sy="100000" kx="0" ky="0" algn="bl" rotWithShape="0" blurRad="57150" dist="19050" dir="5400000">
-              <a:srgbClr val="000000">
-                <a:alpha val="8000"/>
-              </a:srgbClr>
-            </a:outerShdw>
-          </a:effectLst>
-        </p:spPr>
-        <p:txBody>
-          <a:bodyPr wrap="square" rtlCol="0" anchor="ctr"/>
-          <a:lstStyle/>
-          <a:p>
-            <a:pPr indent="0" marL="0">
-              <a:buNone/>
-            </a:pPr>
-            <a:endParaRPr lang="en-US" dirty="0"/>
-          </a:p>
-        </p:txBody>
-      </p:sp>
-      <p:sp>
-        <p:nvSpPr>
-          <p:cNvPr id="21" name="Shape 19"/>
-          <p:cNvSpPr/>
-          <p:nvPr/>
-        </p:nvSpPr>
-        <p:spPr>
-          <a:xfrm>
-            <a:off x="4754463" y="2530227"/>
-            <a:ext cx="0" cy="1314450"/>
-          </a:xfrm>
-          <a:prstGeom prst="line">
-            <a:avLst/>
-          </a:prstGeom>
-          <a:noFill/>
-          <a:ln w="47625">
-            <a:solidFill>
-              <a:srgbClr val="E94560"/>
-            </a:solidFill>
-            <a:prstDash val="solid"/>
-          </a:ln>
-        </p:spPr>
-      </p:sp>
-      <p:sp>
-        <p:nvSpPr>
-          <p:cNvPr id="22" name="Text 20"/>
-          <p:cNvSpPr/>
-          <p:nvPr/>
-        </p:nvSpPr>
-        <p:spPr>
-          <a:xfrm>
-            <a:off x="4968776" y="2720727"/>
-            <a:ext cx="3546309" cy="171450"/>
-          </a:xfrm>
-          <a:prstGeom prst="rect">
-            <a:avLst/>
-          </a:prstGeom>
-          <a:noFill/>
-          <a:ln/>
-        </p:spPr>
-        <p:txBody>
-          <a:bodyPr wrap="square" lIns="0" tIns="0" rIns="0" bIns="0" rtlCol="0" anchor="t"/>
-          <a:lstStyle/>
-          <a:p>
-            <a:pPr algn="l" indent="0" marL="0">
-              <a:spcAft>
-                <a:spcPts val="600"/>
-              </a:spcAft>
-              <a:buNone/>
-            </a:pPr>
-            <a:r>
-              <a:rPr lang="en-US" sz="1200" b="1" dirty="0">
-                <a:solidFill>
-                  <a:srgbClr val="0F3460"/>
-                </a:solidFill>
-                <a:latin typeface="Arial" pitchFamily="34" charset="0"/>
-                <a:ea typeface="Arial" pitchFamily="34" charset="-122"/>
-                <a:cs typeface="Arial" pitchFamily="34" charset="-120"/>
-              </a:rPr>
-              <a:t>API Security</a:t>
-            </a:r>
-            <a:endParaRPr lang="en-US" sz="1200" dirty="0"/>
-          </a:p>
-        </p:txBody>
-      </p:sp>
-      <p:sp>
-        <p:nvSpPr>
-          <p:cNvPr id="23" name="Text 21"/>
-          <p:cNvSpPr/>
-          <p:nvPr/>
-        </p:nvSpPr>
-        <p:spPr>
-          <a:xfrm>
-            <a:off x="4968776" y="2968377"/>
-            <a:ext cx="3476774" cy="647700"/>
-          </a:xfrm>
-          <a:prstGeom prst="rect">
-            <a:avLst/>
-          </a:prstGeom>
-          <a:noFill/>
-          <a:ln/>
-        </p:spPr>
-        <p:txBody>
-          <a:bodyPr wrap="square" lIns="101600" tIns="0" rIns="0" bIns="0" rtlCol="0" anchor="t"/>
-          <a:lstStyle/>
-          <a:p>
-            <a:pPr algn="l" marL="101600" indent="-101600">
-              <a:spcAft>
-                <a:spcPts val="300"/>
-              </a:spcAft>
-              <a:buSzPct val="100000"/>
-              <a:buChar char="•"/>
-            </a:pPr>
-            <a:r>
-              <a:rPr lang="en-US" sz="900" dirty="0">
-                <a:solidFill>
-                  <a:srgbClr val="333333"/>
-                </a:solidFill>
-                <a:latin typeface="Arial" pitchFamily="34" charset="0"/>
-                <a:ea typeface="Arial" pitchFamily="34" charset="-122"/>
-                <a:cs typeface="Arial" pitchFamily="34" charset="-120"/>
-              </a:rPr>
-              <a:t>Rate limiting: 100 req/min per IP</a:t>
-            </a:r>
-            <a:endParaRPr lang="en-US" sz="900" dirty="0"/>
-          </a:p>
-          <a:p>
-            <a:pPr algn="l" marL="101600" indent="-101600">
-              <a:spcAft>
-                <a:spcPts val="300"/>
-              </a:spcAft>
-              <a:buSzPct val="100000"/>
-              <a:buChar char="•"/>
-            </a:pPr>
-            <a:r>
-              <a:rPr lang="en-US" sz="900" dirty="0">
-                <a:solidFill>
-                  <a:srgbClr val="333333"/>
-                </a:solidFill>
-                <a:latin typeface="Arial" pitchFamily="34" charset="0"/>
-                <a:ea typeface="Arial" pitchFamily="34" charset="-122"/>
-                <a:cs typeface="Arial" pitchFamily="34" charset="-120"/>
-              </a:rPr>
-              <a:t>CORS whitelist</a:t>
-            </a:r>
-            <a:endParaRPr lang="en-US" sz="900" dirty="0"/>
-          </a:p>
-          <a:p>
-            <a:pPr algn="l" marL="101600" indent="-101600">
-              <a:spcAft>
-                <a:spcPts val="300"/>
-              </a:spcAft>
-              <a:buSzPct val="100000"/>
-              <a:buChar char="•"/>
-            </a:pPr>
-            <a:r>
-              <a:rPr lang="en-US" sz="900" dirty="0">
-                <a:solidFill>
-                  <a:srgbClr val="333333"/>
-                </a:solidFill>
-                <a:latin typeface="Arial" pitchFamily="34" charset="0"/>
-                <a:ea typeface="Arial" pitchFamily="34" charset="-122"/>
-                <a:cs typeface="Arial" pitchFamily="34" charset="-120"/>
-              </a:rPr>
-              <a:t>Zod input validation</a:t>
-            </a:r>
-            <a:endParaRPr lang="en-US" sz="900" dirty="0"/>
-          </a:p>
-          <a:p>
-            <a:pPr algn="l" marL="101600" indent="-101600">
-              <a:spcAft>
-                <a:spcPts val="300"/>
-              </a:spcAft>
-              <a:buSzPct val="100000"/>
-              <a:buChar char="•"/>
-            </a:pPr>
-            <a:r>
-              <a:rPr lang="en-US" sz="900" dirty="0">
-                <a:solidFill>
-                  <a:srgbClr val="333333"/>
-                </a:solidFill>
-                <a:latin typeface="Arial" pitchFamily="34" charset="0"/>
-                <a:ea typeface="Arial" pitchFamily="34" charset="-122"/>
-                <a:cs typeface="Arial" pitchFamily="34" charset="-120"/>
-              </a:rPr>
-              <a:t>No SQL injection risk (parameterized queries)</a:t>
+                  <a:srgbClr val="FFFFFF"/>
+                </a:solidFill>
+                <a:latin typeface="Arial" pitchFamily="34" charset="0"/>
+                <a:ea typeface="Arial" pitchFamily="34" charset="-122"/>
+                <a:cs typeface="Arial" pitchFamily="34" charset="-120"/>
+              </a:rPr>
+              <a:t>Each DAO's governance patterns learned and optimized separately</a:t>
             </a:r>
             <a:endParaRPr lang="en-US" sz="900" dirty="0"/>
           </a:p>
@@ -3023,7 +3379,7 @@
                 <a:ea typeface="Arial" pitchFamily="34" charset="-122"/>
                 <a:cs typeface="Arial" pitchFamily="34" charset="-120"/>
               </a:rPr>
-              <a:t>Future: Cross-Chain Governance Identity</a:t>
+              <a:t>Security &amp; Trust: Non-Custodial by Design</a:t>
             </a:r>
             <a:endParaRPr lang="en-US" sz="2800" dirty="0"/>
           </a:p>
@@ -3037,12 +3393,12 @@
         </p:nvSpPr>
         <p:spPr>
           <a:xfrm>
-            <a:off x="507950" y="1171277"/>
-            <a:ext cx="8128099" cy="1133475"/>
+            <a:off x="507950" y="1234827"/>
+            <a:ext cx="3905250" cy="984052"/>
           </a:xfrm>
           <a:prstGeom prst="roundRect">
             <a:avLst>
-              <a:gd name="adj" fmla="val 8964"/>
+              <a:gd name="adj" fmla="val 10325"/>
             </a:avLst>
           </a:prstGeom>
           <a:solidFill>
@@ -3070,35 +3426,26 @@
       </p:sp>
       <p:sp>
         <p:nvSpPr>
-          <p:cNvPr id="5" name="Text 3"/>
-          <p:cNvSpPr/>
-          <p:nvPr/>
-        </p:nvSpPr>
-        <p:spPr>
-          <a:xfrm>
-            <a:off x="698450" y="1323677"/>
-            <a:ext cx="634901" cy="634901"/>
-          </a:xfrm>
-          <a:prstGeom prst="roundRect">
-            <a:avLst>
-              <a:gd name="adj" fmla="val 144022"/>
-            </a:avLst>
-          </a:prstGeom>
-          <a:solidFill>
-            <a:srgbClr val="E94560"/>
-          </a:solidFill>
-          <a:ln/>
-        </p:spPr>
-        <p:txBody>
-          <a:bodyPr wrap="square" rtlCol="0" anchor="ctr"/>
-          <a:lstStyle/>
-          <a:p>
-            <a:pPr indent="0" marL="0">
-              <a:buNone/>
-            </a:pPr>
-            <a:endParaRPr lang="en-US" dirty="0"/>
-          </a:p>
-        </p:txBody>
+          <p:cNvPr id="5" name="Shape 3"/>
+          <p:cNvSpPr/>
+          <p:nvPr/>
+        </p:nvSpPr>
+        <p:spPr>
+          <a:xfrm>
+            <a:off x="531763" y="1234827"/>
+            <a:ext cx="0" cy="984052"/>
+          </a:xfrm>
+          <a:prstGeom prst="line">
+            <a:avLst/>
+          </a:prstGeom>
+          <a:noFill/>
+          <a:ln w="47625">
+            <a:solidFill>
+              <a:srgbClr val="E94560"/>
+            </a:solidFill>
+            <a:prstDash val="solid"/>
+          </a:ln>
+        </p:spPr>
       </p:sp>
       <p:sp>
         <p:nvSpPr>
@@ -3108,47 +3455,8 @@
         </p:nvSpPr>
         <p:spPr>
           <a:xfrm>
-            <a:off x="966341" y="1536353"/>
-            <a:ext cx="100950" cy="209550"/>
-          </a:xfrm>
-          <a:prstGeom prst="rect">
-            <a:avLst/>
-          </a:prstGeom>
-          <a:noFill/>
-          <a:ln/>
-        </p:spPr>
-        <p:txBody>
-          <a:bodyPr wrap="square" lIns="0" tIns="0" rIns="0" bIns="0" rtlCol="0" anchor="t"/>
-          <a:lstStyle/>
-          <a:p>
-            <a:pPr algn="l" indent="0" marL="0">
-              <a:buNone/>
-            </a:pPr>
-            <a:r>
-              <a:rPr lang="en-US" sz="1400" b="1" dirty="0">
-                <a:solidFill>
-                  <a:srgbClr val="FFFFFF"/>
-                </a:solidFill>
-                <a:latin typeface="Arial" pitchFamily="34" charset="0"/>
-                <a:ea typeface="Arial" pitchFamily="34" charset="-122"/>
-                <a:cs typeface="Arial" pitchFamily="34" charset="-120"/>
-              </a:rPr>
-              <a:t>1</a:t>
-            </a:r>
-            <a:endParaRPr lang="en-US" sz="1400" dirty="0"/>
-          </a:p>
-        </p:txBody>
-      </p:sp>
-      <p:sp>
-        <p:nvSpPr>
-          <p:cNvPr id="7" name="Text 5"/>
-          <p:cNvSpPr/>
-          <p:nvPr/>
-        </p:nvSpPr>
-        <p:spPr>
-          <a:xfrm>
-            <a:off x="1523851" y="1323677"/>
-            <a:ext cx="2951690" cy="209550"/>
+            <a:off x="746075" y="1425327"/>
+            <a:ext cx="3546158" cy="171450"/>
           </a:xfrm>
           <a:prstGeom prst="rect">
             <a:avLst/>
@@ -3167,7 +3475,7 @@
               <a:buNone/>
             </a:pPr>
             <a:r>
-              <a:rPr lang="en-US" sz="1400" b="1" dirty="0">
+              <a:rPr lang="en-US" sz="1200" b="1" dirty="0">
                 <a:solidFill>
                   <a:srgbClr val="0F3460"/>
                 </a:solidFill>
@@ -3175,9 +3483,51 @@
                 <a:ea typeface="Arial" pitchFamily="34" charset="-122"/>
                 <a:cs typeface="Arial" pitchFamily="34" charset="-120"/>
               </a:rPr>
-              <a:t>Phase 1: Foundation (2026 Q2-Q3)</a:t>
-            </a:r>
-            <a:endParaRPr lang="en-US" sz="1400" dirty="0"/>
+              <a:t>No Custody of Funds</a:t>
+            </a:r>
+            <a:endParaRPr lang="en-US" sz="1200" dirty="0"/>
+          </a:p>
+        </p:txBody>
+      </p:sp>
+      <p:sp>
+        <p:nvSpPr>
+          <p:cNvPr id="7" name="Text 5"/>
+          <p:cNvSpPr/>
+          <p:nvPr/>
+        </p:nvSpPr>
+        <p:spPr>
+          <a:xfrm>
+            <a:off x="746075" y="1672977"/>
+            <a:ext cx="3546158" cy="355402"/>
+          </a:xfrm>
+          <a:prstGeom prst="rect">
+            <a:avLst/>
+          </a:prstGeom>
+          <a:noFill/>
+          <a:ln/>
+        </p:spPr>
+        <p:txBody>
+          <a:bodyPr wrap="square" lIns="0" tIns="0" rIns="0" bIns="0" rtlCol="0" anchor="t"/>
+          <a:lstStyle/>
+          <a:p>
+            <a:pPr algn="l" indent="0" marL="0">
+              <a:lnSpc>
+                <a:spcPts val="1400"/>
+              </a:lnSpc>
+              <a:buNone/>
+            </a:pPr>
+            <a:r>
+              <a:rPr lang="en-US" sz="1000" dirty="0">
+                <a:solidFill>
+                  <a:srgbClr val="333333"/>
+                </a:solidFill>
+                <a:latin typeface="Arial" pitchFamily="34" charset="0"/>
+                <a:ea typeface="Arial" pitchFamily="34" charset="-122"/>
+                <a:cs typeface="Arial" pitchFamily="34" charset="-120"/>
+              </a:rPr>
+              <a:t>We never hold user tokens. Voting power is queried from chain, not stored.</a:t>
+            </a:r>
+            <a:endParaRPr lang="en-US" sz="1000" dirty="0"/>
           </a:p>
         </p:txBody>
       </p:sp>
@@ -3189,97 +3539,12 @@
         </p:nvSpPr>
         <p:spPr>
           <a:xfrm>
-            <a:off x="1523851" y="1609427"/>
-            <a:ext cx="2893814" cy="504825"/>
-          </a:xfrm>
-          <a:prstGeom prst="rect">
-            <a:avLst/>
-          </a:prstGeom>
-          <a:noFill/>
-          <a:ln/>
-        </p:spPr>
-        <p:txBody>
-          <a:bodyPr wrap="square" lIns="101600" tIns="0" rIns="0" bIns="0" rtlCol="0" anchor="t"/>
-          <a:lstStyle/>
-          <a:p>
-            <a:pPr algn="l" marL="101600" indent="-101600">
-              <a:spcAft>
-                <a:spcPts val="300"/>
-              </a:spcAft>
-              <a:buSzPct val="100000"/>
-              <a:buChar char="•"/>
-            </a:pPr>
-            <a:r>
-              <a:rPr lang="en-US" sz="1000" dirty="0">
-                <a:solidFill>
-                  <a:srgbClr val="333333"/>
-                </a:solidFill>
-                <a:latin typeface="Arial" pitchFamily="34" charset="0"/>
-                <a:ea typeface="Arial" pitchFamily="34" charset="-122"/>
-                <a:cs typeface="Arial" pitchFamily="34" charset="-120"/>
-              </a:rPr>
-              <a:t>50+ DAOs, 10+ chains, 10K MAU</a:t>
-            </a:r>
-            <a:endParaRPr lang="en-US" sz="1000" dirty="0"/>
-          </a:p>
-          <a:p>
-            <a:pPr algn="l" marL="101600" indent="-101600">
-              <a:spcAft>
-                <a:spcPts val="300"/>
-              </a:spcAft>
-              <a:buSzPct val="100000"/>
-              <a:buChar char="•"/>
-            </a:pPr>
-            <a:r>
-              <a:rPr lang="en-US" sz="1000" dirty="0">
-                <a:solidFill>
-                  <a:srgbClr val="333333"/>
-                </a:solidFill>
-                <a:latin typeface="Arial" pitchFamily="34" charset="0"/>
-                <a:ea typeface="Arial" pitchFamily="34" charset="-122"/>
-                <a:cs typeface="Arial" pitchFamily="34" charset="-120"/>
-              </a:rPr>
-              <a:t>Mobile app launch</a:t>
-            </a:r>
-            <a:endParaRPr lang="en-US" sz="1000" dirty="0"/>
-          </a:p>
-          <a:p>
-            <a:pPr algn="l" marL="101600" indent="-101600">
-              <a:spcAft>
-                <a:spcPts val="300"/>
-              </a:spcAft>
-              <a:buSzPct val="100000"/>
-              <a:buChar char="•"/>
-            </a:pPr>
-            <a:r>
-              <a:rPr lang="en-US" sz="1000" dirty="0">
-                <a:solidFill>
-                  <a:srgbClr val="333333"/>
-                </a:solidFill>
-                <a:latin typeface="Arial" pitchFamily="34" charset="0"/>
-                <a:ea typeface="Arial" pitchFamily="34" charset="-122"/>
-                <a:cs typeface="Arial" pitchFamily="34" charset="-120"/>
-              </a:rPr>
-              <a:t>First DAO partnerships</a:t>
-            </a:r>
-            <a:endParaRPr lang="en-US" sz="1000" dirty="0"/>
-          </a:p>
-        </p:txBody>
-      </p:sp>
-      <p:sp>
-        <p:nvSpPr>
-          <p:cNvPr id="9" name="Text 7"/>
-          <p:cNvSpPr/>
-          <p:nvPr/>
-        </p:nvSpPr>
-        <p:spPr>
-          <a:xfrm>
-            <a:off x="507950" y="2457152"/>
-            <a:ext cx="8128099" cy="1133475"/>
+            <a:off x="507950" y="2371279"/>
+            <a:ext cx="3905250" cy="984052"/>
           </a:xfrm>
           <a:prstGeom prst="roundRect">
             <a:avLst>
-              <a:gd name="adj" fmla="val 8964"/>
+              <a:gd name="adj" fmla="val 10325"/>
             </a:avLst>
           </a:prstGeom>
           <a:solidFill>
@@ -3307,85 +3572,37 @@
       </p:sp>
       <p:sp>
         <p:nvSpPr>
+          <p:cNvPr id="9" name="Shape 7"/>
+          <p:cNvSpPr/>
+          <p:nvPr/>
+        </p:nvSpPr>
+        <p:spPr>
+          <a:xfrm>
+            <a:off x="531763" y="2371279"/>
+            <a:ext cx="0" cy="984052"/>
+          </a:xfrm>
+          <a:prstGeom prst="line">
+            <a:avLst/>
+          </a:prstGeom>
+          <a:noFill/>
+          <a:ln w="47625">
+            <a:solidFill>
+              <a:srgbClr val="E94560"/>
+            </a:solidFill>
+            <a:prstDash val="solid"/>
+          </a:ln>
+        </p:spPr>
+      </p:sp>
+      <p:sp>
+        <p:nvSpPr>
           <p:cNvPr id="10" name="Text 8"/>
           <p:cNvSpPr/>
           <p:nvPr/>
         </p:nvSpPr>
         <p:spPr>
           <a:xfrm>
-            <a:off x="698450" y="2609552"/>
-            <a:ext cx="634901" cy="634901"/>
-          </a:xfrm>
-          <a:prstGeom prst="roundRect">
-            <a:avLst>
-              <a:gd name="adj" fmla="val 144022"/>
-            </a:avLst>
-          </a:prstGeom>
-          <a:solidFill>
-            <a:srgbClr val="E94560"/>
-          </a:solidFill>
-          <a:ln/>
-        </p:spPr>
-        <p:txBody>
-          <a:bodyPr wrap="square" rtlCol="0" anchor="ctr"/>
-          <a:lstStyle/>
-          <a:p>
-            <a:pPr indent="0" marL="0">
-              <a:buNone/>
-            </a:pPr>
-            <a:endParaRPr lang="en-US" dirty="0"/>
-          </a:p>
-        </p:txBody>
-      </p:sp>
-      <p:sp>
-        <p:nvSpPr>
-          <p:cNvPr id="11" name="Text 9"/>
-          <p:cNvSpPr/>
-          <p:nvPr/>
-        </p:nvSpPr>
-        <p:spPr>
-          <a:xfrm>
-            <a:off x="966341" y="2822228"/>
-            <a:ext cx="100950" cy="209550"/>
-          </a:xfrm>
-          <a:prstGeom prst="rect">
-            <a:avLst/>
-          </a:prstGeom>
-          <a:noFill/>
-          <a:ln/>
-        </p:spPr>
-        <p:txBody>
-          <a:bodyPr wrap="square" lIns="0" tIns="0" rIns="0" bIns="0" rtlCol="0" anchor="t"/>
-          <a:lstStyle/>
-          <a:p>
-            <a:pPr algn="l" indent="0" marL="0">
-              <a:buNone/>
-            </a:pPr>
-            <a:r>
-              <a:rPr lang="en-US" sz="1400" b="1" dirty="0">
-                <a:solidFill>
-                  <a:srgbClr val="FFFFFF"/>
-                </a:solidFill>
-                <a:latin typeface="Arial" pitchFamily="34" charset="0"/>
-                <a:ea typeface="Arial" pitchFamily="34" charset="-122"/>
-                <a:cs typeface="Arial" pitchFamily="34" charset="-120"/>
-              </a:rPr>
-              <a:t>2</a:t>
-            </a:r>
-            <a:endParaRPr lang="en-US" sz="1400" dirty="0"/>
-          </a:p>
-        </p:txBody>
-      </p:sp>
-      <p:sp>
-        <p:nvSpPr>
-          <p:cNvPr id="12" name="Text 10"/>
-          <p:cNvSpPr/>
-          <p:nvPr/>
-        </p:nvSpPr>
-        <p:spPr>
-          <a:xfrm>
-            <a:off x="1523851" y="2609552"/>
-            <a:ext cx="4527271" cy="209550"/>
+            <a:off x="746075" y="2561779"/>
+            <a:ext cx="3546158" cy="171450"/>
           </a:xfrm>
           <a:prstGeom prst="rect">
             <a:avLst/>
@@ -3404,7 +3621,7 @@
               <a:buNone/>
             </a:pPr>
             <a:r>
-              <a:rPr lang="en-US" sz="1400" b="1" dirty="0">
+              <a:rPr lang="en-US" sz="1200" b="1" dirty="0">
                 <a:solidFill>
                   <a:srgbClr val="0F3460"/>
                 </a:solidFill>
@@ -3412,39 +3629,38 @@
                 <a:ea typeface="Arial" pitchFamily="34" charset="-122"/>
                 <a:cs typeface="Arial" pitchFamily="34" charset="-120"/>
               </a:rPr>
-              <a:t>Phase 2: Ecosystem (2026 Q4-2027 Q2)</a:t>
-            </a:r>
-            <a:endParaRPr lang="en-US" sz="1400" dirty="0"/>
-          </a:p>
-        </p:txBody>
-      </p:sp>
-      <p:sp>
-        <p:nvSpPr>
-          <p:cNvPr id="13" name="Text 11"/>
-          <p:cNvSpPr/>
-          <p:nvPr/>
-        </p:nvSpPr>
-        <p:spPr>
-          <a:xfrm>
-            <a:off x="1523851" y="2895302"/>
-            <a:ext cx="4438501" cy="504825"/>
-          </a:xfrm>
-          <a:prstGeom prst="rect">
-            <a:avLst/>
-          </a:prstGeom>
-          <a:noFill/>
-          <a:ln/>
-        </p:spPr>
-        <p:txBody>
-          <a:bodyPr wrap="square" lIns="101600" tIns="0" rIns="0" bIns="0" rtlCol="0" anchor="t"/>
-          <a:lstStyle/>
-          <a:p>
-            <a:pPr algn="l" marL="101600" indent="-101600">
-              <a:spcAft>
-                <a:spcPts val="300"/>
-              </a:spcAft>
-              <a:buSzPct val="100000"/>
-              <a:buChar char="•"/>
+              <a:t>Off-Chain Signatures Only</a:t>
+            </a:r>
+            <a:endParaRPr lang="en-US" sz="1200" dirty="0"/>
+          </a:p>
+        </p:txBody>
+      </p:sp>
+      <p:sp>
+        <p:nvSpPr>
+          <p:cNvPr id="11" name="Text 9"/>
+          <p:cNvSpPr/>
+          <p:nvPr/>
+        </p:nvSpPr>
+        <p:spPr>
+          <a:xfrm>
+            <a:off x="746075" y="2809429"/>
+            <a:ext cx="3546158" cy="355402"/>
+          </a:xfrm>
+          <a:prstGeom prst="rect">
+            <a:avLst/>
+          </a:prstGeom>
+          <a:noFill/>
+          <a:ln/>
+        </p:spPr>
+        <p:txBody>
+          <a:bodyPr wrap="square" lIns="0" tIns="0" rIns="0" bIns="0" rtlCol="0" anchor="t"/>
+          <a:lstStyle/>
+          <a:p>
+            <a:pPr algn="l" indent="0" marL="0">
+              <a:lnSpc>
+                <a:spcPts val="1400"/>
+              </a:lnSpc>
+              <a:buNone/>
             </a:pPr>
             <a:r>
               <a:rPr lang="en-US" sz="1000" dirty="0">
@@ -3455,102 +3671,26 @@
                 <a:ea typeface="Arial" pitchFamily="34" charset="-122"/>
                 <a:cs typeface="Arial" pitchFamily="34" charset="-120"/>
               </a:rPr>
-              <a:t>Governance Passport</a:t>
-            </a:r>
-            <a:pPr algn="l" indent="0" marL="0">
-              <a:spcAft>
-                <a:spcPts val="300"/>
-              </a:spcAft>
-              <a:buNone/>
-            </a:pPr>
-            <a:r>
-              <a:rPr lang="en-US" sz="1000" dirty="0">
-                <a:solidFill>
-                  <a:srgbClr val="333333"/>
-                </a:solidFill>
-                <a:latin typeface="Arial" pitchFamily="34" charset="0"/>
-                <a:ea typeface="Arial" pitchFamily="34" charset="-122"/>
-                <a:cs typeface="Arial" pitchFamily="34" charset="-120"/>
-              </a:rPr>
-              <a:t>: Cross-chain identity aggregating all voting history</a:t>
+              <a:t>EIP-712 structured signing. No smart contract interactions, no gas fees, no exploit risk.</a:t>
             </a:r>
             <a:endParaRPr lang="en-US" sz="1000" dirty="0"/>
           </a:p>
-          <a:p>
-            <a:pPr algn="l" marL="101600" indent="-101600">
-              <a:spcAft>
-                <a:spcPts val="300"/>
-              </a:spcAft>
-              <a:buSzPct val="100000"/>
-              <a:buChar char="•"/>
-            </a:pPr>
-            <a:r>
-              <a:rPr lang="en-US" sz="1000" dirty="0">
-                <a:solidFill>
-                  <a:srgbClr val="333333"/>
-                </a:solidFill>
-                <a:latin typeface="Arial" pitchFamily="34" charset="0"/>
-                <a:ea typeface="Arial" pitchFamily="34" charset="-122"/>
-                <a:cs typeface="Arial" pitchFamily="34" charset="-120"/>
-              </a:rPr>
-              <a:t>$VOTE Token</a:t>
-            </a:r>
-            <a:pPr algn="l" indent="0" marL="0">
-              <a:spcAft>
-                <a:spcPts val="300"/>
-              </a:spcAft>
-              <a:buNone/>
-            </a:pPr>
-            <a:r>
-              <a:rPr lang="en-US" sz="1000" dirty="0">
-                <a:solidFill>
-                  <a:srgbClr val="333333"/>
-                </a:solidFill>
-                <a:latin typeface="Arial" pitchFamily="34" charset="0"/>
-                <a:ea typeface="Arial" pitchFamily="34" charset="-122"/>
-                <a:cs typeface="Arial" pitchFamily="34" charset="-120"/>
-              </a:rPr>
-              <a:t>: Points convert to governance token (Solana phone model)</a:t>
-            </a:r>
-            <a:endParaRPr lang="en-US" sz="1000" dirty="0"/>
-          </a:p>
-          <a:p>
-            <a:pPr algn="l" marL="101600" indent="-101600">
-              <a:spcAft>
-                <a:spcPts val="300"/>
-              </a:spcAft>
-              <a:buSzPct val="100000"/>
-              <a:buChar char="•"/>
-            </a:pPr>
-            <a:r>
-              <a:rPr lang="en-US" sz="1000" dirty="0">
-                <a:solidFill>
-                  <a:srgbClr val="333333"/>
-                </a:solidFill>
-                <a:latin typeface="Arial" pitchFamily="34" charset="0"/>
-                <a:ea typeface="Arial" pitchFamily="34" charset="-122"/>
-                <a:cs typeface="Arial" pitchFamily="34" charset="-120"/>
-              </a:rPr>
-              <a:t>Governance Score used for DeFi protocol airdrops</a:t>
-            </a:r>
-            <a:endParaRPr lang="en-US" sz="1000" dirty="0"/>
-          </a:p>
-        </p:txBody>
-      </p:sp>
-      <p:sp>
-        <p:nvSpPr>
-          <p:cNvPr id="14" name="Text 12"/>
-          <p:cNvSpPr/>
-          <p:nvPr/>
-        </p:nvSpPr>
-        <p:spPr>
-          <a:xfrm>
-            <a:off x="507950" y="3743027"/>
-            <a:ext cx="8128099" cy="1133475"/>
+        </p:txBody>
+      </p:sp>
+      <p:sp>
+        <p:nvSpPr>
+          <p:cNvPr id="12" name="Text 10"/>
+          <p:cNvSpPr/>
+          <p:nvPr/>
+        </p:nvSpPr>
+        <p:spPr>
+          <a:xfrm>
+            <a:off x="507950" y="3507730"/>
+            <a:ext cx="3905250" cy="984052"/>
           </a:xfrm>
           <a:prstGeom prst="roundRect">
             <a:avLst>
-              <a:gd name="adj" fmla="val 8964"/>
+              <a:gd name="adj" fmla="val 10325"/>
             </a:avLst>
           </a:prstGeom>
           <a:solidFill>
@@ -3578,85 +3718,37 @@
       </p:sp>
       <p:sp>
         <p:nvSpPr>
-          <p:cNvPr id="15" name="Text 13"/>
-          <p:cNvSpPr/>
-          <p:nvPr/>
-        </p:nvSpPr>
-        <p:spPr>
-          <a:xfrm>
-            <a:off x="698450" y="3895427"/>
-            <a:ext cx="634901" cy="634901"/>
-          </a:xfrm>
-          <a:prstGeom prst="roundRect">
-            <a:avLst>
-              <a:gd name="adj" fmla="val 144022"/>
-            </a:avLst>
-          </a:prstGeom>
-          <a:solidFill>
-            <a:srgbClr val="E94560"/>
-          </a:solidFill>
-          <a:ln/>
-        </p:spPr>
-        <p:txBody>
-          <a:bodyPr wrap="square" rtlCol="0" anchor="ctr"/>
-          <a:lstStyle/>
-          <a:p>
-            <a:pPr indent="0" marL="0">
-              <a:buNone/>
-            </a:pPr>
-            <a:endParaRPr lang="en-US" dirty="0"/>
-          </a:p>
-        </p:txBody>
-      </p:sp>
-      <p:sp>
-        <p:nvSpPr>
-          <p:cNvPr id="16" name="Text 14"/>
-          <p:cNvSpPr/>
-          <p:nvPr/>
-        </p:nvSpPr>
-        <p:spPr>
-          <a:xfrm>
-            <a:off x="966341" y="4108103"/>
-            <a:ext cx="100950" cy="209550"/>
-          </a:xfrm>
-          <a:prstGeom prst="rect">
-            <a:avLst/>
-          </a:prstGeom>
-          <a:noFill/>
-          <a:ln/>
-        </p:spPr>
-        <p:txBody>
-          <a:bodyPr wrap="square" lIns="0" tIns="0" rIns="0" bIns="0" rtlCol="0" anchor="t"/>
-          <a:lstStyle/>
-          <a:p>
-            <a:pPr algn="l" indent="0" marL="0">
-              <a:buNone/>
-            </a:pPr>
-            <a:r>
-              <a:rPr lang="en-US" sz="1400" b="1" dirty="0">
-                <a:solidFill>
-                  <a:srgbClr val="FFFFFF"/>
-                </a:solidFill>
-                <a:latin typeface="Arial" pitchFamily="34" charset="0"/>
-                <a:ea typeface="Arial" pitchFamily="34" charset="-122"/>
-                <a:cs typeface="Arial" pitchFamily="34" charset="-120"/>
-              </a:rPr>
-              <a:t>3</a:t>
-            </a:r>
-            <a:endParaRPr lang="en-US" sz="1400" dirty="0"/>
-          </a:p>
-        </p:txBody>
-      </p:sp>
-      <p:sp>
-        <p:nvSpPr>
-          <p:cNvPr id="17" name="Text 15"/>
-          <p:cNvSpPr/>
-          <p:nvPr/>
-        </p:nvSpPr>
-        <p:spPr>
-          <a:xfrm>
-            <a:off x="1523851" y="3895427"/>
-            <a:ext cx="3946163" cy="209550"/>
+          <p:cNvPr id="13" name="Shape 11"/>
+          <p:cNvSpPr/>
+          <p:nvPr/>
+        </p:nvSpPr>
+        <p:spPr>
+          <a:xfrm>
+            <a:off x="531763" y="3507730"/>
+            <a:ext cx="0" cy="984052"/>
+          </a:xfrm>
+          <a:prstGeom prst="line">
+            <a:avLst/>
+          </a:prstGeom>
+          <a:noFill/>
+          <a:ln w="47625">
+            <a:solidFill>
+              <a:srgbClr val="E94560"/>
+            </a:solidFill>
+            <a:prstDash val="solid"/>
+          </a:ln>
+        </p:spPr>
+      </p:sp>
+      <p:sp>
+        <p:nvSpPr>
+          <p:cNvPr id="14" name="Text 12"/>
+          <p:cNvSpPr/>
+          <p:nvPr/>
+        </p:nvSpPr>
+        <p:spPr>
+          <a:xfrm>
+            <a:off x="746075" y="3698230"/>
+            <a:ext cx="3546158" cy="171450"/>
           </a:xfrm>
           <a:prstGeom prst="rect">
             <a:avLst/>
@@ -3675,7 +3767,7 @@
               <a:buNone/>
             </a:pPr>
             <a:r>
-              <a:rPr lang="en-US" sz="1400" b="1" dirty="0">
+              <a:rPr lang="en-US" sz="1200" b="1" dirty="0">
                 <a:solidFill>
                   <a:srgbClr val="0F3460"/>
                 </a:solidFill>
@@ -3683,11 +3775,115 @@
                 <a:ea typeface="Arial" pitchFamily="34" charset="-122"/>
                 <a:cs typeface="Arial" pitchFamily="34" charset="-120"/>
               </a:rPr>
-              <a:t>Phase 3: Protocol (2027 Q3-2028)</a:t>
-            </a:r>
-            <a:endParaRPr lang="en-US" sz="1400" dirty="0"/>
-          </a:p>
-        </p:txBody>
+              <a:t>Verified Data Sources</a:t>
+            </a:r>
+            <a:endParaRPr lang="en-US" sz="1200" dirty="0"/>
+          </a:p>
+        </p:txBody>
+      </p:sp>
+      <p:sp>
+        <p:nvSpPr>
+          <p:cNvPr id="15" name="Text 13"/>
+          <p:cNvSpPr/>
+          <p:nvPr/>
+        </p:nvSpPr>
+        <p:spPr>
+          <a:xfrm>
+            <a:off x="746075" y="3945880"/>
+            <a:ext cx="3546158" cy="355402"/>
+          </a:xfrm>
+          <a:prstGeom prst="rect">
+            <a:avLst/>
+          </a:prstGeom>
+          <a:noFill/>
+          <a:ln/>
+        </p:spPr>
+        <p:txBody>
+          <a:bodyPr wrap="square" lIns="0" tIns="0" rIns="0" bIns="0" rtlCol="0" anchor="t"/>
+          <a:lstStyle/>
+          <a:p>
+            <a:pPr algn="l" indent="0" marL="0">
+              <a:lnSpc>
+                <a:spcPts val="1400"/>
+              </a:lnSpc>
+              <a:buNone/>
+            </a:pPr>
+            <a:r>
+              <a:rPr lang="en-US" sz="1000" dirty="0">
+                <a:solidFill>
+                  <a:srgbClr val="333333"/>
+                </a:solidFill>
+                <a:latin typeface="Arial" pitchFamily="34" charset="0"/>
+                <a:ea typeface="Arial" pitchFamily="34" charset="-122"/>
+                <a:cs typeface="Arial" pitchFamily="34" charset="-120"/>
+              </a:rPr>
+              <a:t>All proposal data from official Snapshot API. All voting power from on-chain RPC calls.</a:t>
+            </a:r>
+            <a:endParaRPr lang="en-US" sz="1000" dirty="0"/>
+          </a:p>
+        </p:txBody>
+      </p:sp>
+      <p:sp>
+        <p:nvSpPr>
+          <p:cNvPr id="16" name="Text 14"/>
+          <p:cNvSpPr/>
+          <p:nvPr/>
+        </p:nvSpPr>
+        <p:spPr>
+          <a:xfrm>
+            <a:off x="4730651" y="1234827"/>
+            <a:ext cx="3905399" cy="1143000"/>
+          </a:xfrm>
+          <a:prstGeom prst="roundRect">
+            <a:avLst>
+              <a:gd name="adj" fmla="val 8889"/>
+            </a:avLst>
+          </a:prstGeom>
+          <a:solidFill>
+            <a:srgbClr val="FFFFFF"/>
+          </a:solidFill>
+          <a:ln/>
+          <a:effectLst>
+            <a:outerShdw sx="100000" sy="100000" kx="0" ky="0" algn="bl" rotWithShape="0" blurRad="57150" dist="19050" dir="5400000">
+              <a:srgbClr val="000000">
+                <a:alpha val="8000"/>
+              </a:srgbClr>
+            </a:outerShdw>
+          </a:effectLst>
+        </p:spPr>
+        <p:txBody>
+          <a:bodyPr wrap="square" rtlCol="0" anchor="ctr"/>
+          <a:lstStyle/>
+          <a:p>
+            <a:pPr indent="0" marL="0">
+              <a:buNone/>
+            </a:pPr>
+            <a:endParaRPr lang="en-US" dirty="0"/>
+          </a:p>
+        </p:txBody>
+      </p:sp>
+      <p:sp>
+        <p:nvSpPr>
+          <p:cNvPr id="17" name="Shape 15"/>
+          <p:cNvSpPr/>
+          <p:nvPr/>
+        </p:nvSpPr>
+        <p:spPr>
+          <a:xfrm>
+            <a:off x="4754463" y="1234827"/>
+            <a:ext cx="0" cy="1143000"/>
+          </a:xfrm>
+          <a:prstGeom prst="line">
+            <a:avLst/>
+          </a:prstGeom>
+          <a:noFill/>
+          <a:ln w="47625">
+            <a:solidFill>
+              <a:srgbClr val="E94560"/>
+            </a:solidFill>
+            <a:prstDash val="solid"/>
+          </a:ln>
+        </p:spPr>
       </p:sp>
       <p:sp>
         <p:nvSpPr>
@@ -3697,8 +3893,50 @@
         </p:nvSpPr>
         <p:spPr>
           <a:xfrm>
-            <a:off x="1523851" y="4181177"/>
-            <a:ext cx="3868787" cy="504825"/>
+            <a:off x="4968776" y="1425327"/>
+            <a:ext cx="3546309" cy="171450"/>
+          </a:xfrm>
+          <a:prstGeom prst="rect">
+            <a:avLst/>
+          </a:prstGeom>
+          <a:noFill/>
+          <a:ln/>
+        </p:spPr>
+        <p:txBody>
+          <a:bodyPr wrap="square" lIns="0" tIns="0" rIns="0" bIns="0" rtlCol="0" anchor="t"/>
+          <a:lstStyle/>
+          <a:p>
+            <a:pPr algn="l" indent="0" marL="0">
+              <a:spcAft>
+                <a:spcPts val="600"/>
+              </a:spcAft>
+              <a:buNone/>
+            </a:pPr>
+            <a:r>
+              <a:rPr lang="en-US" sz="1200" b="1" dirty="0">
+                <a:solidFill>
+                  <a:srgbClr val="0F3460"/>
+                </a:solidFill>
+                <a:latin typeface="Arial" pitchFamily="34" charset="0"/>
+                <a:ea typeface="Arial" pitchFamily="34" charset="-122"/>
+                <a:cs typeface="Arial" pitchFamily="34" charset="-120"/>
+              </a:rPr>
+              <a:t>AI Safety Measures</a:t>
+            </a:r>
+            <a:endParaRPr lang="en-US" sz="1200" dirty="0"/>
+          </a:p>
+        </p:txBody>
+      </p:sp>
+      <p:sp>
+        <p:nvSpPr>
+          <p:cNvPr id="19" name="Text 17"/>
+          <p:cNvSpPr/>
+          <p:nvPr/>
+        </p:nvSpPr>
+        <p:spPr>
+          <a:xfrm>
+            <a:off x="4968776" y="1672977"/>
+            <a:ext cx="3476774" cy="476250"/>
           </a:xfrm>
           <a:prstGeom prst="rect">
             <a:avLst/>
@@ -3718,7 +3956,7 @@
               <a:buChar char="•"/>
             </a:pPr>
             <a:r>
-              <a:rPr lang="en-US" sz="1000" dirty="0">
+              <a:rPr lang="en-US" sz="900" dirty="0">
                 <a:solidFill>
                   <a:srgbClr val="333333"/>
                 </a:solidFill>
@@ -3726,9 +3964,9 @@
                 <a:ea typeface="Arial" pitchFamily="34" charset="-122"/>
                 <a:cs typeface="Arial" pitchFamily="34" charset="-120"/>
               </a:rPr>
-              <a:t>1M MAU, default governance infrastructure</a:t>
-            </a:r>
-            <a:endParaRPr lang="en-US" sz="1000" dirty="0"/>
+              <a:t>"Advisory Only" disclaimers on all AI output</a:t>
+            </a:r>
+            <a:endParaRPr lang="en-US" sz="900" dirty="0"/>
           </a:p>
           <a:p>
             <a:pPr algn="l" marL="101600" indent="-101600">
@@ -3739,7 +3977,7 @@
               <a:buChar char="•"/>
             </a:pPr>
             <a:r>
-              <a:rPr lang="en-US" sz="1000" dirty="0">
+              <a:rPr lang="en-US" sz="900" dirty="0">
                 <a:solidFill>
                   <a:srgbClr val="333333"/>
                 </a:solidFill>
@@ -3747,26 +3985,9 @@
                 <a:ea typeface="Arial" pitchFamily="34" charset="-122"/>
                 <a:cs typeface="Arial" pitchFamily="34" charset="-120"/>
               </a:rPr>
-              <a:t>Governance Credit</a:t>
-            </a:r>
-            <a:pPr algn="l" indent="0" marL="0">
-              <a:spcAft>
-                <a:spcPts val="300"/>
-              </a:spcAft>
-              <a:buNone/>
-            </a:pPr>
-            <a:r>
-              <a:rPr lang="en-US" sz="1000" dirty="0">
-                <a:solidFill>
-                  <a:srgbClr val="333333"/>
-                </a:solidFill>
-                <a:latin typeface="Arial" pitchFamily="34" charset="0"/>
-                <a:ea typeface="Arial" pitchFamily="34" charset="-122"/>
-                <a:cs typeface="Arial" pitchFamily="34" charset="-120"/>
-              </a:rPr>
-              <a:t>: High-score users get uncollateralized loans</a:t>
-            </a:r>
-            <a:endParaRPr lang="en-US" sz="1000" dirty="0"/>
+              <a:t>Community flagging for bad analysis</a:t>
+            </a:r>
+            <a:endParaRPr lang="en-US" sz="900" dirty="0"/>
           </a:p>
           <a:p>
             <a:pPr algn="l" marL="101600" indent="-101600">
@@ -3777,7 +3998,7 @@
               <a:buChar char="•"/>
             </a:pPr>
             <a:r>
-              <a:rPr lang="en-US" sz="1000" dirty="0">
+              <a:rPr lang="en-US" sz="900" dirty="0">
                 <a:solidFill>
                   <a:srgbClr val="333333"/>
                 </a:solidFill>
@@ -3785,9 +4006,219 @@
                 <a:ea typeface="Arial" pitchFamily="34" charset="-122"/>
                 <a:cs typeface="Arial" pitchFamily="34" charset="-120"/>
               </a:rPr>
-              <a:t>Governance-as-a-Service API for third-party apps</a:t>
-            </a:r>
-            <a:endParaRPr lang="en-US" sz="1000" dirty="0"/>
+              <a:t>Human review for high-value proposals (&gt;$10M)</a:t>
+            </a:r>
+            <a:endParaRPr lang="en-US" sz="900" dirty="0"/>
+          </a:p>
+        </p:txBody>
+      </p:sp>
+      <p:sp>
+        <p:nvSpPr>
+          <p:cNvPr id="20" name="Text 18"/>
+          <p:cNvSpPr/>
+          <p:nvPr/>
+        </p:nvSpPr>
+        <p:spPr>
+          <a:xfrm>
+            <a:off x="4730651" y="2530227"/>
+            <a:ext cx="3905399" cy="1314450"/>
+          </a:xfrm>
+          <a:prstGeom prst="roundRect">
+            <a:avLst>
+              <a:gd name="adj" fmla="val 7729"/>
+            </a:avLst>
+          </a:prstGeom>
+          <a:solidFill>
+            <a:srgbClr val="FFFFFF"/>
+          </a:solidFill>
+          <a:ln/>
+          <a:effectLst>
+            <a:outerShdw sx="100000" sy="100000" kx="0" ky="0" algn="bl" rotWithShape="0" blurRad="57150" dist="19050" dir="5400000">
+              <a:srgbClr val="000000">
+                <a:alpha val="8000"/>
+              </a:srgbClr>
+            </a:outerShdw>
+          </a:effectLst>
+        </p:spPr>
+        <p:txBody>
+          <a:bodyPr wrap="square" rtlCol="0" anchor="ctr"/>
+          <a:lstStyle/>
+          <a:p>
+            <a:pPr indent="0" marL="0">
+              <a:buNone/>
+            </a:pPr>
+            <a:endParaRPr lang="en-US" dirty="0"/>
+          </a:p>
+        </p:txBody>
+      </p:sp>
+      <p:sp>
+        <p:nvSpPr>
+          <p:cNvPr id="21" name="Shape 19"/>
+          <p:cNvSpPr/>
+          <p:nvPr/>
+        </p:nvSpPr>
+        <p:spPr>
+          <a:xfrm>
+            <a:off x="4754463" y="2530227"/>
+            <a:ext cx="0" cy="1314450"/>
+          </a:xfrm>
+          <a:prstGeom prst="line">
+            <a:avLst/>
+          </a:prstGeom>
+          <a:noFill/>
+          <a:ln w="47625">
+            <a:solidFill>
+              <a:srgbClr val="E94560"/>
+            </a:solidFill>
+            <a:prstDash val="solid"/>
+          </a:ln>
+        </p:spPr>
+      </p:sp>
+      <p:sp>
+        <p:nvSpPr>
+          <p:cNvPr id="22" name="Text 20"/>
+          <p:cNvSpPr/>
+          <p:nvPr/>
+        </p:nvSpPr>
+        <p:spPr>
+          <a:xfrm>
+            <a:off x="4968776" y="2720727"/>
+            <a:ext cx="3546309" cy="171450"/>
+          </a:xfrm>
+          <a:prstGeom prst="rect">
+            <a:avLst/>
+          </a:prstGeom>
+          <a:noFill/>
+          <a:ln/>
+        </p:spPr>
+        <p:txBody>
+          <a:bodyPr wrap="square" lIns="0" tIns="0" rIns="0" bIns="0" rtlCol="0" anchor="t"/>
+          <a:lstStyle/>
+          <a:p>
+            <a:pPr algn="l" indent="0" marL="0">
+              <a:spcAft>
+                <a:spcPts val="600"/>
+              </a:spcAft>
+              <a:buNone/>
+            </a:pPr>
+            <a:r>
+              <a:rPr lang="en-US" sz="1200" b="1" dirty="0">
+                <a:solidFill>
+                  <a:srgbClr val="0F3460"/>
+                </a:solidFill>
+                <a:latin typeface="Arial" pitchFamily="34" charset="0"/>
+                <a:ea typeface="Arial" pitchFamily="34" charset="-122"/>
+                <a:cs typeface="Arial" pitchFamily="34" charset="-120"/>
+              </a:rPr>
+              <a:t>API Security</a:t>
+            </a:r>
+            <a:endParaRPr lang="en-US" sz="1200" dirty="0"/>
+          </a:p>
+        </p:txBody>
+      </p:sp>
+      <p:sp>
+        <p:nvSpPr>
+          <p:cNvPr id="23" name="Text 21"/>
+          <p:cNvSpPr/>
+          <p:nvPr/>
+        </p:nvSpPr>
+        <p:spPr>
+          <a:xfrm>
+            <a:off x="4968776" y="2968377"/>
+            <a:ext cx="3476774" cy="647700"/>
+          </a:xfrm>
+          <a:prstGeom prst="rect">
+            <a:avLst/>
+          </a:prstGeom>
+          <a:noFill/>
+          <a:ln/>
+        </p:spPr>
+        <p:txBody>
+          <a:bodyPr wrap="square" lIns="101600" tIns="0" rIns="0" bIns="0" rtlCol="0" anchor="t"/>
+          <a:lstStyle/>
+          <a:p>
+            <a:pPr algn="l" marL="101600" indent="-101600">
+              <a:spcAft>
+                <a:spcPts val="300"/>
+              </a:spcAft>
+              <a:buSzPct val="100000"/>
+              <a:buChar char="•"/>
+            </a:pPr>
+            <a:r>
+              <a:rPr lang="en-US" sz="900" dirty="0">
+                <a:solidFill>
+                  <a:srgbClr val="333333"/>
+                </a:solidFill>
+                <a:latin typeface="Arial" pitchFamily="34" charset="0"/>
+                <a:ea typeface="Arial" pitchFamily="34" charset="-122"/>
+                <a:cs typeface="Arial" pitchFamily="34" charset="-120"/>
+              </a:rPr>
+              <a:t>Rate limiting: 100 req/min per IP</a:t>
+            </a:r>
+            <a:endParaRPr lang="en-US" sz="900" dirty="0"/>
+          </a:p>
+          <a:p>
+            <a:pPr algn="l" marL="101600" indent="-101600">
+              <a:spcAft>
+                <a:spcPts val="300"/>
+              </a:spcAft>
+              <a:buSzPct val="100000"/>
+              <a:buChar char="•"/>
+            </a:pPr>
+            <a:r>
+              <a:rPr lang="en-US" sz="900" dirty="0">
+                <a:solidFill>
+                  <a:srgbClr val="333333"/>
+                </a:solidFill>
+                <a:latin typeface="Arial" pitchFamily="34" charset="0"/>
+                <a:ea typeface="Arial" pitchFamily="34" charset="-122"/>
+                <a:cs typeface="Arial" pitchFamily="34" charset="-120"/>
+              </a:rPr>
+              <a:t>CORS whitelist</a:t>
+            </a:r>
+            <a:endParaRPr lang="en-US" sz="900" dirty="0"/>
+          </a:p>
+          <a:p>
+            <a:pPr algn="l" marL="101600" indent="-101600">
+              <a:spcAft>
+                <a:spcPts val="300"/>
+              </a:spcAft>
+              <a:buSzPct val="100000"/>
+              <a:buChar char="•"/>
+            </a:pPr>
+            <a:r>
+              <a:rPr lang="en-US" sz="900" dirty="0">
+                <a:solidFill>
+                  <a:srgbClr val="333333"/>
+                </a:solidFill>
+                <a:latin typeface="Arial" pitchFamily="34" charset="0"/>
+                <a:ea typeface="Arial" pitchFamily="34" charset="-122"/>
+                <a:cs typeface="Arial" pitchFamily="34" charset="-120"/>
+              </a:rPr>
+              <a:t>Zod input validation</a:t>
+            </a:r>
+            <a:endParaRPr lang="en-US" sz="900" dirty="0"/>
+          </a:p>
+          <a:p>
+            <a:pPr algn="l" marL="101600" indent="-101600">
+              <a:spcAft>
+                <a:spcPts val="300"/>
+              </a:spcAft>
+              <a:buSzPct val="100000"/>
+              <a:buChar char="•"/>
+            </a:pPr>
+            <a:r>
+              <a:rPr lang="en-US" sz="900" dirty="0">
+                <a:solidFill>
+                  <a:srgbClr val="333333"/>
+                </a:solidFill>
+                <a:latin typeface="Arial" pitchFamily="34" charset="0"/>
+                <a:ea typeface="Arial" pitchFamily="34" charset="-122"/>
+                <a:cs typeface="Arial" pitchFamily="34" charset="-120"/>
+              </a:rPr>
+              <a:t>No SQL injection risk (parameterized queries)</a:t>
+            </a:r>
+            <a:endParaRPr lang="en-US" sz="900" dirty="0"/>
           </a:p>
         </p:txBody>
       </p:sp>
@@ -3802,6 +4233,869 @@
 <file path=ppt/slides/slide12.xml><?xml version="1.0" encoding="utf-8"?>
 <p:sld xmlns:a="http://schemas.openxmlformats.org/drawingml/2006/main" xmlns:r="http://schemas.openxmlformats.org/officeDocument/2006/relationships" xmlns:p="http://schemas.openxmlformats.org/presentationml/2006/main">
   <p:cSld name="Slide 12">
+    <p:bg>
+      <p:bgPr>
+        <a:solidFill>
+          <a:srgbClr val="F8F9FA"/>
+        </a:solidFill>
+      </p:bgPr>
+    </p:bg>
+    <p:spTree>
+      <p:nvGrpSpPr>
+        <p:cNvPr id="1" name=""/>
+        <p:cNvGrpSpPr/>
+        <p:nvPr/>
+      </p:nvGrpSpPr>
+      <p:grpSpPr>
+        <a:xfrm>
+          <a:off x="0" y="0"/>
+          <a:ext cx="0" cy="0"/>
+          <a:chOff x="0" y="0"/>
+          <a:chExt cx="0" cy="0"/>
+        </a:xfrm>
+      </p:grpSpPr>
+      <p:sp>
+        <p:nvSpPr>
+          <p:cNvPr id="2" name="Text 0"/>
+          <p:cNvSpPr/>
+          <p:nvPr/>
+        </p:nvSpPr>
+        <p:spPr>
+          <a:xfrm>
+            <a:off x="0" y="0"/>
+            <a:ext cx="9144000" cy="917377"/>
+          </a:xfrm>
+          <a:prstGeom prst="rect">
+            <a:avLst/>
+          </a:prstGeom>
+          <a:solidFill>
+            <a:srgbClr val="1A1A2E"/>
+          </a:solidFill>
+          <a:ln/>
+        </p:spPr>
+        <p:txBody>
+          <a:bodyPr wrap="square" rtlCol="0" anchor="ctr"/>
+          <a:lstStyle/>
+          <a:p>
+            <a:pPr indent="0" marL="0">
+              <a:buNone/>
+            </a:pPr>
+            <a:endParaRPr lang="en-US" dirty="0"/>
+          </a:p>
+        </p:txBody>
+      </p:sp>
+      <p:sp>
+        <p:nvSpPr>
+          <p:cNvPr id="3" name="Text 1"/>
+          <p:cNvSpPr/>
+          <p:nvPr/>
+        </p:nvSpPr>
+        <p:spPr>
+          <a:xfrm>
+            <a:off x="507950" y="253901"/>
+            <a:ext cx="8290661" cy="409575"/>
+          </a:xfrm>
+          <a:prstGeom prst="rect">
+            <a:avLst/>
+          </a:prstGeom>
+          <a:noFill/>
+          <a:ln/>
+        </p:spPr>
+        <p:txBody>
+          <a:bodyPr wrap="square" lIns="0" tIns="0" rIns="0" bIns="0" rtlCol="0" anchor="t"/>
+          <a:lstStyle/>
+          <a:p>
+            <a:pPr algn="l" indent="0" marL="0">
+              <a:buNone/>
+            </a:pPr>
+            <a:r>
+              <a:rPr lang="en-US" sz="2800" b="1" dirty="0">
+                <a:solidFill>
+                  <a:srgbClr val="FFFFFF"/>
+                </a:solidFill>
+                <a:latin typeface="Arial" pitchFamily="34" charset="0"/>
+                <a:ea typeface="Arial" pitchFamily="34" charset="-122"/>
+                <a:cs typeface="Arial" pitchFamily="34" charset="-120"/>
+              </a:rPr>
+              <a:t>Future: Cross-Chain Governance Identity</a:t>
+            </a:r>
+            <a:endParaRPr lang="en-US" sz="2800" dirty="0"/>
+          </a:p>
+        </p:txBody>
+      </p:sp>
+      <p:sp>
+        <p:nvSpPr>
+          <p:cNvPr id="4" name="Text 2"/>
+          <p:cNvSpPr/>
+          <p:nvPr/>
+        </p:nvSpPr>
+        <p:spPr>
+          <a:xfrm>
+            <a:off x="507950" y="1171277"/>
+            <a:ext cx="8128099" cy="1133475"/>
+          </a:xfrm>
+          <a:prstGeom prst="roundRect">
+            <a:avLst>
+              <a:gd name="adj" fmla="val 8964"/>
+            </a:avLst>
+          </a:prstGeom>
+          <a:solidFill>
+            <a:srgbClr val="FFFFFF"/>
+          </a:solidFill>
+          <a:ln/>
+          <a:effectLst>
+            <a:outerShdw sx="100000" sy="100000" kx="0" ky="0" algn="bl" rotWithShape="0" blurRad="57150" dist="19050" dir="5400000">
+              <a:srgbClr val="000000">
+                <a:alpha val="8000"/>
+              </a:srgbClr>
+            </a:outerShdw>
+          </a:effectLst>
+        </p:spPr>
+        <p:txBody>
+          <a:bodyPr wrap="square" rtlCol="0" anchor="ctr"/>
+          <a:lstStyle/>
+          <a:p>
+            <a:pPr indent="0" marL="0">
+              <a:buNone/>
+            </a:pPr>
+            <a:endParaRPr lang="en-US" dirty="0"/>
+          </a:p>
+        </p:txBody>
+      </p:sp>
+      <p:sp>
+        <p:nvSpPr>
+          <p:cNvPr id="5" name="Text 3"/>
+          <p:cNvSpPr/>
+          <p:nvPr/>
+        </p:nvSpPr>
+        <p:spPr>
+          <a:xfrm>
+            <a:off x="698450" y="1323677"/>
+            <a:ext cx="634901" cy="634901"/>
+          </a:xfrm>
+          <a:prstGeom prst="roundRect">
+            <a:avLst>
+              <a:gd name="adj" fmla="val 144022"/>
+            </a:avLst>
+          </a:prstGeom>
+          <a:solidFill>
+            <a:srgbClr val="E94560"/>
+          </a:solidFill>
+          <a:ln/>
+        </p:spPr>
+        <p:txBody>
+          <a:bodyPr wrap="square" rtlCol="0" anchor="ctr"/>
+          <a:lstStyle/>
+          <a:p>
+            <a:pPr indent="0" marL="0">
+              <a:buNone/>
+            </a:pPr>
+            <a:endParaRPr lang="en-US" dirty="0"/>
+          </a:p>
+        </p:txBody>
+      </p:sp>
+      <p:sp>
+        <p:nvSpPr>
+          <p:cNvPr id="6" name="Text 4"/>
+          <p:cNvSpPr/>
+          <p:nvPr/>
+        </p:nvSpPr>
+        <p:spPr>
+          <a:xfrm>
+            <a:off x="966341" y="1536353"/>
+            <a:ext cx="100950" cy="209550"/>
+          </a:xfrm>
+          <a:prstGeom prst="rect">
+            <a:avLst/>
+          </a:prstGeom>
+          <a:noFill/>
+          <a:ln/>
+        </p:spPr>
+        <p:txBody>
+          <a:bodyPr wrap="square" lIns="0" tIns="0" rIns="0" bIns="0" rtlCol="0" anchor="t"/>
+          <a:lstStyle/>
+          <a:p>
+            <a:pPr algn="l" indent="0" marL="0">
+              <a:buNone/>
+            </a:pPr>
+            <a:r>
+              <a:rPr lang="en-US" sz="1400" b="1" dirty="0">
+                <a:solidFill>
+                  <a:srgbClr val="FFFFFF"/>
+                </a:solidFill>
+                <a:latin typeface="Arial" pitchFamily="34" charset="0"/>
+                <a:ea typeface="Arial" pitchFamily="34" charset="-122"/>
+                <a:cs typeface="Arial" pitchFamily="34" charset="-120"/>
+              </a:rPr>
+              <a:t>1</a:t>
+            </a:r>
+            <a:endParaRPr lang="en-US" sz="1400" dirty="0"/>
+          </a:p>
+        </p:txBody>
+      </p:sp>
+      <p:sp>
+        <p:nvSpPr>
+          <p:cNvPr id="7" name="Text 5"/>
+          <p:cNvSpPr/>
+          <p:nvPr/>
+        </p:nvSpPr>
+        <p:spPr>
+          <a:xfrm>
+            <a:off x="1523851" y="1323677"/>
+            <a:ext cx="2951690" cy="209550"/>
+          </a:xfrm>
+          <a:prstGeom prst="rect">
+            <a:avLst/>
+          </a:prstGeom>
+          <a:noFill/>
+          <a:ln/>
+        </p:spPr>
+        <p:txBody>
+          <a:bodyPr wrap="square" lIns="0" tIns="0" rIns="0" bIns="0" rtlCol="0" anchor="t"/>
+          <a:lstStyle/>
+          <a:p>
+            <a:pPr algn="l" indent="0" marL="0">
+              <a:spcAft>
+                <a:spcPts val="600"/>
+              </a:spcAft>
+              <a:buNone/>
+            </a:pPr>
+            <a:r>
+              <a:rPr lang="en-US" sz="1400" b="1" dirty="0">
+                <a:solidFill>
+                  <a:srgbClr val="0F3460"/>
+                </a:solidFill>
+                <a:latin typeface="Arial" pitchFamily="34" charset="0"/>
+                <a:ea typeface="Arial" pitchFamily="34" charset="-122"/>
+                <a:cs typeface="Arial" pitchFamily="34" charset="-120"/>
+              </a:rPr>
+              <a:t>Phase 1: Foundation (2026 Q2-Q3)</a:t>
+            </a:r>
+            <a:endParaRPr lang="en-US" sz="1400" dirty="0"/>
+          </a:p>
+        </p:txBody>
+      </p:sp>
+      <p:sp>
+        <p:nvSpPr>
+          <p:cNvPr id="8" name="Text 6"/>
+          <p:cNvSpPr/>
+          <p:nvPr/>
+        </p:nvSpPr>
+        <p:spPr>
+          <a:xfrm>
+            <a:off x="1523851" y="1609427"/>
+            <a:ext cx="2893814" cy="504825"/>
+          </a:xfrm>
+          <a:prstGeom prst="rect">
+            <a:avLst/>
+          </a:prstGeom>
+          <a:noFill/>
+          <a:ln/>
+        </p:spPr>
+        <p:txBody>
+          <a:bodyPr wrap="square" lIns="101600" tIns="0" rIns="0" bIns="0" rtlCol="0" anchor="t"/>
+          <a:lstStyle/>
+          <a:p>
+            <a:pPr algn="l" marL="101600" indent="-101600">
+              <a:spcAft>
+                <a:spcPts val="300"/>
+              </a:spcAft>
+              <a:buSzPct val="100000"/>
+              <a:buChar char="•"/>
+            </a:pPr>
+            <a:r>
+              <a:rPr lang="en-US" sz="1000" dirty="0">
+                <a:solidFill>
+                  <a:srgbClr val="333333"/>
+                </a:solidFill>
+                <a:latin typeface="Arial" pitchFamily="34" charset="0"/>
+                <a:ea typeface="Arial" pitchFamily="34" charset="-122"/>
+                <a:cs typeface="Arial" pitchFamily="34" charset="-120"/>
+              </a:rPr>
+              <a:t>50+ DAOs, 10+ chains, 10K MAU</a:t>
+            </a:r>
+            <a:endParaRPr lang="en-US" sz="1000" dirty="0"/>
+          </a:p>
+          <a:p>
+            <a:pPr algn="l" marL="101600" indent="-101600">
+              <a:spcAft>
+                <a:spcPts val="300"/>
+              </a:spcAft>
+              <a:buSzPct val="100000"/>
+              <a:buChar char="•"/>
+            </a:pPr>
+            <a:r>
+              <a:rPr lang="en-US" sz="1000" dirty="0">
+                <a:solidFill>
+                  <a:srgbClr val="333333"/>
+                </a:solidFill>
+                <a:latin typeface="Arial" pitchFamily="34" charset="0"/>
+                <a:ea typeface="Arial" pitchFamily="34" charset="-122"/>
+                <a:cs typeface="Arial" pitchFamily="34" charset="-120"/>
+              </a:rPr>
+              <a:t>Mobile app launch</a:t>
+            </a:r>
+            <a:endParaRPr lang="en-US" sz="1000" dirty="0"/>
+          </a:p>
+          <a:p>
+            <a:pPr algn="l" marL="101600" indent="-101600">
+              <a:spcAft>
+                <a:spcPts val="300"/>
+              </a:spcAft>
+              <a:buSzPct val="100000"/>
+              <a:buChar char="•"/>
+            </a:pPr>
+            <a:r>
+              <a:rPr lang="en-US" sz="1000" dirty="0">
+                <a:solidFill>
+                  <a:srgbClr val="333333"/>
+                </a:solidFill>
+                <a:latin typeface="Arial" pitchFamily="34" charset="0"/>
+                <a:ea typeface="Arial" pitchFamily="34" charset="-122"/>
+                <a:cs typeface="Arial" pitchFamily="34" charset="-120"/>
+              </a:rPr>
+              <a:t>First DAO partnerships</a:t>
+            </a:r>
+            <a:endParaRPr lang="en-US" sz="1000" dirty="0"/>
+          </a:p>
+        </p:txBody>
+      </p:sp>
+      <p:sp>
+        <p:nvSpPr>
+          <p:cNvPr id="9" name="Text 7"/>
+          <p:cNvSpPr/>
+          <p:nvPr/>
+        </p:nvSpPr>
+        <p:spPr>
+          <a:xfrm>
+            <a:off x="507950" y="2457152"/>
+            <a:ext cx="8128099" cy="1133475"/>
+          </a:xfrm>
+          <a:prstGeom prst="roundRect">
+            <a:avLst>
+              <a:gd name="adj" fmla="val 8964"/>
+            </a:avLst>
+          </a:prstGeom>
+          <a:solidFill>
+            <a:srgbClr val="FFFFFF"/>
+          </a:solidFill>
+          <a:ln/>
+          <a:effectLst>
+            <a:outerShdw sx="100000" sy="100000" kx="0" ky="0" algn="bl" rotWithShape="0" blurRad="57150" dist="19050" dir="5400000">
+              <a:srgbClr val="000000">
+                <a:alpha val="8000"/>
+              </a:srgbClr>
+            </a:outerShdw>
+          </a:effectLst>
+        </p:spPr>
+        <p:txBody>
+          <a:bodyPr wrap="square" rtlCol="0" anchor="ctr"/>
+          <a:lstStyle/>
+          <a:p>
+            <a:pPr indent="0" marL="0">
+              <a:buNone/>
+            </a:pPr>
+            <a:endParaRPr lang="en-US" dirty="0"/>
+          </a:p>
+        </p:txBody>
+      </p:sp>
+      <p:sp>
+        <p:nvSpPr>
+          <p:cNvPr id="10" name="Text 8"/>
+          <p:cNvSpPr/>
+          <p:nvPr/>
+        </p:nvSpPr>
+        <p:spPr>
+          <a:xfrm>
+            <a:off x="698450" y="2609552"/>
+            <a:ext cx="634901" cy="634901"/>
+          </a:xfrm>
+          <a:prstGeom prst="roundRect">
+            <a:avLst>
+              <a:gd name="adj" fmla="val 144022"/>
+            </a:avLst>
+          </a:prstGeom>
+          <a:solidFill>
+            <a:srgbClr val="E94560"/>
+          </a:solidFill>
+          <a:ln/>
+        </p:spPr>
+        <p:txBody>
+          <a:bodyPr wrap="square" rtlCol="0" anchor="ctr"/>
+          <a:lstStyle/>
+          <a:p>
+            <a:pPr indent="0" marL="0">
+              <a:buNone/>
+            </a:pPr>
+            <a:endParaRPr lang="en-US" dirty="0"/>
+          </a:p>
+        </p:txBody>
+      </p:sp>
+      <p:sp>
+        <p:nvSpPr>
+          <p:cNvPr id="11" name="Text 9"/>
+          <p:cNvSpPr/>
+          <p:nvPr/>
+        </p:nvSpPr>
+        <p:spPr>
+          <a:xfrm>
+            <a:off x="966341" y="2822228"/>
+            <a:ext cx="100950" cy="209550"/>
+          </a:xfrm>
+          <a:prstGeom prst="rect">
+            <a:avLst/>
+          </a:prstGeom>
+          <a:noFill/>
+          <a:ln/>
+        </p:spPr>
+        <p:txBody>
+          <a:bodyPr wrap="square" lIns="0" tIns="0" rIns="0" bIns="0" rtlCol="0" anchor="t"/>
+          <a:lstStyle/>
+          <a:p>
+            <a:pPr algn="l" indent="0" marL="0">
+              <a:buNone/>
+            </a:pPr>
+            <a:r>
+              <a:rPr lang="en-US" sz="1400" b="1" dirty="0">
+                <a:solidFill>
+                  <a:srgbClr val="FFFFFF"/>
+                </a:solidFill>
+                <a:latin typeface="Arial" pitchFamily="34" charset="0"/>
+                <a:ea typeface="Arial" pitchFamily="34" charset="-122"/>
+                <a:cs typeface="Arial" pitchFamily="34" charset="-120"/>
+              </a:rPr>
+              <a:t>2</a:t>
+            </a:r>
+            <a:endParaRPr lang="en-US" sz="1400" dirty="0"/>
+          </a:p>
+        </p:txBody>
+      </p:sp>
+      <p:sp>
+        <p:nvSpPr>
+          <p:cNvPr id="12" name="Text 10"/>
+          <p:cNvSpPr/>
+          <p:nvPr/>
+        </p:nvSpPr>
+        <p:spPr>
+          <a:xfrm>
+            <a:off x="1523851" y="2609552"/>
+            <a:ext cx="4527271" cy="209550"/>
+          </a:xfrm>
+          <a:prstGeom prst="rect">
+            <a:avLst/>
+          </a:prstGeom>
+          <a:noFill/>
+          <a:ln/>
+        </p:spPr>
+        <p:txBody>
+          <a:bodyPr wrap="square" lIns="0" tIns="0" rIns="0" bIns="0" rtlCol="0" anchor="t"/>
+          <a:lstStyle/>
+          <a:p>
+            <a:pPr algn="l" indent="0" marL="0">
+              <a:spcAft>
+                <a:spcPts val="600"/>
+              </a:spcAft>
+              <a:buNone/>
+            </a:pPr>
+            <a:r>
+              <a:rPr lang="en-US" sz="1400" b="1" dirty="0">
+                <a:solidFill>
+                  <a:srgbClr val="0F3460"/>
+                </a:solidFill>
+                <a:latin typeface="Arial" pitchFamily="34" charset="0"/>
+                <a:ea typeface="Arial" pitchFamily="34" charset="-122"/>
+                <a:cs typeface="Arial" pitchFamily="34" charset="-120"/>
+              </a:rPr>
+              <a:t>Phase 2: Ecosystem (2026 Q4-2027 Q2)</a:t>
+            </a:r>
+            <a:endParaRPr lang="en-US" sz="1400" dirty="0"/>
+          </a:p>
+        </p:txBody>
+      </p:sp>
+      <p:sp>
+        <p:nvSpPr>
+          <p:cNvPr id="13" name="Text 11"/>
+          <p:cNvSpPr/>
+          <p:nvPr/>
+        </p:nvSpPr>
+        <p:spPr>
+          <a:xfrm>
+            <a:off x="1523851" y="2895302"/>
+            <a:ext cx="4438501" cy="504825"/>
+          </a:xfrm>
+          <a:prstGeom prst="rect">
+            <a:avLst/>
+          </a:prstGeom>
+          <a:noFill/>
+          <a:ln/>
+        </p:spPr>
+        <p:txBody>
+          <a:bodyPr wrap="square" lIns="101600" tIns="0" rIns="0" bIns="0" rtlCol="0" anchor="t"/>
+          <a:lstStyle/>
+          <a:p>
+            <a:pPr algn="l" marL="101600" indent="-101600">
+              <a:spcAft>
+                <a:spcPts val="300"/>
+              </a:spcAft>
+              <a:buSzPct val="100000"/>
+              <a:buChar char="•"/>
+            </a:pPr>
+            <a:r>
+              <a:rPr lang="en-US" sz="1000" dirty="0">
+                <a:solidFill>
+                  <a:srgbClr val="333333"/>
+                </a:solidFill>
+                <a:latin typeface="Arial" pitchFamily="34" charset="0"/>
+                <a:ea typeface="Arial" pitchFamily="34" charset="-122"/>
+                <a:cs typeface="Arial" pitchFamily="34" charset="-120"/>
+              </a:rPr>
+              <a:t>Governance Passport</a:t>
+            </a:r>
+            <a:pPr algn="l" indent="0" marL="0">
+              <a:spcAft>
+                <a:spcPts val="300"/>
+              </a:spcAft>
+              <a:buNone/>
+            </a:pPr>
+            <a:r>
+              <a:rPr lang="en-US" sz="1000" dirty="0">
+                <a:solidFill>
+                  <a:srgbClr val="333333"/>
+                </a:solidFill>
+                <a:latin typeface="Arial" pitchFamily="34" charset="0"/>
+                <a:ea typeface="Arial" pitchFamily="34" charset="-122"/>
+                <a:cs typeface="Arial" pitchFamily="34" charset="-120"/>
+              </a:rPr>
+              <a:t>: Cross-chain identity aggregating all voting history</a:t>
+            </a:r>
+            <a:endParaRPr lang="en-US" sz="1000" dirty="0"/>
+          </a:p>
+          <a:p>
+            <a:pPr algn="l" marL="101600" indent="-101600">
+              <a:spcAft>
+                <a:spcPts val="300"/>
+              </a:spcAft>
+              <a:buSzPct val="100000"/>
+              <a:buChar char="•"/>
+            </a:pPr>
+            <a:r>
+              <a:rPr lang="en-US" sz="1000" dirty="0">
+                <a:solidFill>
+                  <a:srgbClr val="333333"/>
+                </a:solidFill>
+                <a:latin typeface="Arial" pitchFamily="34" charset="0"/>
+                <a:ea typeface="Arial" pitchFamily="34" charset="-122"/>
+                <a:cs typeface="Arial" pitchFamily="34" charset="-120"/>
+              </a:rPr>
+              <a:t>$VOTE Token</a:t>
+            </a:r>
+            <a:pPr algn="l" indent="0" marL="0">
+              <a:spcAft>
+                <a:spcPts val="300"/>
+              </a:spcAft>
+              <a:buNone/>
+            </a:pPr>
+            <a:r>
+              <a:rPr lang="en-US" sz="1000" dirty="0">
+                <a:solidFill>
+                  <a:srgbClr val="333333"/>
+                </a:solidFill>
+                <a:latin typeface="Arial" pitchFamily="34" charset="0"/>
+                <a:ea typeface="Arial" pitchFamily="34" charset="-122"/>
+                <a:cs typeface="Arial" pitchFamily="34" charset="-120"/>
+              </a:rPr>
+              <a:t>: Points convert to governance token (Solana phone model)</a:t>
+            </a:r>
+            <a:endParaRPr lang="en-US" sz="1000" dirty="0"/>
+          </a:p>
+          <a:p>
+            <a:pPr algn="l" marL="101600" indent="-101600">
+              <a:spcAft>
+                <a:spcPts val="300"/>
+              </a:spcAft>
+              <a:buSzPct val="100000"/>
+              <a:buChar char="•"/>
+            </a:pPr>
+            <a:r>
+              <a:rPr lang="en-US" sz="1000" dirty="0">
+                <a:solidFill>
+                  <a:srgbClr val="333333"/>
+                </a:solidFill>
+                <a:latin typeface="Arial" pitchFamily="34" charset="0"/>
+                <a:ea typeface="Arial" pitchFamily="34" charset="-122"/>
+                <a:cs typeface="Arial" pitchFamily="34" charset="-120"/>
+              </a:rPr>
+              <a:t>Governance Score used for DeFi protocol airdrops</a:t>
+            </a:r>
+            <a:endParaRPr lang="en-US" sz="1000" dirty="0"/>
+          </a:p>
+        </p:txBody>
+      </p:sp>
+      <p:sp>
+        <p:nvSpPr>
+          <p:cNvPr id="14" name="Text 12"/>
+          <p:cNvSpPr/>
+          <p:nvPr/>
+        </p:nvSpPr>
+        <p:spPr>
+          <a:xfrm>
+            <a:off x="507950" y="3743027"/>
+            <a:ext cx="8128099" cy="1133475"/>
+          </a:xfrm>
+          <a:prstGeom prst="roundRect">
+            <a:avLst>
+              <a:gd name="adj" fmla="val 8964"/>
+            </a:avLst>
+          </a:prstGeom>
+          <a:solidFill>
+            <a:srgbClr val="FFFFFF"/>
+          </a:solidFill>
+          <a:ln/>
+          <a:effectLst>
+            <a:outerShdw sx="100000" sy="100000" kx="0" ky="0" algn="bl" rotWithShape="0" blurRad="57150" dist="19050" dir="5400000">
+              <a:srgbClr val="000000">
+                <a:alpha val="8000"/>
+              </a:srgbClr>
+            </a:outerShdw>
+          </a:effectLst>
+        </p:spPr>
+        <p:txBody>
+          <a:bodyPr wrap="square" rtlCol="0" anchor="ctr"/>
+          <a:lstStyle/>
+          <a:p>
+            <a:pPr indent="0" marL="0">
+              <a:buNone/>
+            </a:pPr>
+            <a:endParaRPr lang="en-US" dirty="0"/>
+          </a:p>
+        </p:txBody>
+      </p:sp>
+      <p:sp>
+        <p:nvSpPr>
+          <p:cNvPr id="15" name="Text 13"/>
+          <p:cNvSpPr/>
+          <p:nvPr/>
+        </p:nvSpPr>
+        <p:spPr>
+          <a:xfrm>
+            <a:off x="698450" y="3895427"/>
+            <a:ext cx="634901" cy="634901"/>
+          </a:xfrm>
+          <a:prstGeom prst="roundRect">
+            <a:avLst>
+              <a:gd name="adj" fmla="val 144022"/>
+            </a:avLst>
+          </a:prstGeom>
+          <a:solidFill>
+            <a:srgbClr val="E94560"/>
+          </a:solidFill>
+          <a:ln/>
+        </p:spPr>
+        <p:txBody>
+          <a:bodyPr wrap="square" rtlCol="0" anchor="ctr"/>
+          <a:lstStyle/>
+          <a:p>
+            <a:pPr indent="0" marL="0">
+              <a:buNone/>
+            </a:pPr>
+            <a:endParaRPr lang="en-US" dirty="0"/>
+          </a:p>
+        </p:txBody>
+      </p:sp>
+      <p:sp>
+        <p:nvSpPr>
+          <p:cNvPr id="16" name="Text 14"/>
+          <p:cNvSpPr/>
+          <p:nvPr/>
+        </p:nvSpPr>
+        <p:spPr>
+          <a:xfrm>
+            <a:off x="966341" y="4108103"/>
+            <a:ext cx="100950" cy="209550"/>
+          </a:xfrm>
+          <a:prstGeom prst="rect">
+            <a:avLst/>
+          </a:prstGeom>
+          <a:noFill/>
+          <a:ln/>
+        </p:spPr>
+        <p:txBody>
+          <a:bodyPr wrap="square" lIns="0" tIns="0" rIns="0" bIns="0" rtlCol="0" anchor="t"/>
+          <a:lstStyle/>
+          <a:p>
+            <a:pPr algn="l" indent="0" marL="0">
+              <a:buNone/>
+            </a:pPr>
+            <a:r>
+              <a:rPr lang="en-US" sz="1400" b="1" dirty="0">
+                <a:solidFill>
+                  <a:srgbClr val="FFFFFF"/>
+                </a:solidFill>
+                <a:latin typeface="Arial" pitchFamily="34" charset="0"/>
+                <a:ea typeface="Arial" pitchFamily="34" charset="-122"/>
+                <a:cs typeface="Arial" pitchFamily="34" charset="-120"/>
+              </a:rPr>
+              <a:t>3</a:t>
+            </a:r>
+            <a:endParaRPr lang="en-US" sz="1400" dirty="0"/>
+          </a:p>
+        </p:txBody>
+      </p:sp>
+      <p:sp>
+        <p:nvSpPr>
+          <p:cNvPr id="17" name="Text 15"/>
+          <p:cNvSpPr/>
+          <p:nvPr/>
+        </p:nvSpPr>
+        <p:spPr>
+          <a:xfrm>
+            <a:off x="1523851" y="3895427"/>
+            <a:ext cx="3946163" cy="209550"/>
+          </a:xfrm>
+          <a:prstGeom prst="rect">
+            <a:avLst/>
+          </a:prstGeom>
+          <a:noFill/>
+          <a:ln/>
+        </p:spPr>
+        <p:txBody>
+          <a:bodyPr wrap="square" lIns="0" tIns="0" rIns="0" bIns="0" rtlCol="0" anchor="t"/>
+          <a:lstStyle/>
+          <a:p>
+            <a:pPr algn="l" indent="0" marL="0">
+              <a:spcAft>
+                <a:spcPts val="600"/>
+              </a:spcAft>
+              <a:buNone/>
+            </a:pPr>
+            <a:r>
+              <a:rPr lang="en-US" sz="1400" b="1" dirty="0">
+                <a:solidFill>
+                  <a:srgbClr val="0F3460"/>
+                </a:solidFill>
+                <a:latin typeface="Arial" pitchFamily="34" charset="0"/>
+                <a:ea typeface="Arial" pitchFamily="34" charset="-122"/>
+                <a:cs typeface="Arial" pitchFamily="34" charset="-120"/>
+              </a:rPr>
+              <a:t>Phase 3: Protocol (2027 Q3-2028)</a:t>
+            </a:r>
+            <a:endParaRPr lang="en-US" sz="1400" dirty="0"/>
+          </a:p>
+        </p:txBody>
+      </p:sp>
+      <p:sp>
+        <p:nvSpPr>
+          <p:cNvPr id="18" name="Text 16"/>
+          <p:cNvSpPr/>
+          <p:nvPr/>
+        </p:nvSpPr>
+        <p:spPr>
+          <a:xfrm>
+            <a:off x="1523851" y="4181177"/>
+            <a:ext cx="3868787" cy="504825"/>
+          </a:xfrm>
+          <a:prstGeom prst="rect">
+            <a:avLst/>
+          </a:prstGeom>
+          <a:noFill/>
+          <a:ln/>
+        </p:spPr>
+        <p:txBody>
+          <a:bodyPr wrap="square" lIns="101600" tIns="0" rIns="0" bIns="0" rtlCol="0" anchor="t"/>
+          <a:lstStyle/>
+          <a:p>
+            <a:pPr algn="l" marL="101600" indent="-101600">
+              <a:spcAft>
+                <a:spcPts val="300"/>
+              </a:spcAft>
+              <a:buSzPct val="100000"/>
+              <a:buChar char="•"/>
+            </a:pPr>
+            <a:r>
+              <a:rPr lang="en-US" sz="1000" dirty="0">
+                <a:solidFill>
+                  <a:srgbClr val="333333"/>
+                </a:solidFill>
+                <a:latin typeface="Arial" pitchFamily="34" charset="0"/>
+                <a:ea typeface="Arial" pitchFamily="34" charset="-122"/>
+                <a:cs typeface="Arial" pitchFamily="34" charset="-120"/>
+              </a:rPr>
+              <a:t>1M MAU, default governance infrastructure</a:t>
+            </a:r>
+            <a:endParaRPr lang="en-US" sz="1000" dirty="0"/>
+          </a:p>
+          <a:p>
+            <a:pPr algn="l" marL="101600" indent="-101600">
+              <a:spcAft>
+                <a:spcPts val="300"/>
+              </a:spcAft>
+              <a:buSzPct val="100000"/>
+              <a:buChar char="•"/>
+            </a:pPr>
+            <a:r>
+              <a:rPr lang="en-US" sz="1000" dirty="0">
+                <a:solidFill>
+                  <a:srgbClr val="333333"/>
+                </a:solidFill>
+                <a:latin typeface="Arial" pitchFamily="34" charset="0"/>
+                <a:ea typeface="Arial" pitchFamily="34" charset="-122"/>
+                <a:cs typeface="Arial" pitchFamily="34" charset="-120"/>
+              </a:rPr>
+              <a:t>Governance Credit</a:t>
+            </a:r>
+            <a:pPr algn="l" indent="0" marL="0">
+              <a:spcAft>
+                <a:spcPts val="300"/>
+              </a:spcAft>
+              <a:buNone/>
+            </a:pPr>
+            <a:r>
+              <a:rPr lang="en-US" sz="1000" dirty="0">
+                <a:solidFill>
+                  <a:srgbClr val="333333"/>
+                </a:solidFill>
+                <a:latin typeface="Arial" pitchFamily="34" charset="0"/>
+                <a:ea typeface="Arial" pitchFamily="34" charset="-122"/>
+                <a:cs typeface="Arial" pitchFamily="34" charset="-120"/>
+              </a:rPr>
+              <a:t>: High-score users get uncollateralized loans</a:t>
+            </a:r>
+            <a:endParaRPr lang="en-US" sz="1000" dirty="0"/>
+          </a:p>
+          <a:p>
+            <a:pPr algn="l" marL="101600" indent="-101600">
+              <a:spcAft>
+                <a:spcPts val="300"/>
+              </a:spcAft>
+              <a:buSzPct val="100000"/>
+              <a:buChar char="•"/>
+            </a:pPr>
+            <a:r>
+              <a:rPr lang="en-US" sz="1000" dirty="0">
+                <a:solidFill>
+                  <a:srgbClr val="333333"/>
+                </a:solidFill>
+                <a:latin typeface="Arial" pitchFamily="34" charset="0"/>
+                <a:ea typeface="Arial" pitchFamily="34" charset="-122"/>
+                <a:cs typeface="Arial" pitchFamily="34" charset="-120"/>
+              </a:rPr>
+              <a:t>Governance-as-a-Service API for third-party apps</a:t>
+            </a:r>
+            <a:endParaRPr lang="en-US" sz="1000" dirty="0"/>
+          </a:p>
+        </p:txBody>
+      </p:sp>
+    </p:spTree>
+  </p:cSld>
+  <p:clrMapOvr>
+    <a:masterClrMapping/>
+  </p:clrMapOvr>
+</p:sld>
+</file>
+
+<file path=ppt/slides/slide13.xml><?xml version="1.0" encoding="utf-8"?>
+<p:sld xmlns:a="http://schemas.openxmlformats.org/drawingml/2006/main" xmlns:r="http://schemas.openxmlformats.org/officeDocument/2006/relationships" xmlns:p="http://schemas.openxmlformats.org/presentationml/2006/main">
+  <p:cSld name="Slide 13">
     <p:bg>
       <p:bgPr>
         <a:blipFill dpi="0" rotWithShape="1">
@@ -11010,7 +12304,7 @@
         <p:spPr>
           <a:xfrm>
             <a:off x="0" y="0"/>
-            <a:ext cx="9144000" cy="1326952"/>
+            <a:ext cx="9144000" cy="917377"/>
           </a:xfrm>
           <a:prstGeom prst="rect">
             <a:avLst/>
@@ -11040,7 +12334,7 @@
         <p:spPr>
           <a:xfrm>
             <a:off x="507950" y="253901"/>
-            <a:ext cx="8290661" cy="819150"/>
+            <a:ext cx="8290661" cy="409575"/>
           </a:xfrm>
           <a:prstGeom prst="rect">
             <a:avLst/>
@@ -11064,7 +12358,7 @@
                 <a:ea typeface="Arial" pitchFamily="34" charset="-122"/>
                 <a:cs typeface="Arial" pitchFamily="34" charset="-120"/>
               </a:rPr>
-              <a:t>Data Architecture: 100% Real, On-Chain Sources</a:t>
+              <a:t>Governance 101: Snapshot vs On-Chain</a:t>
             </a:r>
             <a:endParaRPr lang="en-US" sz="2800" dirty="0"/>
           </a:p>
@@ -11078,12 +12372,12 @@
         </p:nvSpPr>
         <p:spPr>
           <a:xfrm>
-            <a:off x="507950" y="1580852"/>
-            <a:ext cx="2582317" cy="1071563"/>
+            <a:off x="507950" y="1171277"/>
+            <a:ext cx="8128099" cy="2075259"/>
           </a:xfrm>
           <a:prstGeom prst="roundRect">
             <a:avLst>
-              <a:gd name="adj" fmla="val 7111"/>
+              <a:gd name="adj" fmla="val 4896"/>
             </a:avLst>
           </a:prstGeom>
           <a:solidFill>
@@ -11091,9 +12385,9 @@
           </a:solidFill>
           <a:ln/>
           <a:effectLst>
-            <a:outerShdw sx="100000" sy="100000" kx="0" ky="0" algn="bl" rotWithShape="0" blurRad="57150" dist="19050" dir="5400000">
+            <a:outerShdw sx="100000" sy="100000" kx="0" ky="0" algn="bl" rotWithShape="0" blurRad="76200" dist="19050" dir="5400000">
               <a:srgbClr val="000000">
-                <a:alpha val="8000"/>
+                <a:alpha val="10000"/>
               </a:srgbClr>
             </a:outerShdw>
           </a:effectLst>
@@ -11117,8 +12411,1270 @@
         </p:nvSpPr>
         <p:spPr>
           <a:xfrm>
-            <a:off x="698450" y="1733252"/>
-            <a:ext cx="2245343" cy="152400"/>
+            <a:off x="507950" y="1171277"/>
+            <a:ext cx="8128099" cy="355402"/>
+          </a:xfrm>
+          <a:prstGeom prst="rect">
+            <a:avLst/>
+          </a:prstGeom>
+          <a:solidFill>
+            <a:srgbClr val="0F3460"/>
+          </a:solidFill>
+          <a:ln/>
+        </p:spPr>
+        <p:txBody>
+          <a:bodyPr wrap="square" rtlCol="0" anchor="ctr"/>
+          <a:lstStyle/>
+          <a:p>
+            <a:pPr indent="0" marL="0">
+              <a:buNone/>
+            </a:pPr>
+            <a:endParaRPr lang="en-US" dirty="0"/>
+          </a:p>
+        </p:txBody>
+      </p:sp>
+      <p:sp>
+        <p:nvSpPr>
+          <p:cNvPr id="6" name="Shape 4"/>
+          <p:cNvSpPr/>
+          <p:nvPr/>
+        </p:nvSpPr>
+        <p:spPr>
+          <a:xfrm>
+            <a:off x="507950" y="1521916"/>
+            <a:ext cx="8128099" cy="0"/>
+          </a:xfrm>
+          <a:prstGeom prst="line">
+            <a:avLst/>
+          </a:prstGeom>
+          <a:noFill/>
+          <a:ln w="9525">
+            <a:solidFill>
+              <a:srgbClr val="EEEEEE"/>
+            </a:solidFill>
+            <a:prstDash val="solid"/>
+          </a:ln>
+        </p:spPr>
+      </p:sp>
+      <p:sp>
+        <p:nvSpPr>
+          <p:cNvPr id="7" name="Text 5"/>
+          <p:cNvSpPr/>
+          <p:nvPr/>
+        </p:nvSpPr>
+        <p:spPr>
+          <a:xfrm>
+            <a:off x="660350" y="1272778"/>
+            <a:ext cx="2452557" cy="142875"/>
+          </a:xfrm>
+          <a:prstGeom prst="rect">
+            <a:avLst/>
+          </a:prstGeom>
+          <a:noFill/>
+          <a:ln/>
+        </p:spPr>
+        <p:txBody>
+          <a:bodyPr wrap="square" lIns="0" tIns="0" rIns="0" bIns="0" rtlCol="0" anchor="t"/>
+          <a:lstStyle/>
+          <a:p>
+            <a:pPr algn="l" indent="0" marL="0">
+              <a:buNone/>
+            </a:pPr>
+            <a:r>
+              <a:rPr lang="en-US" sz="1000" b="1" dirty="0">
+                <a:solidFill>
+                  <a:srgbClr val="FFFFFF"/>
+                </a:solidFill>
+                <a:latin typeface="Arial" pitchFamily="34" charset="0"/>
+                <a:ea typeface="Arial" pitchFamily="34" charset="-122"/>
+                <a:cs typeface="Arial" pitchFamily="34" charset="-120"/>
+              </a:rPr>
+              <a:t>Dimension</a:t>
+            </a:r>
+            <a:endParaRPr lang="en-US" sz="1000" dirty="0"/>
+          </a:p>
+        </p:txBody>
+      </p:sp>
+      <p:sp>
+        <p:nvSpPr>
+          <p:cNvPr id="8" name="Text 6"/>
+          <p:cNvSpPr/>
+          <p:nvPr/>
+        </p:nvSpPr>
+        <p:spPr>
+          <a:xfrm>
+            <a:off x="3217218" y="1171277"/>
+            <a:ext cx="2709416" cy="345877"/>
+          </a:xfrm>
+          <a:prstGeom prst="rect">
+            <a:avLst/>
+          </a:prstGeom>
+          <a:solidFill>
+            <a:srgbClr val="D4EDDA"/>
+          </a:solidFill>
+          <a:ln/>
+        </p:spPr>
+        <p:txBody>
+          <a:bodyPr wrap="square" rtlCol="0" anchor="ctr"/>
+          <a:lstStyle/>
+          <a:p>
+            <a:pPr indent="0" marL="0">
+              <a:buNone/>
+            </a:pPr>
+            <a:endParaRPr lang="en-US" dirty="0"/>
+          </a:p>
+        </p:txBody>
+      </p:sp>
+      <p:sp>
+        <p:nvSpPr>
+          <p:cNvPr id="9" name="Text 7"/>
+          <p:cNvSpPr/>
+          <p:nvPr/>
+        </p:nvSpPr>
+        <p:spPr>
+          <a:xfrm>
+            <a:off x="3369618" y="1272778"/>
+            <a:ext cx="2452708" cy="142875"/>
+          </a:xfrm>
+          <a:prstGeom prst="rect">
+            <a:avLst/>
+          </a:prstGeom>
+          <a:noFill/>
+          <a:ln/>
+        </p:spPr>
+        <p:txBody>
+          <a:bodyPr wrap="square" lIns="0" tIns="0" rIns="0" bIns="0" rtlCol="0" anchor="t"/>
+          <a:lstStyle/>
+          <a:p>
+            <a:pPr algn="l" indent="0" marL="0">
+              <a:buNone/>
+            </a:pPr>
+            <a:r>
+              <a:rPr lang="en-US" sz="1000" b="1" dirty="0">
+                <a:solidFill>
+                  <a:srgbClr val="FFFFFF"/>
+                </a:solidFill>
+                <a:latin typeface="Arial" pitchFamily="34" charset="0"/>
+                <a:ea typeface="Arial" pitchFamily="34" charset="-122"/>
+                <a:cs typeface="Arial" pitchFamily="34" charset="-120"/>
+              </a:rPr>
+              <a:t>Snapshot (We Support)</a:t>
+            </a:r>
+            <a:endParaRPr lang="en-US" sz="1000" dirty="0"/>
+          </a:p>
+        </p:txBody>
+      </p:sp>
+      <p:sp>
+        <p:nvSpPr>
+          <p:cNvPr id="10" name="Text 8"/>
+          <p:cNvSpPr/>
+          <p:nvPr/>
+        </p:nvSpPr>
+        <p:spPr>
+          <a:xfrm>
+            <a:off x="5926634" y="1171277"/>
+            <a:ext cx="2709416" cy="345877"/>
+          </a:xfrm>
+          <a:prstGeom prst="rect">
+            <a:avLst/>
+          </a:prstGeom>
+          <a:solidFill>
+            <a:srgbClr val="FFF3CD"/>
+          </a:solidFill>
+          <a:ln/>
+        </p:spPr>
+        <p:txBody>
+          <a:bodyPr wrap="square" rtlCol="0" anchor="ctr"/>
+          <a:lstStyle/>
+          <a:p>
+            <a:pPr indent="0" marL="0">
+              <a:buNone/>
+            </a:pPr>
+            <a:endParaRPr lang="en-US" dirty="0"/>
+          </a:p>
+        </p:txBody>
+      </p:sp>
+      <p:sp>
+        <p:nvSpPr>
+          <p:cNvPr id="11" name="Text 9"/>
+          <p:cNvSpPr/>
+          <p:nvPr/>
+        </p:nvSpPr>
+        <p:spPr>
+          <a:xfrm>
+            <a:off x="6079034" y="1272778"/>
+            <a:ext cx="2452708" cy="142875"/>
+          </a:xfrm>
+          <a:prstGeom prst="rect">
+            <a:avLst/>
+          </a:prstGeom>
+          <a:noFill/>
+          <a:ln/>
+        </p:spPr>
+        <p:txBody>
+          <a:bodyPr wrap="square" lIns="0" tIns="0" rIns="0" bIns="0" rtlCol="0" anchor="t"/>
+          <a:lstStyle/>
+          <a:p>
+            <a:pPr algn="l" indent="0" marL="0">
+              <a:buNone/>
+            </a:pPr>
+            <a:r>
+              <a:rPr lang="en-US" sz="1000" b="1" dirty="0">
+                <a:solidFill>
+                  <a:srgbClr val="FFFFFF"/>
+                </a:solidFill>
+                <a:latin typeface="Arial" pitchFamily="34" charset="0"/>
+                <a:ea typeface="Arial" pitchFamily="34" charset="-122"/>
+                <a:cs typeface="Arial" pitchFamily="34" charset="-120"/>
+              </a:rPr>
+              <a:t>On-Chain</a:t>
+            </a:r>
+            <a:endParaRPr lang="en-US" sz="1000" dirty="0"/>
+          </a:p>
+        </p:txBody>
+      </p:sp>
+      <p:sp>
+        <p:nvSpPr>
+          <p:cNvPr id="12" name="Shape 10"/>
+          <p:cNvSpPr/>
+          <p:nvPr/>
+        </p:nvSpPr>
+        <p:spPr>
+          <a:xfrm>
+            <a:off x="507950" y="1867793"/>
+            <a:ext cx="8128099" cy="0"/>
+          </a:xfrm>
+          <a:prstGeom prst="line">
+            <a:avLst/>
+          </a:prstGeom>
+          <a:noFill/>
+          <a:ln w="9525">
+            <a:solidFill>
+              <a:srgbClr val="EEEEEE"/>
+            </a:solidFill>
+            <a:prstDash val="solid"/>
+          </a:ln>
+        </p:spPr>
+      </p:sp>
+      <p:sp>
+        <p:nvSpPr>
+          <p:cNvPr id="13" name="Text 11"/>
+          <p:cNvSpPr/>
+          <p:nvPr/>
+        </p:nvSpPr>
+        <p:spPr>
+          <a:xfrm>
+            <a:off x="660350" y="1628180"/>
+            <a:ext cx="2452557" cy="133350"/>
+          </a:xfrm>
+          <a:prstGeom prst="rect">
+            <a:avLst/>
+          </a:prstGeom>
+          <a:noFill/>
+          <a:ln/>
+        </p:spPr>
+        <p:txBody>
+          <a:bodyPr wrap="square" lIns="0" tIns="0" rIns="0" bIns="0" rtlCol="0" anchor="t"/>
+          <a:lstStyle/>
+          <a:p>
+            <a:pPr algn="l" indent="0" marL="0">
+              <a:buNone/>
+            </a:pPr>
+            <a:r>
+              <a:rPr lang="en-US" sz="900" b="1" dirty="0">
+                <a:solidFill>
+                  <a:srgbClr val="000000"/>
+                </a:solidFill>
+                <a:latin typeface="Arial" pitchFamily="34" charset="0"/>
+                <a:ea typeface="Arial" pitchFamily="34" charset="-122"/>
+                <a:cs typeface="Arial" pitchFamily="34" charset="-120"/>
+              </a:rPr>
+              <a:t>What is Proposal</a:t>
+            </a:r>
+            <a:endParaRPr lang="en-US" sz="900" dirty="0"/>
+          </a:p>
+        </p:txBody>
+      </p:sp>
+      <p:sp>
+        <p:nvSpPr>
+          <p:cNvPr id="14" name="Text 12"/>
+          <p:cNvSpPr/>
+          <p:nvPr/>
+        </p:nvSpPr>
+        <p:spPr>
+          <a:xfrm>
+            <a:off x="3217218" y="1526679"/>
+            <a:ext cx="2709416" cy="336352"/>
+          </a:xfrm>
+          <a:prstGeom prst="rect">
+            <a:avLst/>
+          </a:prstGeom>
+          <a:solidFill>
+            <a:srgbClr val="D4EDDA"/>
+          </a:solidFill>
+          <a:ln/>
+        </p:spPr>
+        <p:txBody>
+          <a:bodyPr wrap="square" rtlCol="0" anchor="ctr"/>
+          <a:lstStyle/>
+          <a:p>
+            <a:pPr indent="0" marL="0">
+              <a:buNone/>
+            </a:pPr>
+            <a:endParaRPr lang="en-US" dirty="0"/>
+          </a:p>
+        </p:txBody>
+      </p:sp>
+      <p:sp>
+        <p:nvSpPr>
+          <p:cNvPr id="15" name="Text 13"/>
+          <p:cNvSpPr/>
+          <p:nvPr/>
+        </p:nvSpPr>
+        <p:spPr>
+          <a:xfrm>
+            <a:off x="3369618" y="1628180"/>
+            <a:ext cx="2452708" cy="133350"/>
+          </a:xfrm>
+          <a:prstGeom prst="rect">
+            <a:avLst/>
+          </a:prstGeom>
+          <a:noFill/>
+          <a:ln/>
+        </p:spPr>
+        <p:txBody>
+          <a:bodyPr wrap="square" lIns="0" tIns="0" rIns="0" bIns="0" rtlCol="0" anchor="t"/>
+          <a:lstStyle/>
+          <a:p>
+            <a:pPr algn="l" indent="0" marL="0">
+              <a:buNone/>
+            </a:pPr>
+            <a:r>
+              <a:rPr lang="en-US" sz="900" dirty="0">
+                <a:solidFill>
+                  <a:srgbClr val="000000"/>
+                </a:solidFill>
+                <a:latin typeface="Arial" pitchFamily="34" charset="0"/>
+                <a:ea typeface="Arial" pitchFamily="34" charset="-122"/>
+                <a:cs typeface="Arial" pitchFamily="34" charset="-120"/>
+              </a:rPr>
+              <a:t>JSON data (title, desc)</a:t>
+            </a:r>
+            <a:endParaRPr lang="en-US" sz="900" dirty="0"/>
+          </a:p>
+        </p:txBody>
+      </p:sp>
+      <p:sp>
+        <p:nvSpPr>
+          <p:cNvPr id="16" name="Text 14"/>
+          <p:cNvSpPr/>
+          <p:nvPr/>
+        </p:nvSpPr>
+        <p:spPr>
+          <a:xfrm>
+            <a:off x="5926634" y="1526679"/>
+            <a:ext cx="2709416" cy="336352"/>
+          </a:xfrm>
+          <a:prstGeom prst="rect">
+            <a:avLst/>
+          </a:prstGeom>
+          <a:solidFill>
+            <a:srgbClr val="FFF3CD"/>
+          </a:solidFill>
+          <a:ln/>
+        </p:spPr>
+        <p:txBody>
+          <a:bodyPr wrap="square" rtlCol="0" anchor="ctr"/>
+          <a:lstStyle/>
+          <a:p>
+            <a:pPr indent="0" marL="0">
+              <a:buNone/>
+            </a:pPr>
+            <a:endParaRPr lang="en-US" dirty="0"/>
+          </a:p>
+        </p:txBody>
+      </p:sp>
+      <p:sp>
+        <p:nvSpPr>
+          <p:cNvPr id="17" name="Text 15"/>
+          <p:cNvSpPr/>
+          <p:nvPr/>
+        </p:nvSpPr>
+        <p:spPr>
+          <a:xfrm>
+            <a:off x="6079034" y="1628180"/>
+            <a:ext cx="2452708" cy="133350"/>
+          </a:xfrm>
+          <a:prstGeom prst="rect">
+            <a:avLst/>
+          </a:prstGeom>
+          <a:noFill/>
+          <a:ln/>
+        </p:spPr>
+        <p:txBody>
+          <a:bodyPr wrap="square" lIns="0" tIns="0" rIns="0" bIns="0" rtlCol="0" anchor="t"/>
+          <a:lstStyle/>
+          <a:p>
+            <a:pPr algn="l" indent="0" marL="0">
+              <a:buNone/>
+            </a:pPr>
+            <a:r>
+              <a:rPr lang="en-US" sz="900" dirty="0">
+                <a:solidFill>
+                  <a:srgbClr val="000000"/>
+                </a:solidFill>
+                <a:latin typeface="Arial" pitchFamily="34" charset="0"/>
+                <a:ea typeface="Arial" pitchFamily="34" charset="-122"/>
+                <a:cs typeface="Arial" pitchFamily="34" charset="-120"/>
+              </a:rPr>
+              <a:t>Smart contract code</a:t>
+            </a:r>
+            <a:endParaRPr lang="en-US" sz="900" dirty="0"/>
+          </a:p>
+        </p:txBody>
+      </p:sp>
+      <p:sp>
+        <p:nvSpPr>
+          <p:cNvPr id="18" name="Shape 16"/>
+          <p:cNvSpPr/>
+          <p:nvPr/>
+        </p:nvSpPr>
+        <p:spPr>
+          <a:xfrm>
+            <a:off x="507950" y="2213670"/>
+            <a:ext cx="8128099" cy="0"/>
+          </a:xfrm>
+          <a:prstGeom prst="line">
+            <a:avLst/>
+          </a:prstGeom>
+          <a:noFill/>
+          <a:ln w="9525">
+            <a:solidFill>
+              <a:srgbClr val="EEEEEE"/>
+            </a:solidFill>
+            <a:prstDash val="solid"/>
+          </a:ln>
+        </p:spPr>
+      </p:sp>
+      <p:sp>
+        <p:nvSpPr>
+          <p:cNvPr id="19" name="Text 17"/>
+          <p:cNvSpPr/>
+          <p:nvPr/>
+        </p:nvSpPr>
+        <p:spPr>
+          <a:xfrm>
+            <a:off x="660350" y="1974056"/>
+            <a:ext cx="2452557" cy="133350"/>
+          </a:xfrm>
+          <a:prstGeom prst="rect">
+            <a:avLst/>
+          </a:prstGeom>
+          <a:noFill/>
+          <a:ln/>
+        </p:spPr>
+        <p:txBody>
+          <a:bodyPr wrap="square" lIns="0" tIns="0" rIns="0" bIns="0" rtlCol="0" anchor="t"/>
+          <a:lstStyle/>
+          <a:p>
+            <a:pPr algn="l" indent="0" marL="0">
+              <a:buNone/>
+            </a:pPr>
+            <a:r>
+              <a:rPr lang="en-US" sz="900" b="1" dirty="0">
+                <a:solidFill>
+                  <a:srgbClr val="000000"/>
+                </a:solidFill>
+                <a:latin typeface="Arial" pitchFamily="34" charset="0"/>
+                <a:ea typeface="Arial" pitchFamily="34" charset="-122"/>
+                <a:cs typeface="Arial" pitchFamily="34" charset="-120"/>
+              </a:rPr>
+              <a:t>Voting Cost</a:t>
+            </a:r>
+            <a:endParaRPr lang="en-US" sz="900" dirty="0"/>
+          </a:p>
+        </p:txBody>
+      </p:sp>
+      <p:sp>
+        <p:nvSpPr>
+          <p:cNvPr id="20" name="Text 18"/>
+          <p:cNvSpPr/>
+          <p:nvPr/>
+        </p:nvSpPr>
+        <p:spPr>
+          <a:xfrm>
+            <a:off x="3217218" y="1872555"/>
+            <a:ext cx="2709416" cy="336352"/>
+          </a:xfrm>
+          <a:prstGeom prst="rect">
+            <a:avLst/>
+          </a:prstGeom>
+          <a:solidFill>
+            <a:srgbClr val="D4EDDA"/>
+          </a:solidFill>
+          <a:ln/>
+        </p:spPr>
+        <p:txBody>
+          <a:bodyPr wrap="square" rtlCol="0" anchor="ctr"/>
+          <a:lstStyle/>
+          <a:p>
+            <a:pPr indent="0" marL="0">
+              <a:buNone/>
+            </a:pPr>
+            <a:endParaRPr lang="en-US" dirty="0"/>
+          </a:p>
+        </p:txBody>
+      </p:sp>
+      <p:sp>
+        <p:nvSpPr>
+          <p:cNvPr id="21" name="Text 19"/>
+          <p:cNvSpPr/>
+          <p:nvPr/>
+        </p:nvSpPr>
+        <p:spPr>
+          <a:xfrm>
+            <a:off x="3369618" y="1974056"/>
+            <a:ext cx="2452708" cy="133350"/>
+          </a:xfrm>
+          <a:prstGeom prst="rect">
+            <a:avLst/>
+          </a:prstGeom>
+          <a:noFill/>
+          <a:ln/>
+        </p:spPr>
+        <p:txBody>
+          <a:bodyPr wrap="square" lIns="0" tIns="0" rIns="0" bIns="0" rtlCol="0" anchor="t"/>
+          <a:lstStyle/>
+          <a:p>
+            <a:pPr algn="l" indent="0" marL="0">
+              <a:buNone/>
+            </a:pPr>
+            <a:r>
+              <a:rPr lang="en-US" sz="900" b="1" dirty="0">
+                <a:solidFill>
+                  <a:srgbClr val="000000"/>
+                </a:solidFill>
+                <a:latin typeface="Arial" pitchFamily="34" charset="0"/>
+                <a:ea typeface="Arial" pitchFamily="34" charset="-122"/>
+                <a:cs typeface="Arial" pitchFamily="34" charset="-120"/>
+              </a:rPr>
+              <a:t>0 gas (free)</a:t>
+            </a:r>
+            <a:endParaRPr lang="en-US" sz="900" dirty="0"/>
+          </a:p>
+        </p:txBody>
+      </p:sp>
+      <p:sp>
+        <p:nvSpPr>
+          <p:cNvPr id="22" name="Text 20"/>
+          <p:cNvSpPr/>
+          <p:nvPr/>
+        </p:nvSpPr>
+        <p:spPr>
+          <a:xfrm>
+            <a:off x="5926634" y="1872555"/>
+            <a:ext cx="2709416" cy="336352"/>
+          </a:xfrm>
+          <a:prstGeom prst="rect">
+            <a:avLst/>
+          </a:prstGeom>
+          <a:solidFill>
+            <a:srgbClr val="FFF3CD"/>
+          </a:solidFill>
+          <a:ln/>
+        </p:spPr>
+        <p:txBody>
+          <a:bodyPr wrap="square" rtlCol="0" anchor="ctr"/>
+          <a:lstStyle/>
+          <a:p>
+            <a:pPr indent="0" marL="0">
+              <a:buNone/>
+            </a:pPr>
+            <a:endParaRPr lang="en-US" dirty="0"/>
+          </a:p>
+        </p:txBody>
+      </p:sp>
+      <p:sp>
+        <p:nvSpPr>
+          <p:cNvPr id="23" name="Text 21"/>
+          <p:cNvSpPr/>
+          <p:nvPr/>
+        </p:nvSpPr>
+        <p:spPr>
+          <a:xfrm>
+            <a:off x="6079034" y="1974056"/>
+            <a:ext cx="2452708" cy="133350"/>
+          </a:xfrm>
+          <a:prstGeom prst="rect">
+            <a:avLst/>
+          </a:prstGeom>
+          <a:noFill/>
+          <a:ln/>
+        </p:spPr>
+        <p:txBody>
+          <a:bodyPr wrap="square" lIns="0" tIns="0" rIns="0" bIns="0" rtlCol="0" anchor="t"/>
+          <a:lstStyle/>
+          <a:p>
+            <a:pPr algn="l" indent="0" marL="0">
+              <a:buNone/>
+            </a:pPr>
+            <a:r>
+              <a:rPr lang="en-US" sz="900" dirty="0">
+                <a:solidFill>
+                  <a:srgbClr val="000000"/>
+                </a:solidFill>
+                <a:latin typeface="Arial" pitchFamily="34" charset="0"/>
+                <a:ea typeface="Arial" pitchFamily="34" charset="-122"/>
+                <a:cs typeface="Arial" pitchFamily="34" charset="-120"/>
+              </a:rPr>
+              <a:t>$5-50 gas/vote</a:t>
+            </a:r>
+            <a:endParaRPr lang="en-US" sz="900" dirty="0"/>
+          </a:p>
+        </p:txBody>
+      </p:sp>
+      <p:sp>
+        <p:nvSpPr>
+          <p:cNvPr id="24" name="Shape 22"/>
+          <p:cNvSpPr/>
+          <p:nvPr/>
+        </p:nvSpPr>
+        <p:spPr>
+          <a:xfrm>
+            <a:off x="507950" y="2559546"/>
+            <a:ext cx="8128099" cy="0"/>
+          </a:xfrm>
+          <a:prstGeom prst="line">
+            <a:avLst/>
+          </a:prstGeom>
+          <a:noFill/>
+          <a:ln w="9525">
+            <a:solidFill>
+              <a:srgbClr val="EEEEEE"/>
+            </a:solidFill>
+            <a:prstDash val="solid"/>
+          </a:ln>
+        </p:spPr>
+      </p:sp>
+      <p:sp>
+        <p:nvSpPr>
+          <p:cNvPr id="25" name="Text 23"/>
+          <p:cNvSpPr/>
+          <p:nvPr/>
+        </p:nvSpPr>
+        <p:spPr>
+          <a:xfrm>
+            <a:off x="660350" y="2319933"/>
+            <a:ext cx="2452557" cy="133350"/>
+          </a:xfrm>
+          <a:prstGeom prst="rect">
+            <a:avLst/>
+          </a:prstGeom>
+          <a:noFill/>
+          <a:ln/>
+        </p:spPr>
+        <p:txBody>
+          <a:bodyPr wrap="square" lIns="0" tIns="0" rIns="0" bIns="0" rtlCol="0" anchor="t"/>
+          <a:lstStyle/>
+          <a:p>
+            <a:pPr algn="l" indent="0" marL="0">
+              <a:buNone/>
+            </a:pPr>
+            <a:r>
+              <a:rPr lang="en-US" sz="900" b="1" dirty="0">
+                <a:solidFill>
+                  <a:srgbClr val="000000"/>
+                </a:solidFill>
+                <a:latin typeface="Arial" pitchFamily="34" charset="0"/>
+                <a:ea typeface="Arial" pitchFamily="34" charset="-122"/>
+                <a:cs typeface="Arial" pitchFamily="34" charset="-120"/>
+              </a:rPr>
+              <a:t>Market Share</a:t>
+            </a:r>
+            <a:endParaRPr lang="en-US" sz="900" dirty="0"/>
+          </a:p>
+        </p:txBody>
+      </p:sp>
+      <p:sp>
+        <p:nvSpPr>
+          <p:cNvPr id="26" name="Text 24"/>
+          <p:cNvSpPr/>
+          <p:nvPr/>
+        </p:nvSpPr>
+        <p:spPr>
+          <a:xfrm>
+            <a:off x="3217218" y="2218432"/>
+            <a:ext cx="2709416" cy="336352"/>
+          </a:xfrm>
+          <a:prstGeom prst="rect">
+            <a:avLst/>
+          </a:prstGeom>
+          <a:solidFill>
+            <a:srgbClr val="D4EDDA"/>
+          </a:solidFill>
+          <a:ln/>
+        </p:spPr>
+        <p:txBody>
+          <a:bodyPr wrap="square" rtlCol="0" anchor="ctr"/>
+          <a:lstStyle/>
+          <a:p>
+            <a:pPr indent="0" marL="0">
+              <a:buNone/>
+            </a:pPr>
+            <a:endParaRPr lang="en-US" dirty="0"/>
+          </a:p>
+        </p:txBody>
+      </p:sp>
+      <p:sp>
+        <p:nvSpPr>
+          <p:cNvPr id="27" name="Text 25"/>
+          <p:cNvSpPr/>
+          <p:nvPr/>
+        </p:nvSpPr>
+        <p:spPr>
+          <a:xfrm>
+            <a:off x="3369618" y="2319933"/>
+            <a:ext cx="2452708" cy="133350"/>
+          </a:xfrm>
+          <a:prstGeom prst="rect">
+            <a:avLst/>
+          </a:prstGeom>
+          <a:noFill/>
+          <a:ln/>
+        </p:spPr>
+        <p:txBody>
+          <a:bodyPr wrap="square" lIns="0" tIns="0" rIns="0" bIns="0" rtlCol="0" anchor="t"/>
+          <a:lstStyle/>
+          <a:p>
+            <a:pPr algn="l" indent="0" marL="0">
+              <a:buNone/>
+            </a:pPr>
+            <a:r>
+              <a:rPr lang="en-US" sz="900" b="1" dirty="0">
+                <a:solidFill>
+                  <a:srgbClr val="000000"/>
+                </a:solidFill>
+                <a:latin typeface="Arial" pitchFamily="34" charset="0"/>
+                <a:ea typeface="Arial" pitchFamily="34" charset="-122"/>
+                <a:cs typeface="Arial" pitchFamily="34" charset="-120"/>
+              </a:rPr>
+              <a:t>80% of DAOs</a:t>
+            </a:r>
+            <a:endParaRPr lang="en-US" sz="900" dirty="0"/>
+          </a:p>
+        </p:txBody>
+      </p:sp>
+      <p:sp>
+        <p:nvSpPr>
+          <p:cNvPr id="28" name="Text 26"/>
+          <p:cNvSpPr/>
+          <p:nvPr/>
+        </p:nvSpPr>
+        <p:spPr>
+          <a:xfrm>
+            <a:off x="5926634" y="2218432"/>
+            <a:ext cx="2709416" cy="336352"/>
+          </a:xfrm>
+          <a:prstGeom prst="rect">
+            <a:avLst/>
+          </a:prstGeom>
+          <a:solidFill>
+            <a:srgbClr val="FFF3CD"/>
+          </a:solidFill>
+          <a:ln/>
+        </p:spPr>
+        <p:txBody>
+          <a:bodyPr wrap="square" rtlCol="0" anchor="ctr"/>
+          <a:lstStyle/>
+          <a:p>
+            <a:pPr indent="0" marL="0">
+              <a:buNone/>
+            </a:pPr>
+            <a:endParaRPr lang="en-US" dirty="0"/>
+          </a:p>
+        </p:txBody>
+      </p:sp>
+      <p:sp>
+        <p:nvSpPr>
+          <p:cNvPr id="29" name="Text 27"/>
+          <p:cNvSpPr/>
+          <p:nvPr/>
+        </p:nvSpPr>
+        <p:spPr>
+          <a:xfrm>
+            <a:off x="6079034" y="2319933"/>
+            <a:ext cx="2452708" cy="133350"/>
+          </a:xfrm>
+          <a:prstGeom prst="rect">
+            <a:avLst/>
+          </a:prstGeom>
+          <a:noFill/>
+          <a:ln/>
+        </p:spPr>
+        <p:txBody>
+          <a:bodyPr wrap="square" lIns="0" tIns="0" rIns="0" bIns="0" rtlCol="0" anchor="t"/>
+          <a:lstStyle/>
+          <a:p>
+            <a:pPr algn="l" indent="0" marL="0">
+              <a:buNone/>
+            </a:pPr>
+            <a:r>
+              <a:rPr lang="en-US" sz="900" dirty="0">
+                <a:solidFill>
+                  <a:srgbClr val="000000"/>
+                </a:solidFill>
+                <a:latin typeface="Arial" pitchFamily="34" charset="0"/>
+                <a:ea typeface="Arial" pitchFamily="34" charset="-122"/>
+                <a:cs typeface="Arial" pitchFamily="34" charset="-120"/>
+              </a:rPr>
+              <a:t>Large protocols only</a:t>
+            </a:r>
+            <a:endParaRPr lang="en-US" sz="900" dirty="0"/>
+          </a:p>
+        </p:txBody>
+      </p:sp>
+      <p:sp>
+        <p:nvSpPr>
+          <p:cNvPr id="30" name="Shape 28"/>
+          <p:cNvSpPr/>
+          <p:nvPr/>
+        </p:nvSpPr>
+        <p:spPr>
+          <a:xfrm>
+            <a:off x="507950" y="2905423"/>
+            <a:ext cx="8128099" cy="0"/>
+          </a:xfrm>
+          <a:prstGeom prst="line">
+            <a:avLst/>
+          </a:prstGeom>
+          <a:noFill/>
+          <a:ln w="9525">
+            <a:solidFill>
+              <a:srgbClr val="EEEEEE"/>
+            </a:solidFill>
+            <a:prstDash val="solid"/>
+          </a:ln>
+        </p:spPr>
+      </p:sp>
+      <p:sp>
+        <p:nvSpPr>
+          <p:cNvPr id="31" name="Text 29"/>
+          <p:cNvSpPr/>
+          <p:nvPr/>
+        </p:nvSpPr>
+        <p:spPr>
+          <a:xfrm>
+            <a:off x="660350" y="2665809"/>
+            <a:ext cx="2452557" cy="133350"/>
+          </a:xfrm>
+          <a:prstGeom prst="rect">
+            <a:avLst/>
+          </a:prstGeom>
+          <a:noFill/>
+          <a:ln/>
+        </p:spPr>
+        <p:txBody>
+          <a:bodyPr wrap="square" lIns="0" tIns="0" rIns="0" bIns="0" rtlCol="0" anchor="t"/>
+          <a:lstStyle/>
+          <a:p>
+            <a:pPr algn="l" indent="0" marL="0">
+              <a:buNone/>
+            </a:pPr>
+            <a:r>
+              <a:rPr lang="en-US" sz="900" b="1" dirty="0">
+                <a:solidFill>
+                  <a:srgbClr val="000000"/>
+                </a:solidFill>
+                <a:latin typeface="Arial" pitchFamily="34" charset="0"/>
+                <a:ea typeface="Arial" pitchFamily="34" charset="-122"/>
+                <a:cs typeface="Arial" pitchFamily="34" charset="-120"/>
+              </a:rPr>
+              <a:t>Examples</a:t>
+            </a:r>
+            <a:endParaRPr lang="en-US" sz="900" dirty="0"/>
+          </a:p>
+        </p:txBody>
+      </p:sp>
+      <p:sp>
+        <p:nvSpPr>
+          <p:cNvPr id="32" name="Text 30"/>
+          <p:cNvSpPr/>
+          <p:nvPr/>
+        </p:nvSpPr>
+        <p:spPr>
+          <a:xfrm>
+            <a:off x="3217218" y="2564309"/>
+            <a:ext cx="2709416" cy="336352"/>
+          </a:xfrm>
+          <a:prstGeom prst="rect">
+            <a:avLst/>
+          </a:prstGeom>
+          <a:solidFill>
+            <a:srgbClr val="D4EDDA"/>
+          </a:solidFill>
+          <a:ln/>
+        </p:spPr>
+        <p:txBody>
+          <a:bodyPr wrap="square" rtlCol="0" anchor="ctr"/>
+          <a:lstStyle/>
+          <a:p>
+            <a:pPr indent="0" marL="0">
+              <a:buNone/>
+            </a:pPr>
+            <a:endParaRPr lang="en-US" dirty="0"/>
+          </a:p>
+        </p:txBody>
+      </p:sp>
+      <p:sp>
+        <p:nvSpPr>
+          <p:cNvPr id="33" name="Text 31"/>
+          <p:cNvSpPr/>
+          <p:nvPr/>
+        </p:nvSpPr>
+        <p:spPr>
+          <a:xfrm>
+            <a:off x="3369618" y="2665809"/>
+            <a:ext cx="2452708" cy="133350"/>
+          </a:xfrm>
+          <a:prstGeom prst="rect">
+            <a:avLst/>
+          </a:prstGeom>
+          <a:noFill/>
+          <a:ln/>
+        </p:spPr>
+        <p:txBody>
+          <a:bodyPr wrap="square" lIns="0" tIns="0" rIns="0" bIns="0" rtlCol="0" anchor="t"/>
+          <a:lstStyle/>
+          <a:p>
+            <a:pPr algn="l" indent="0" marL="0">
+              <a:buNone/>
+            </a:pPr>
+            <a:r>
+              <a:rPr lang="en-US" sz="900" dirty="0">
+                <a:solidFill>
+                  <a:srgbClr val="000000"/>
+                </a:solidFill>
+                <a:latin typeface="Arial" pitchFamily="34" charset="0"/>
+                <a:ea typeface="Arial" pitchFamily="34" charset="-122"/>
+                <a:cs typeface="Arial" pitchFamily="34" charset="-120"/>
+              </a:rPr>
+              <a:t>Uniswap, Arbitrum, ENS</a:t>
+            </a:r>
+            <a:endParaRPr lang="en-US" sz="900" dirty="0"/>
+          </a:p>
+        </p:txBody>
+      </p:sp>
+      <p:sp>
+        <p:nvSpPr>
+          <p:cNvPr id="34" name="Text 32"/>
+          <p:cNvSpPr/>
+          <p:nvPr/>
+        </p:nvSpPr>
+        <p:spPr>
+          <a:xfrm>
+            <a:off x="5926634" y="2564309"/>
+            <a:ext cx="2709416" cy="336352"/>
+          </a:xfrm>
+          <a:prstGeom prst="rect">
+            <a:avLst/>
+          </a:prstGeom>
+          <a:solidFill>
+            <a:srgbClr val="FFF3CD"/>
+          </a:solidFill>
+          <a:ln/>
+        </p:spPr>
+        <p:txBody>
+          <a:bodyPr wrap="square" rtlCol="0" anchor="ctr"/>
+          <a:lstStyle/>
+          <a:p>
+            <a:pPr indent="0" marL="0">
+              <a:buNone/>
+            </a:pPr>
+            <a:endParaRPr lang="en-US" dirty="0"/>
+          </a:p>
+        </p:txBody>
+      </p:sp>
+      <p:sp>
+        <p:nvSpPr>
+          <p:cNvPr id="35" name="Text 33"/>
+          <p:cNvSpPr/>
+          <p:nvPr/>
+        </p:nvSpPr>
+        <p:spPr>
+          <a:xfrm>
+            <a:off x="6079034" y="2665809"/>
+            <a:ext cx="2452708" cy="133350"/>
+          </a:xfrm>
+          <a:prstGeom prst="rect">
+            <a:avLst/>
+          </a:prstGeom>
+          <a:noFill/>
+          <a:ln/>
+        </p:spPr>
+        <p:txBody>
+          <a:bodyPr wrap="square" lIns="0" tIns="0" rIns="0" bIns="0" rtlCol="0" anchor="t"/>
+          <a:lstStyle/>
+          <a:p>
+            <a:pPr algn="l" indent="0" marL="0">
+              <a:buNone/>
+            </a:pPr>
+            <a:r>
+              <a:rPr lang="en-US" sz="900" dirty="0">
+                <a:solidFill>
+                  <a:srgbClr val="000000"/>
+                </a:solidFill>
+                <a:latin typeface="Arial" pitchFamily="34" charset="0"/>
+                <a:ea typeface="Arial" pitchFamily="34" charset="-122"/>
+                <a:cs typeface="Arial" pitchFamily="34" charset="-120"/>
+              </a:rPr>
+              <a:t>MakerDAO, Compound</a:t>
+            </a:r>
+            <a:endParaRPr lang="en-US" sz="900" dirty="0"/>
+          </a:p>
+        </p:txBody>
+      </p:sp>
+      <p:sp>
+        <p:nvSpPr>
+          <p:cNvPr id="36" name="Text 34"/>
+          <p:cNvSpPr/>
+          <p:nvPr/>
+        </p:nvSpPr>
+        <p:spPr>
+          <a:xfrm>
+            <a:off x="660350" y="3011686"/>
+            <a:ext cx="2452557" cy="133350"/>
+          </a:xfrm>
+          <a:prstGeom prst="rect">
+            <a:avLst/>
+          </a:prstGeom>
+          <a:noFill/>
+          <a:ln/>
+        </p:spPr>
+        <p:txBody>
+          <a:bodyPr wrap="square" lIns="0" tIns="0" rIns="0" bIns="0" rtlCol="0" anchor="t"/>
+          <a:lstStyle/>
+          <a:p>
+            <a:pPr algn="l" indent="0" marL="0">
+              <a:buNone/>
+            </a:pPr>
+            <a:r>
+              <a:rPr lang="en-US" sz="900" b="1" dirty="0">
+                <a:solidFill>
+                  <a:srgbClr val="000000"/>
+                </a:solidFill>
+                <a:latin typeface="Arial" pitchFamily="34" charset="0"/>
+                <a:ea typeface="Arial" pitchFamily="34" charset="-122"/>
+                <a:cs typeface="Arial" pitchFamily="34" charset="-120"/>
+              </a:rPr>
+              <a:t>Execution</a:t>
+            </a:r>
+            <a:endParaRPr lang="en-US" sz="900" dirty="0"/>
+          </a:p>
+        </p:txBody>
+      </p:sp>
+      <p:sp>
+        <p:nvSpPr>
+          <p:cNvPr id="37" name="Text 35"/>
+          <p:cNvSpPr/>
+          <p:nvPr/>
+        </p:nvSpPr>
+        <p:spPr>
+          <a:xfrm>
+            <a:off x="3217218" y="2910185"/>
+            <a:ext cx="2709416" cy="336352"/>
+          </a:xfrm>
+          <a:prstGeom prst="rect">
+            <a:avLst/>
+          </a:prstGeom>
+          <a:solidFill>
+            <a:srgbClr val="D4EDDA"/>
+          </a:solidFill>
+          <a:ln/>
+        </p:spPr>
+        <p:txBody>
+          <a:bodyPr wrap="square" rtlCol="0" anchor="ctr"/>
+          <a:lstStyle/>
+          <a:p>
+            <a:pPr indent="0" marL="0">
+              <a:buNone/>
+            </a:pPr>
+            <a:endParaRPr lang="en-US" dirty="0"/>
+          </a:p>
+        </p:txBody>
+      </p:sp>
+      <p:sp>
+        <p:nvSpPr>
+          <p:cNvPr id="38" name="Text 36"/>
+          <p:cNvSpPr/>
+          <p:nvPr/>
+        </p:nvSpPr>
+        <p:spPr>
+          <a:xfrm>
+            <a:off x="3369618" y="3011686"/>
+            <a:ext cx="2452708" cy="133350"/>
+          </a:xfrm>
+          <a:prstGeom prst="rect">
+            <a:avLst/>
+          </a:prstGeom>
+          <a:noFill/>
+          <a:ln/>
+        </p:spPr>
+        <p:txBody>
+          <a:bodyPr wrap="square" lIns="0" tIns="0" rIns="0" bIns="0" rtlCol="0" anchor="t"/>
+          <a:lstStyle/>
+          <a:p>
+            <a:pPr algn="l" indent="0" marL="0">
+              <a:buNone/>
+            </a:pPr>
+            <a:r>
+              <a:rPr lang="en-US" sz="900" dirty="0">
+                <a:solidFill>
+                  <a:srgbClr val="000000"/>
+                </a:solidFill>
+                <a:latin typeface="Arial" pitchFamily="34" charset="0"/>
+                <a:ea typeface="Arial" pitchFamily="34" charset="-122"/>
+                <a:cs typeface="Arial" pitchFamily="34" charset="-120"/>
+              </a:rPr>
+              <a:t>Multi-sig manual</a:t>
+            </a:r>
+            <a:endParaRPr lang="en-US" sz="900" dirty="0"/>
+          </a:p>
+        </p:txBody>
+      </p:sp>
+      <p:sp>
+        <p:nvSpPr>
+          <p:cNvPr id="39" name="Text 37"/>
+          <p:cNvSpPr/>
+          <p:nvPr/>
+        </p:nvSpPr>
+        <p:spPr>
+          <a:xfrm>
+            <a:off x="5926634" y="2910185"/>
+            <a:ext cx="2709416" cy="336352"/>
+          </a:xfrm>
+          <a:prstGeom prst="rect">
+            <a:avLst/>
+          </a:prstGeom>
+          <a:solidFill>
+            <a:srgbClr val="FFF3CD"/>
+          </a:solidFill>
+          <a:ln/>
+        </p:spPr>
+        <p:txBody>
+          <a:bodyPr wrap="square" rtlCol="0" anchor="ctr"/>
+          <a:lstStyle/>
+          <a:p>
+            <a:pPr indent="0" marL="0">
+              <a:buNone/>
+            </a:pPr>
+            <a:endParaRPr lang="en-US" dirty="0"/>
+          </a:p>
+        </p:txBody>
+      </p:sp>
+      <p:sp>
+        <p:nvSpPr>
+          <p:cNvPr id="40" name="Text 38"/>
+          <p:cNvSpPr/>
+          <p:nvPr/>
+        </p:nvSpPr>
+        <p:spPr>
+          <a:xfrm>
+            <a:off x="6079034" y="3011686"/>
+            <a:ext cx="2452708" cy="133350"/>
+          </a:xfrm>
+          <a:prstGeom prst="rect">
+            <a:avLst/>
+          </a:prstGeom>
+          <a:noFill/>
+          <a:ln/>
+        </p:spPr>
+        <p:txBody>
+          <a:bodyPr wrap="square" lIns="0" tIns="0" rIns="0" bIns="0" rtlCol="0" anchor="t"/>
+          <a:lstStyle/>
+          <a:p>
+            <a:pPr algn="l" indent="0" marL="0">
+              <a:buNone/>
+            </a:pPr>
+            <a:r>
+              <a:rPr lang="en-US" sz="900" dirty="0">
+                <a:solidFill>
+                  <a:srgbClr val="000000"/>
+                </a:solidFill>
+                <a:latin typeface="Arial" pitchFamily="34" charset="0"/>
+                <a:ea typeface="Arial" pitchFamily="34" charset="-122"/>
+                <a:cs typeface="Arial" pitchFamily="34" charset="-120"/>
+              </a:rPr>
+              <a:t>Contract auto-execute</a:t>
+            </a:r>
+            <a:endParaRPr lang="en-US" sz="900" dirty="0"/>
+          </a:p>
+        </p:txBody>
+      </p:sp>
+      <p:sp>
+        <p:nvSpPr>
+          <p:cNvPr id="41" name="Text 39"/>
+          <p:cNvSpPr/>
+          <p:nvPr/>
+        </p:nvSpPr>
+        <p:spPr>
+          <a:xfrm>
+            <a:off x="507950" y="3398937"/>
+            <a:ext cx="8128099" cy="693390"/>
+          </a:xfrm>
+          <a:prstGeom prst="roundRect">
+            <a:avLst>
+              <a:gd name="adj" fmla="val 10989"/>
+            </a:avLst>
+          </a:prstGeom>
+          <a:solidFill>
+            <a:srgbClr val="E7F3FF"/>
+          </a:solidFill>
+          <a:ln/>
+        </p:spPr>
+        <p:txBody>
+          <a:bodyPr wrap="square" rtlCol="0" anchor="ctr"/>
+          <a:lstStyle/>
+          <a:p>
+            <a:pPr indent="0" marL="0">
+              <a:buNone/>
+            </a:pPr>
+            <a:endParaRPr lang="en-US" dirty="0"/>
+          </a:p>
+        </p:txBody>
+      </p:sp>
+      <p:sp>
+        <p:nvSpPr>
+          <p:cNvPr id="42" name="Shape 40"/>
+          <p:cNvSpPr/>
+          <p:nvPr/>
+        </p:nvSpPr>
+        <p:spPr>
+          <a:xfrm>
+            <a:off x="531763" y="3398937"/>
+            <a:ext cx="0" cy="693390"/>
+          </a:xfrm>
+          <a:prstGeom prst="line">
+            <a:avLst/>
+          </a:prstGeom>
+          <a:noFill/>
+          <a:ln w="47625">
+            <a:solidFill>
+              <a:srgbClr val="0F3460"/>
+            </a:solidFill>
+            <a:prstDash val="solid"/>
+          </a:ln>
+        </p:spPr>
+      </p:sp>
+      <p:sp>
+        <p:nvSpPr>
+          <p:cNvPr id="43" name="Text 41"/>
+          <p:cNvSpPr/>
+          <p:nvPr/>
+        </p:nvSpPr>
+        <p:spPr>
+          <a:xfrm>
+            <a:off x="746075" y="3551337"/>
+            <a:ext cx="7853464" cy="152400"/>
           </a:xfrm>
           <a:prstGeom prst="rect">
             <a:avLst/>
@@ -11139,13 +13695,13 @@
             <a:r>
               <a:rPr lang="en-US" sz="1100" b="1" dirty="0">
                 <a:solidFill>
-                  <a:srgbClr val="E94560"/>
-                </a:solidFill>
-                <a:latin typeface="Arial" pitchFamily="34" charset="0"/>
-                <a:ea typeface="Arial" pitchFamily="34" charset="-122"/>
-                <a:cs typeface="Arial" pitchFamily="34" charset="-120"/>
-              </a:rPr>
-              <a:t>Proposal Data</a:t>
+                  <a:srgbClr val="0F3460"/>
+                </a:solidFill>
+                <a:latin typeface="Arial" pitchFamily="34" charset="0"/>
+                <a:ea typeface="Arial" pitchFamily="34" charset="-122"/>
+                <a:cs typeface="Arial" pitchFamily="34" charset="-120"/>
+              </a:rPr>
+              <a:t>Why Snapshot First?</a:t>
             </a:r>
             <a:endParaRPr lang="en-US" sz="1100" dirty="0"/>
           </a:p>
@@ -11153,14 +13709,14 @@
       </p:sp>
       <p:sp>
         <p:nvSpPr>
-          <p:cNvPr id="6" name="Text 4"/>
-          <p:cNvSpPr/>
-          <p:nvPr/>
-        </p:nvSpPr>
-        <p:spPr>
-          <a:xfrm>
-            <a:off x="698450" y="1961852"/>
-            <a:ext cx="2245343" cy="297061"/>
+          <p:cNvPr id="44" name="Text 42"/>
+          <p:cNvSpPr/>
+          <p:nvPr/>
+        </p:nvSpPr>
+        <p:spPr>
+          <a:xfrm>
+            <a:off x="746075" y="3779937"/>
+            <a:ext cx="7853464" cy="159990"/>
           </a:xfrm>
           <a:prstGeom prst="rect">
             <a:avLst/>
@@ -11174,7 +13730,7 @@
           <a:p>
             <a:pPr algn="l" indent="0" marL="0">
               <a:lnSpc>
-                <a:spcPts val="1170"/>
+                <a:spcPts val="1260"/>
               </a:lnSpc>
               <a:buNone/>
             </a:pPr>
@@ -11187,745 +13743,7 @@
                 <a:ea typeface="Arial" pitchFamily="34" charset="-122"/>
                 <a:cs typeface="Arial" pitchFamily="34" charset="-120"/>
               </a:rPr>
-              <a:t>Title, description, start/end time, choices, state</a:t>
-            </a:r>
-            <a:endParaRPr lang="en-US" sz="900" dirty="0"/>
-          </a:p>
-        </p:txBody>
-      </p:sp>
-      <p:sp>
-        <p:nvSpPr>
-          <p:cNvPr id="7" name="Text 5"/>
-          <p:cNvSpPr/>
-          <p:nvPr/>
-        </p:nvSpPr>
-        <p:spPr>
-          <a:xfrm>
-            <a:off x="3280767" y="1580852"/>
-            <a:ext cx="2582466" cy="1071563"/>
-          </a:xfrm>
-          <a:prstGeom prst="roundRect">
-            <a:avLst>
-              <a:gd name="adj" fmla="val 7111"/>
-            </a:avLst>
-          </a:prstGeom>
-          <a:solidFill>
-            <a:srgbClr val="FFFFFF"/>
-          </a:solidFill>
-          <a:ln/>
-          <a:effectLst>
-            <a:outerShdw sx="100000" sy="100000" kx="0" ky="0" algn="bl" rotWithShape="0" blurRad="57150" dist="19050" dir="5400000">
-              <a:srgbClr val="000000">
-                <a:alpha val="8000"/>
-              </a:srgbClr>
-            </a:outerShdw>
-          </a:effectLst>
-        </p:spPr>
-        <p:txBody>
-          <a:bodyPr wrap="square" rtlCol="0" anchor="ctr"/>
-          <a:lstStyle/>
-          <a:p>
-            <a:pPr indent="0" marL="0">
-              <a:buNone/>
-            </a:pPr>
-            <a:endParaRPr lang="en-US" dirty="0"/>
-          </a:p>
-        </p:txBody>
-      </p:sp>
-      <p:sp>
-        <p:nvSpPr>
-          <p:cNvPr id="8" name="Text 6"/>
-          <p:cNvSpPr/>
-          <p:nvPr/>
-        </p:nvSpPr>
-        <p:spPr>
-          <a:xfrm>
-            <a:off x="3471267" y="1733252"/>
-            <a:ext cx="2245495" cy="152400"/>
-          </a:xfrm>
-          <a:prstGeom prst="rect">
-            <a:avLst/>
-          </a:prstGeom>
-          <a:noFill/>
-          <a:ln/>
-        </p:spPr>
-        <p:txBody>
-          <a:bodyPr wrap="square" lIns="0" tIns="0" rIns="0" bIns="0" rtlCol="0" anchor="t"/>
-          <a:lstStyle/>
-          <a:p>
-            <a:pPr algn="l" indent="0" marL="0">
-              <a:spcAft>
-                <a:spcPts val="600"/>
-              </a:spcAft>
-              <a:buNone/>
-            </a:pPr>
-            <a:r>
-              <a:rPr lang="en-US" sz="1100" b="1" dirty="0">
-                <a:solidFill>
-                  <a:srgbClr val="E94560"/>
-                </a:solidFill>
-                <a:latin typeface="Arial" pitchFamily="34" charset="0"/>
-                <a:ea typeface="Arial" pitchFamily="34" charset="-122"/>
-                <a:cs typeface="Arial" pitchFamily="34" charset="-120"/>
-              </a:rPr>
-              <a:t>Voting Power</a:t>
-            </a:r>
-            <a:endParaRPr lang="en-US" sz="1100" dirty="0"/>
-          </a:p>
-        </p:txBody>
-      </p:sp>
-      <p:sp>
-        <p:nvSpPr>
-          <p:cNvPr id="9" name="Text 7"/>
-          <p:cNvSpPr/>
-          <p:nvPr/>
-        </p:nvSpPr>
-        <p:spPr>
-          <a:xfrm>
-            <a:off x="3471267" y="1961852"/>
-            <a:ext cx="2245495" cy="297061"/>
-          </a:xfrm>
-          <a:prstGeom prst="rect">
-            <a:avLst/>
-          </a:prstGeom>
-          <a:noFill/>
-          <a:ln/>
-        </p:spPr>
-        <p:txBody>
-          <a:bodyPr wrap="square" lIns="0" tIns="0" rIns="0" bIns="0" rtlCol="0" anchor="t"/>
-          <a:lstStyle/>
-          <a:p>
-            <a:pPr algn="l" indent="0" marL="0">
-              <a:lnSpc>
-                <a:spcPts val="1170"/>
-              </a:lnSpc>
-              <a:buNone/>
-            </a:pPr>
-            <a:r>
-              <a:rPr lang="en-US" sz="900" dirty="0">
-                <a:solidFill>
-                  <a:srgbClr val="333333"/>
-                </a:solidFill>
-                <a:latin typeface="Arial" pitchFamily="34" charset="0"/>
-                <a:ea typeface="Arial" pitchFamily="34" charset="-122"/>
-                <a:cs typeface="Arial" pitchFamily="34" charset="-120"/>
-              </a:rPr>
-              <a:t>Token balance at snapshot block, delegation status</a:t>
-            </a:r>
-            <a:endParaRPr lang="en-US" sz="900" dirty="0"/>
-          </a:p>
-        </p:txBody>
-      </p:sp>
-      <p:sp>
-        <p:nvSpPr>
-          <p:cNvPr id="10" name="Text 8"/>
-          <p:cNvSpPr/>
-          <p:nvPr/>
-        </p:nvSpPr>
-        <p:spPr>
-          <a:xfrm>
-            <a:off x="6053733" y="1580852"/>
-            <a:ext cx="2582317" cy="1071563"/>
-          </a:xfrm>
-          <a:prstGeom prst="roundRect">
-            <a:avLst>
-              <a:gd name="adj" fmla="val 7111"/>
-            </a:avLst>
-          </a:prstGeom>
-          <a:solidFill>
-            <a:srgbClr val="FFFFFF"/>
-          </a:solidFill>
-          <a:ln/>
-          <a:effectLst>
-            <a:outerShdw sx="100000" sy="100000" kx="0" ky="0" algn="bl" rotWithShape="0" blurRad="57150" dist="19050" dir="5400000">
-              <a:srgbClr val="000000">
-                <a:alpha val="8000"/>
-              </a:srgbClr>
-            </a:outerShdw>
-          </a:effectLst>
-        </p:spPr>
-        <p:txBody>
-          <a:bodyPr wrap="square" rtlCol="0" anchor="ctr"/>
-          <a:lstStyle/>
-          <a:p>
-            <a:pPr indent="0" marL="0">
-              <a:buNone/>
-            </a:pPr>
-            <a:endParaRPr lang="en-US" dirty="0"/>
-          </a:p>
-        </p:txBody>
-      </p:sp>
-      <p:sp>
-        <p:nvSpPr>
-          <p:cNvPr id="11" name="Text 9"/>
-          <p:cNvSpPr/>
-          <p:nvPr/>
-        </p:nvSpPr>
-        <p:spPr>
-          <a:xfrm>
-            <a:off x="6244233" y="1733252"/>
-            <a:ext cx="2245343" cy="152400"/>
-          </a:xfrm>
-          <a:prstGeom prst="rect">
-            <a:avLst/>
-          </a:prstGeom>
-          <a:noFill/>
-          <a:ln/>
-        </p:spPr>
-        <p:txBody>
-          <a:bodyPr wrap="square" lIns="0" tIns="0" rIns="0" bIns="0" rtlCol="0" anchor="t"/>
-          <a:lstStyle/>
-          <a:p>
-            <a:pPr algn="l" indent="0" marL="0">
-              <a:spcAft>
-                <a:spcPts val="600"/>
-              </a:spcAft>
-              <a:buNone/>
-            </a:pPr>
-            <a:r>
-              <a:rPr lang="en-US" sz="1100" b="1" dirty="0">
-                <a:solidFill>
-                  <a:srgbClr val="E94560"/>
-                </a:solidFill>
-                <a:latin typeface="Arial" pitchFamily="34" charset="0"/>
-                <a:ea typeface="Arial" pitchFamily="34" charset="-122"/>
-                <a:cs typeface="Arial" pitchFamily="34" charset="-120"/>
-              </a:rPr>
-              <a:t>Vote Submission</a:t>
-            </a:r>
-            <a:endParaRPr lang="en-US" sz="1100" dirty="0"/>
-          </a:p>
-        </p:txBody>
-      </p:sp>
-      <p:sp>
-        <p:nvSpPr>
-          <p:cNvPr id="12" name="Text 10"/>
-          <p:cNvSpPr/>
-          <p:nvPr/>
-        </p:nvSpPr>
-        <p:spPr>
-          <a:xfrm>
-            <a:off x="6244233" y="1961852"/>
-            <a:ext cx="2245343" cy="148530"/>
-          </a:xfrm>
-          <a:prstGeom prst="rect">
-            <a:avLst/>
-          </a:prstGeom>
-          <a:noFill/>
-          <a:ln/>
-        </p:spPr>
-        <p:txBody>
-          <a:bodyPr wrap="square" lIns="0" tIns="0" rIns="0" bIns="0" rtlCol="0" anchor="t"/>
-          <a:lstStyle/>
-          <a:p>
-            <a:pPr algn="l" indent="0" marL="0">
-              <a:lnSpc>
-                <a:spcPts val="1170"/>
-              </a:lnSpc>
-              <a:buNone/>
-            </a:pPr>
-            <a:r>
-              <a:rPr lang="en-US" sz="900" dirty="0">
-                <a:solidFill>
-                  <a:srgbClr val="333333"/>
-                </a:solidFill>
-                <a:latin typeface="Arial" pitchFamily="34" charset="0"/>
-                <a:ea typeface="Arial" pitchFamily="34" charset="-122"/>
-                <a:cs typeface="Arial" pitchFamily="34" charset="-120"/>
-              </a:rPr>
-              <a:t>EIP-712 signature, choice, timestamp</a:t>
-            </a:r>
-            <a:endParaRPr lang="en-US" sz="900" dirty="0"/>
-          </a:p>
-        </p:txBody>
-      </p:sp>
-      <p:sp>
-        <p:nvSpPr>
-          <p:cNvPr id="13" name="Text 11"/>
-          <p:cNvSpPr/>
-          <p:nvPr/>
-        </p:nvSpPr>
-        <p:spPr>
-          <a:xfrm>
-            <a:off x="507950" y="2842915"/>
-            <a:ext cx="2582317" cy="1071563"/>
-          </a:xfrm>
-          <a:prstGeom prst="roundRect">
-            <a:avLst>
-              <a:gd name="adj" fmla="val 7111"/>
-            </a:avLst>
-          </a:prstGeom>
-          <a:solidFill>
-            <a:srgbClr val="FFFFFF"/>
-          </a:solidFill>
-          <a:ln/>
-          <a:effectLst>
-            <a:outerShdw sx="100000" sy="100000" kx="0" ky="0" algn="bl" rotWithShape="0" blurRad="57150" dist="19050" dir="5400000">
-              <a:srgbClr val="000000">
-                <a:alpha val="8000"/>
-              </a:srgbClr>
-            </a:outerShdw>
-          </a:effectLst>
-        </p:spPr>
-        <p:txBody>
-          <a:bodyPr wrap="square" rtlCol="0" anchor="ctr"/>
-          <a:lstStyle/>
-          <a:p>
-            <a:pPr indent="0" marL="0">
-              <a:buNone/>
-            </a:pPr>
-            <a:endParaRPr lang="en-US" dirty="0"/>
-          </a:p>
-        </p:txBody>
-      </p:sp>
-      <p:sp>
-        <p:nvSpPr>
-          <p:cNvPr id="14" name="Text 12"/>
-          <p:cNvSpPr/>
-          <p:nvPr/>
-        </p:nvSpPr>
-        <p:spPr>
-          <a:xfrm>
-            <a:off x="698450" y="2995315"/>
-            <a:ext cx="2245343" cy="152400"/>
-          </a:xfrm>
-          <a:prstGeom prst="rect">
-            <a:avLst/>
-          </a:prstGeom>
-          <a:noFill/>
-          <a:ln/>
-        </p:spPr>
-        <p:txBody>
-          <a:bodyPr wrap="square" lIns="0" tIns="0" rIns="0" bIns="0" rtlCol="0" anchor="t"/>
-          <a:lstStyle/>
-          <a:p>
-            <a:pPr algn="l" indent="0" marL="0">
-              <a:spcAft>
-                <a:spcPts val="600"/>
-              </a:spcAft>
-              <a:buNone/>
-            </a:pPr>
-            <a:r>
-              <a:rPr lang="en-US" sz="1100" b="1" dirty="0">
-                <a:solidFill>
-                  <a:srgbClr val="E94560"/>
-                </a:solidFill>
-                <a:latin typeface="Arial" pitchFamily="34" charset="0"/>
-                <a:ea typeface="Arial" pitchFamily="34" charset="-122"/>
-                <a:cs typeface="Arial" pitchFamily="34" charset="-120"/>
-              </a:rPr>
-              <a:t>User Points</a:t>
-            </a:r>
-            <a:endParaRPr lang="en-US" sz="1100" dirty="0"/>
-          </a:p>
-        </p:txBody>
-      </p:sp>
-      <p:sp>
-        <p:nvSpPr>
-          <p:cNvPr id="15" name="Text 13"/>
-          <p:cNvSpPr/>
-          <p:nvPr/>
-        </p:nvSpPr>
-        <p:spPr>
-          <a:xfrm>
-            <a:off x="698450" y="3223915"/>
-            <a:ext cx="2245343" cy="297061"/>
-          </a:xfrm>
-          <a:prstGeom prst="rect">
-            <a:avLst/>
-          </a:prstGeom>
-          <a:noFill/>
-          <a:ln/>
-        </p:spPr>
-        <p:txBody>
-          <a:bodyPr wrap="square" lIns="0" tIns="0" rIns="0" bIns="0" rtlCol="0" anchor="t"/>
-          <a:lstStyle/>
-          <a:p>
-            <a:pPr algn="l" indent="0" marL="0">
-              <a:lnSpc>
-                <a:spcPts val="1170"/>
-              </a:lnSpc>
-              <a:buNone/>
-            </a:pPr>
-            <a:r>
-              <a:rPr lang="en-US" sz="900" dirty="0">
-                <a:solidFill>
-                  <a:srgbClr val="333333"/>
-                </a:solidFill>
-                <a:latin typeface="Arial" pitchFamily="34" charset="0"/>
-                <a:ea typeface="Arial" pitchFamily="34" charset="-122"/>
-                <a:cs typeface="Arial" pitchFamily="34" charset="-120"/>
-              </a:rPr>
-              <a:t>Points balance, level, streak, redemption history</a:t>
-            </a:r>
-            <a:endParaRPr lang="en-US" sz="900" dirty="0"/>
-          </a:p>
-        </p:txBody>
-      </p:sp>
-      <p:sp>
-        <p:nvSpPr>
-          <p:cNvPr id="16" name="Text 14"/>
-          <p:cNvSpPr/>
-          <p:nvPr/>
-        </p:nvSpPr>
-        <p:spPr>
-          <a:xfrm>
-            <a:off x="3280767" y="2842915"/>
-            <a:ext cx="2582466" cy="1071563"/>
-          </a:xfrm>
-          <a:prstGeom prst="roundRect">
-            <a:avLst>
-              <a:gd name="adj" fmla="val 7111"/>
-            </a:avLst>
-          </a:prstGeom>
-          <a:solidFill>
-            <a:srgbClr val="FFFFFF"/>
-          </a:solidFill>
-          <a:ln/>
-          <a:effectLst>
-            <a:outerShdw sx="100000" sy="100000" kx="0" ky="0" algn="bl" rotWithShape="0" blurRad="57150" dist="19050" dir="5400000">
-              <a:srgbClr val="000000">
-                <a:alpha val="8000"/>
-              </a:srgbClr>
-            </a:outerShdw>
-          </a:effectLst>
-        </p:spPr>
-        <p:txBody>
-          <a:bodyPr wrap="square" rtlCol="0" anchor="ctr"/>
-          <a:lstStyle/>
-          <a:p>
-            <a:pPr indent="0" marL="0">
-              <a:buNone/>
-            </a:pPr>
-            <a:endParaRPr lang="en-US" dirty="0"/>
-          </a:p>
-        </p:txBody>
-      </p:sp>
-      <p:sp>
-        <p:nvSpPr>
-          <p:cNvPr id="17" name="Text 15"/>
-          <p:cNvSpPr/>
-          <p:nvPr/>
-        </p:nvSpPr>
-        <p:spPr>
-          <a:xfrm>
-            <a:off x="3471267" y="2995315"/>
-            <a:ext cx="2245495" cy="152400"/>
-          </a:xfrm>
-          <a:prstGeom prst="rect">
-            <a:avLst/>
-          </a:prstGeom>
-          <a:noFill/>
-          <a:ln/>
-        </p:spPr>
-        <p:txBody>
-          <a:bodyPr wrap="square" lIns="0" tIns="0" rIns="0" bIns="0" rtlCol="0" anchor="t"/>
-          <a:lstStyle/>
-          <a:p>
-            <a:pPr algn="l" indent="0" marL="0">
-              <a:spcAft>
-                <a:spcPts val="600"/>
-              </a:spcAft>
-              <a:buNone/>
-            </a:pPr>
-            <a:r>
-              <a:rPr lang="en-US" sz="1100" b="1" dirty="0">
-                <a:solidFill>
-                  <a:srgbClr val="E94560"/>
-                </a:solidFill>
-                <a:latin typeface="Arial" pitchFamily="34" charset="0"/>
-                <a:ea typeface="Arial" pitchFamily="34" charset="-122"/>
-                <a:cs typeface="Arial" pitchFamily="34" charset="-120"/>
-              </a:rPr>
-              <a:t>AI Analysis Cache</a:t>
-            </a:r>
-            <a:endParaRPr lang="en-US" sz="1100" dirty="0"/>
-          </a:p>
-        </p:txBody>
-      </p:sp>
-      <p:sp>
-        <p:nvSpPr>
-          <p:cNvPr id="18" name="Text 16"/>
-          <p:cNvSpPr/>
-          <p:nvPr/>
-        </p:nvSpPr>
-        <p:spPr>
-          <a:xfrm>
-            <a:off x="3471267" y="3223915"/>
-            <a:ext cx="2245495" cy="297061"/>
-          </a:xfrm>
-          <a:prstGeom prst="rect">
-            <a:avLst/>
-          </a:prstGeom>
-          <a:noFill/>
-          <a:ln/>
-        </p:spPr>
-        <p:txBody>
-          <a:bodyPr wrap="square" lIns="0" tIns="0" rIns="0" bIns="0" rtlCol="0" anchor="t"/>
-          <a:lstStyle/>
-          <a:p>
-            <a:pPr algn="l" indent="0" marL="0">
-              <a:lnSpc>
-                <a:spcPts val="1170"/>
-              </a:lnSpc>
-              <a:buNone/>
-            </a:pPr>
-            <a:r>
-              <a:rPr lang="en-US" sz="900" dirty="0">
-                <a:solidFill>
-                  <a:srgbClr val="333333"/>
-                </a:solidFill>
-                <a:latin typeface="Arial" pitchFamily="34" charset="0"/>
-                <a:ea typeface="Arial" pitchFamily="34" charset="-122"/>
-                <a:cs typeface="Arial" pitchFamily="34" charset="-120"/>
-              </a:rPr>
-              <a:t>Cached proposal analysis, user preferences</a:t>
-            </a:r>
-            <a:endParaRPr lang="en-US" sz="900" dirty="0"/>
-          </a:p>
-        </p:txBody>
-      </p:sp>
-      <p:sp>
-        <p:nvSpPr>
-          <p:cNvPr id="19" name="Text 17"/>
-          <p:cNvSpPr/>
-          <p:nvPr/>
-        </p:nvSpPr>
-        <p:spPr>
-          <a:xfrm>
-            <a:off x="6053733" y="2842915"/>
-            <a:ext cx="2582317" cy="1071563"/>
-          </a:xfrm>
-          <a:prstGeom prst="roundRect">
-            <a:avLst>
-              <a:gd name="adj" fmla="val 7111"/>
-            </a:avLst>
-          </a:prstGeom>
-          <a:solidFill>
-            <a:srgbClr val="FFFFFF"/>
-          </a:solidFill>
-          <a:ln/>
-          <a:effectLst>
-            <a:outerShdw sx="100000" sy="100000" kx="0" ky="0" algn="bl" rotWithShape="0" blurRad="57150" dist="19050" dir="5400000">
-              <a:srgbClr val="000000">
-                <a:alpha val="8000"/>
-              </a:srgbClr>
-            </a:outerShdw>
-          </a:effectLst>
-        </p:spPr>
-        <p:txBody>
-          <a:bodyPr wrap="square" rtlCol="0" anchor="ctr"/>
-          <a:lstStyle/>
-          <a:p>
-            <a:pPr indent="0" marL="0">
-              <a:buNone/>
-            </a:pPr>
-            <a:endParaRPr lang="en-US" dirty="0"/>
-          </a:p>
-        </p:txBody>
-      </p:sp>
-      <p:sp>
-        <p:nvSpPr>
-          <p:cNvPr id="20" name="Text 18"/>
-          <p:cNvSpPr/>
-          <p:nvPr/>
-        </p:nvSpPr>
-        <p:spPr>
-          <a:xfrm>
-            <a:off x="6244233" y="2995315"/>
-            <a:ext cx="2245343" cy="152400"/>
-          </a:xfrm>
-          <a:prstGeom prst="rect">
-            <a:avLst/>
-          </a:prstGeom>
-          <a:noFill/>
-          <a:ln/>
-        </p:spPr>
-        <p:txBody>
-          <a:bodyPr wrap="square" lIns="0" tIns="0" rIns="0" bIns="0" rtlCol="0" anchor="t"/>
-          <a:lstStyle/>
-          <a:p>
-            <a:pPr algn="l" indent="0" marL="0">
-              <a:spcAft>
-                <a:spcPts val="600"/>
-              </a:spcAft>
-              <a:buNone/>
-            </a:pPr>
-            <a:r>
-              <a:rPr lang="en-US" sz="1100" b="1" dirty="0">
-                <a:solidFill>
-                  <a:srgbClr val="E94560"/>
-                </a:solidFill>
-                <a:latin typeface="Arial" pitchFamily="34" charset="0"/>
-                <a:ea typeface="Arial" pitchFamily="34" charset="-122"/>
-                <a:cs typeface="Arial" pitchFamily="34" charset="-120"/>
-              </a:rPr>
-              <a:t>Leaderboard</a:t>
-            </a:r>
-            <a:endParaRPr lang="en-US" sz="1100" dirty="0"/>
-          </a:p>
-        </p:txBody>
-      </p:sp>
-      <p:sp>
-        <p:nvSpPr>
-          <p:cNvPr id="21" name="Text 19"/>
-          <p:cNvSpPr/>
-          <p:nvPr/>
-        </p:nvSpPr>
-        <p:spPr>
-          <a:xfrm>
-            <a:off x="6244233" y="3223915"/>
-            <a:ext cx="2245343" cy="148530"/>
-          </a:xfrm>
-          <a:prstGeom prst="rect">
-            <a:avLst/>
-          </a:prstGeom>
-          <a:noFill/>
-          <a:ln/>
-        </p:spPr>
-        <p:txBody>
-          <a:bodyPr wrap="square" lIns="0" tIns="0" rIns="0" bIns="0" rtlCol="0" anchor="t"/>
-          <a:lstStyle/>
-          <a:p>
-            <a:pPr algn="l" indent="0" marL="0">
-              <a:lnSpc>
-                <a:spcPts val="1170"/>
-              </a:lnSpc>
-              <a:buNone/>
-            </a:pPr>
-            <a:r>
-              <a:rPr lang="en-US" sz="900" dirty="0">
-                <a:solidFill>
-                  <a:srgbClr val="333333"/>
-                </a:solidFill>
-                <a:latin typeface="Arial" pitchFamily="34" charset="0"/>
-                <a:ea typeface="Arial" pitchFamily="34" charset="-122"/>
-                <a:cs typeface="Arial" pitchFamily="34" charset="-120"/>
-              </a:rPr>
-              <a:t>Global rankings, DAO-specific stats</a:t>
-            </a:r>
-            <a:endParaRPr lang="en-US" sz="900" dirty="0"/>
-          </a:p>
-        </p:txBody>
-      </p:sp>
-      <p:sp>
-        <p:nvSpPr>
-          <p:cNvPr id="22" name="Text 20"/>
-          <p:cNvSpPr/>
-          <p:nvPr/>
-        </p:nvSpPr>
-        <p:spPr>
-          <a:xfrm>
-            <a:off x="507950" y="4104977"/>
-            <a:ext cx="8128099" cy="681930"/>
-          </a:xfrm>
-          <a:prstGeom prst="roundRect">
-            <a:avLst>
-              <a:gd name="adj" fmla="val 11174"/>
-            </a:avLst>
-          </a:prstGeom>
-          <a:solidFill>
-            <a:srgbClr val="FFFFFF"/>
-          </a:solidFill>
-          <a:ln/>
-          <a:effectLst>
-            <a:outerShdw sx="100000" sy="100000" kx="0" ky="0" algn="bl" rotWithShape="0" blurRad="57150" dist="19050" dir="5400000">
-              <a:srgbClr val="000000">
-                <a:alpha val="8000"/>
-              </a:srgbClr>
-            </a:outerShdw>
-          </a:effectLst>
-        </p:spPr>
-        <p:txBody>
-          <a:bodyPr wrap="square" rtlCol="0" anchor="ctr"/>
-          <a:lstStyle/>
-          <a:p>
-            <a:pPr indent="0" marL="0">
-              <a:buNone/>
-            </a:pPr>
-            <a:endParaRPr lang="en-US" dirty="0"/>
-          </a:p>
-        </p:txBody>
-      </p:sp>
-      <p:sp>
-        <p:nvSpPr>
-          <p:cNvPr id="23" name="Text 21"/>
-          <p:cNvSpPr/>
-          <p:nvPr/>
-        </p:nvSpPr>
-        <p:spPr>
-          <a:xfrm>
-            <a:off x="698450" y="4257377"/>
-            <a:ext cx="7902041" cy="152400"/>
-          </a:xfrm>
-          <a:prstGeom prst="rect">
-            <a:avLst/>
-          </a:prstGeom>
-          <a:noFill/>
-          <a:ln/>
-        </p:spPr>
-        <p:txBody>
-          <a:bodyPr wrap="square" lIns="0" tIns="0" rIns="0" bIns="0" rtlCol="0" anchor="t"/>
-          <a:lstStyle/>
-          <a:p>
-            <a:pPr algn="l" indent="0" marL="0">
-              <a:spcAft>
-                <a:spcPts val="600"/>
-              </a:spcAft>
-              <a:buNone/>
-            </a:pPr>
-            <a:r>
-              <a:rPr lang="en-US" sz="1100" b="1" dirty="0">
-                <a:solidFill>
-                  <a:srgbClr val="E94560"/>
-                </a:solidFill>
-                <a:latin typeface="Arial" pitchFamily="34" charset="0"/>
-                <a:ea typeface="Arial" pitchFamily="34" charset="-122"/>
-                <a:cs typeface="Arial" pitchFamily="34" charset="-120"/>
-              </a:rPr>
-              <a:t>Data Flow Architecture</a:t>
-            </a:r>
-            <a:endParaRPr lang="en-US" sz="1100" dirty="0"/>
-          </a:p>
-        </p:txBody>
-      </p:sp>
-      <p:sp>
-        <p:nvSpPr>
-          <p:cNvPr id="24" name="Text 22"/>
-          <p:cNvSpPr/>
-          <p:nvPr/>
-        </p:nvSpPr>
-        <p:spPr>
-          <a:xfrm>
-            <a:off x="698450" y="4485977"/>
-            <a:ext cx="7902041" cy="148530"/>
-          </a:xfrm>
-          <a:prstGeom prst="rect">
-            <a:avLst/>
-          </a:prstGeom>
-          <a:noFill/>
-          <a:ln/>
-        </p:spPr>
-        <p:txBody>
-          <a:bodyPr wrap="square" lIns="0" tIns="0" rIns="0" bIns="0" rtlCol="0" anchor="t"/>
-          <a:lstStyle/>
-          <a:p>
-            <a:pPr algn="l" indent="0" marL="0">
-              <a:lnSpc>
-                <a:spcPts val="1170"/>
-              </a:lnSpc>
-              <a:buNone/>
-            </a:pPr>
-            <a:r>
-              <a:rPr lang="en-US" sz="900" dirty="0">
-                <a:solidFill>
-                  <a:srgbClr val="333333"/>
-                </a:solidFill>
-                <a:latin typeface="Arial" pitchFamily="34" charset="0"/>
-                <a:ea typeface="Arial" pitchFamily="34" charset="-122"/>
-                <a:cs typeface="Arial" pitchFamily="34" charset="-120"/>
-              </a:rPr>
-              <a:t>Frontend (React) → Backend API (Hono) → Multi-source aggregation → PostgreSQL/Redis storage → Real-time sync with Snapshot</a:t>
+              <a:t>1. Large market (80% share) 2. Better UX (free voting) 3. Mature tech 4. Roadmap: Phase 2 add on-chain reading, Phase 3 full on-chain voting</a:t>
             </a:r>
             <a:endParaRPr lang="en-US" sz="900" dirty="0"/>
           </a:p>
@@ -11972,7 +13790,7 @@
         <p:spPr>
           <a:xfrm>
             <a:off x="0" y="0"/>
-            <a:ext cx="9144000" cy="917377"/>
+            <a:ext cx="9144000" cy="1326952"/>
           </a:xfrm>
           <a:prstGeom prst="rect">
             <a:avLst/>
@@ -12002,7 +13820,7 @@
         <p:spPr>
           <a:xfrm>
             <a:off x="507950" y="253901"/>
-            <a:ext cx="8290661" cy="409575"/>
+            <a:ext cx="8290661" cy="819150"/>
           </a:xfrm>
           <a:prstGeom prst="rect">
             <a:avLst/>
@@ -12026,7 +13844,7 @@
                 <a:ea typeface="Arial" pitchFamily="34" charset="-122"/>
                 <a:cs typeface="Arial" pitchFamily="34" charset="-120"/>
               </a:rPr>
-              <a:t>AI Data Flywheel: The Moat</a:t>
+              <a:t>Data Architecture: 100% Real, On-Chain Sources</a:t>
             </a:r>
             <a:endParaRPr lang="en-US" sz="2800" dirty="0"/>
           </a:p>
@@ -12040,12 +13858,12 @@
         </p:nvSpPr>
         <p:spPr>
           <a:xfrm>
-            <a:off x="305246" y="1171277"/>
-            <a:ext cx="1320701" cy="622250"/>
+            <a:off x="507950" y="1580852"/>
+            <a:ext cx="2582317" cy="1071563"/>
           </a:xfrm>
           <a:prstGeom prst="roundRect">
             <a:avLst>
-              <a:gd name="adj" fmla="val 16328"/>
+              <a:gd name="adj" fmla="val 7111"/>
             </a:avLst>
           </a:prstGeom>
           <a:solidFill>
@@ -12053,9 +13871,9 @@
           </a:solidFill>
           <a:ln/>
           <a:effectLst>
-            <a:outerShdw sx="100000" sy="100000" kx="0" ky="0" algn="bl" rotWithShape="0" blurRad="95250" dist="28575" dir="5400000">
+            <a:outerShdw sx="100000" sy="100000" kx="0" ky="0" algn="bl" rotWithShape="0" blurRad="57150" dist="19050" dir="5400000">
               <a:srgbClr val="000000">
-                <a:alpha val="10000"/>
+                <a:alpha val="8000"/>
               </a:srgbClr>
             </a:outerShdw>
           </a:effectLst>
@@ -12079,35 +13897,35 @@
         </p:nvSpPr>
         <p:spPr>
           <a:xfrm>
-            <a:off x="447487" y="1323677"/>
-            <a:ext cx="1036219" cy="152400"/>
-          </a:xfrm>
-          <a:prstGeom prst="rect">
-            <a:avLst/>
-          </a:prstGeom>
-          <a:noFill/>
-          <a:ln/>
-        </p:spPr>
-        <p:txBody>
-          <a:bodyPr wrap="square" lIns="0" tIns="0" rIns="0" bIns="0" rtlCol="0" anchor="t"/>
-          <a:lstStyle/>
-          <a:p>
-            <a:pPr algn="ctr" indent="0" marL="0">
+            <a:off x="698450" y="1733252"/>
+            <a:ext cx="2245343" cy="152400"/>
+          </a:xfrm>
+          <a:prstGeom prst="rect">
+            <a:avLst/>
+          </a:prstGeom>
+          <a:noFill/>
+          <a:ln/>
+        </p:spPr>
+        <p:txBody>
+          <a:bodyPr wrap="square" lIns="0" tIns="0" rIns="0" bIns="0" rtlCol="0" anchor="t"/>
+          <a:lstStyle/>
+          <a:p>
+            <a:pPr algn="l" indent="0" marL="0">
               <a:spcAft>
-                <a:spcPts val="400"/>
+                <a:spcPts val="600"/>
               </a:spcAft>
               <a:buNone/>
             </a:pPr>
             <a:r>
               <a:rPr lang="en-US" sz="1100" b="1" dirty="0">
                 <a:solidFill>
-                  <a:srgbClr val="0F3460"/>
-                </a:solidFill>
-                <a:latin typeface="Arial" pitchFamily="34" charset="0"/>
-                <a:ea typeface="Arial" pitchFamily="34" charset="-122"/>
-                <a:cs typeface="Arial" pitchFamily="34" charset="-120"/>
-              </a:rPr>
-              <a:t>More Users</a:t>
+                  <a:srgbClr val="E94560"/>
+                </a:solidFill>
+                <a:latin typeface="Arial" pitchFamily="34" charset="0"/>
+                <a:ea typeface="Arial" pitchFamily="34" charset="-122"/>
+                <a:cs typeface="Arial" pitchFamily="34" charset="-120"/>
+              </a:rPr>
+              <a:t>Proposal Data</a:t>
             </a:r>
             <a:endParaRPr lang="en-US" sz="1100" dirty="0"/>
           </a:p>
@@ -12121,34 +13939,37 @@
         </p:nvSpPr>
         <p:spPr>
           <a:xfrm>
-            <a:off x="447487" y="1526828"/>
-            <a:ext cx="1036219" cy="114300"/>
-          </a:xfrm>
-          <a:prstGeom prst="rect">
-            <a:avLst/>
-          </a:prstGeom>
-          <a:noFill/>
-          <a:ln/>
-        </p:spPr>
-        <p:txBody>
-          <a:bodyPr wrap="square" lIns="0" tIns="0" rIns="0" bIns="0" rtlCol="0" anchor="t"/>
-          <a:lstStyle/>
-          <a:p>
-            <a:pPr algn="ctr" indent="0" marL="0">
-              <a:buNone/>
-            </a:pPr>
-            <a:r>
-              <a:rPr lang="en-US" sz="800" dirty="0">
-                <a:solidFill>
-                  <a:srgbClr val="666666"/>
-                </a:solidFill>
-                <a:latin typeface="Arial" pitchFamily="34" charset="0"/>
-                <a:ea typeface="Arial" pitchFamily="34" charset="-122"/>
-                <a:cs typeface="Arial" pitchFamily="34" charset="-120"/>
-              </a:rPr>
-              <a:t>Vote on platform</a:t>
-            </a:r>
-            <a:endParaRPr lang="en-US" sz="800" dirty="0"/>
+            <a:off x="698450" y="1961852"/>
+            <a:ext cx="2245343" cy="297061"/>
+          </a:xfrm>
+          <a:prstGeom prst="rect">
+            <a:avLst/>
+          </a:prstGeom>
+          <a:noFill/>
+          <a:ln/>
+        </p:spPr>
+        <p:txBody>
+          <a:bodyPr wrap="square" lIns="0" tIns="0" rIns="0" bIns="0" rtlCol="0" anchor="t"/>
+          <a:lstStyle/>
+          <a:p>
+            <a:pPr algn="l" indent="0" marL="0">
+              <a:lnSpc>
+                <a:spcPts val="1170"/>
+              </a:lnSpc>
+              <a:buNone/>
+            </a:pPr>
+            <a:r>
+              <a:rPr lang="en-US" sz="900" dirty="0">
+                <a:solidFill>
+                  <a:srgbClr val="333333"/>
+                </a:solidFill>
+                <a:latin typeface="Arial" pitchFamily="34" charset="0"/>
+                <a:ea typeface="Arial" pitchFamily="34" charset="-122"/>
+                <a:cs typeface="Arial" pitchFamily="34" charset="-120"/>
+              </a:rPr>
+              <a:t>Title, description, start/end time, choices, state</a:t>
+            </a:r>
+            <a:endParaRPr lang="en-US" sz="900" dirty="0"/>
           </a:p>
         </p:txBody>
       </p:sp>
@@ -12160,51 +13981,12 @@
         </p:nvSpPr>
         <p:spPr>
           <a:xfrm>
-            <a:off x="1752898" y="1348978"/>
-            <a:ext cx="233172" cy="266700"/>
-          </a:xfrm>
-          <a:prstGeom prst="rect">
-            <a:avLst/>
-          </a:prstGeom>
-          <a:noFill/>
-          <a:ln/>
-        </p:spPr>
-        <p:txBody>
-          <a:bodyPr wrap="square" lIns="0" tIns="0" rIns="0" bIns="0" rtlCol="0" anchor="t"/>
-          <a:lstStyle/>
-          <a:p>
-            <a:pPr algn="l" indent="0" marL="0">
-              <a:buNone/>
-            </a:pPr>
-            <a:r>
-              <a:rPr lang="en-US" sz="1800" b="1" dirty="0">
-                <a:solidFill>
-                  <a:srgbClr val="E94560"/>
-                </a:solidFill>
-                <a:latin typeface="Arial" pitchFamily="34" charset="0"/>
-                <a:ea typeface="Arial" pitchFamily="34" charset="-122"/>
-                <a:cs typeface="Arial" pitchFamily="34" charset="-120"/>
-              </a:rPr>
-              <a:t>→</a:t>
-            </a:r>
-            <a:endParaRPr lang="en-US" sz="1800" dirty="0"/>
-          </a:p>
-        </p:txBody>
-      </p:sp>
-      <p:sp>
-        <p:nvSpPr>
-          <p:cNvPr id="8" name="Text 6"/>
-          <p:cNvSpPr/>
-          <p:nvPr/>
-        </p:nvSpPr>
-        <p:spPr>
-          <a:xfrm>
-            <a:off x="2108448" y="1171277"/>
-            <a:ext cx="1320701" cy="622250"/>
+            <a:off x="3280767" y="1580852"/>
+            <a:ext cx="2582466" cy="1071563"/>
           </a:xfrm>
           <a:prstGeom prst="roundRect">
             <a:avLst>
-              <a:gd name="adj" fmla="val 16328"/>
+              <a:gd name="adj" fmla="val 7111"/>
             </a:avLst>
           </a:prstGeom>
           <a:solidFill>
@@ -12212,9 +13994,9 @@
           </a:solidFill>
           <a:ln/>
           <a:effectLst>
-            <a:outerShdw sx="100000" sy="100000" kx="0" ky="0" algn="bl" rotWithShape="0" blurRad="95250" dist="28575" dir="5400000">
+            <a:outerShdw sx="100000" sy="100000" kx="0" ky="0" algn="bl" rotWithShape="0" blurRad="57150" dist="19050" dir="5400000">
               <a:srgbClr val="000000">
-                <a:alpha val="10000"/>
+                <a:alpha val="8000"/>
               </a:srgbClr>
             </a:outerShdw>
           </a:effectLst>
@@ -12232,43 +14014,85 @@
       </p:sp>
       <p:sp>
         <p:nvSpPr>
+          <p:cNvPr id="8" name="Text 6"/>
+          <p:cNvSpPr/>
+          <p:nvPr/>
+        </p:nvSpPr>
+        <p:spPr>
+          <a:xfrm>
+            <a:off x="3471267" y="1733252"/>
+            <a:ext cx="2245495" cy="152400"/>
+          </a:xfrm>
+          <a:prstGeom prst="rect">
+            <a:avLst/>
+          </a:prstGeom>
+          <a:noFill/>
+          <a:ln/>
+        </p:spPr>
+        <p:txBody>
+          <a:bodyPr wrap="square" lIns="0" tIns="0" rIns="0" bIns="0" rtlCol="0" anchor="t"/>
+          <a:lstStyle/>
+          <a:p>
+            <a:pPr algn="l" indent="0" marL="0">
+              <a:spcAft>
+                <a:spcPts val="600"/>
+              </a:spcAft>
+              <a:buNone/>
+            </a:pPr>
+            <a:r>
+              <a:rPr lang="en-US" sz="1100" b="1" dirty="0">
+                <a:solidFill>
+                  <a:srgbClr val="E94560"/>
+                </a:solidFill>
+                <a:latin typeface="Arial" pitchFamily="34" charset="0"/>
+                <a:ea typeface="Arial" pitchFamily="34" charset="-122"/>
+                <a:cs typeface="Arial" pitchFamily="34" charset="-120"/>
+              </a:rPr>
+              <a:t>Voting Power</a:t>
+            </a:r>
+            <a:endParaRPr lang="en-US" sz="1100" dirty="0"/>
+          </a:p>
+        </p:txBody>
+      </p:sp>
+      <p:sp>
+        <p:nvSpPr>
           <p:cNvPr id="9" name="Text 7"/>
           <p:cNvSpPr/>
           <p:nvPr/>
         </p:nvSpPr>
         <p:spPr>
           <a:xfrm>
-            <a:off x="2250689" y="1323677"/>
-            <a:ext cx="1036219" cy="152400"/>
-          </a:xfrm>
-          <a:prstGeom prst="rect">
-            <a:avLst/>
-          </a:prstGeom>
-          <a:noFill/>
-          <a:ln/>
-        </p:spPr>
-        <p:txBody>
-          <a:bodyPr wrap="square" lIns="0" tIns="0" rIns="0" bIns="0" rtlCol="0" anchor="t"/>
-          <a:lstStyle/>
-          <a:p>
-            <a:pPr algn="ctr" indent="0" marL="0">
-              <a:spcAft>
-                <a:spcPts val="400"/>
-              </a:spcAft>
-              <a:buNone/>
-            </a:pPr>
-            <a:r>
-              <a:rPr lang="en-US" sz="1100" b="1" dirty="0">
-                <a:solidFill>
-                  <a:srgbClr val="0F3460"/>
-                </a:solidFill>
-                <a:latin typeface="Arial" pitchFamily="34" charset="0"/>
-                <a:ea typeface="Arial" pitchFamily="34" charset="-122"/>
-                <a:cs typeface="Arial" pitchFamily="34" charset="-120"/>
-              </a:rPr>
-              <a:t>More Votes</a:t>
-            </a:r>
-            <a:endParaRPr lang="en-US" sz="1100" dirty="0"/>
+            <a:off x="3471267" y="1961852"/>
+            <a:ext cx="2245495" cy="297061"/>
+          </a:xfrm>
+          <a:prstGeom prst="rect">
+            <a:avLst/>
+          </a:prstGeom>
+          <a:noFill/>
+          <a:ln/>
+        </p:spPr>
+        <p:txBody>
+          <a:bodyPr wrap="square" lIns="0" tIns="0" rIns="0" bIns="0" rtlCol="0" anchor="t"/>
+          <a:lstStyle/>
+          <a:p>
+            <a:pPr algn="l" indent="0" marL="0">
+              <a:lnSpc>
+                <a:spcPts val="1170"/>
+              </a:lnSpc>
+              <a:buNone/>
+            </a:pPr>
+            <a:r>
+              <a:rPr lang="en-US" sz="900" dirty="0">
+                <a:solidFill>
+                  <a:srgbClr val="333333"/>
+                </a:solidFill>
+                <a:latin typeface="Arial" pitchFamily="34" charset="0"/>
+                <a:ea typeface="Arial" pitchFamily="34" charset="-122"/>
+                <a:cs typeface="Arial" pitchFamily="34" charset="-120"/>
+              </a:rPr>
+              <a:t>Token balance at snapshot block, delegation status</a:t>
+            </a:r>
+            <a:endParaRPr lang="en-US" sz="900" dirty="0"/>
           </a:p>
         </p:txBody>
       </p:sp>
@@ -12280,90 +14104,12 @@
         </p:nvSpPr>
         <p:spPr>
           <a:xfrm>
-            <a:off x="2250689" y="1526828"/>
-            <a:ext cx="1036219" cy="114300"/>
-          </a:xfrm>
-          <a:prstGeom prst="rect">
-            <a:avLst/>
-          </a:prstGeom>
-          <a:noFill/>
-          <a:ln/>
-        </p:spPr>
-        <p:txBody>
-          <a:bodyPr wrap="square" lIns="0" tIns="0" rIns="0" bIns="0" rtlCol="0" anchor="t"/>
-          <a:lstStyle/>
-          <a:p>
-            <a:pPr algn="ctr" indent="0" marL="0">
-              <a:buNone/>
-            </a:pPr>
-            <a:r>
-              <a:rPr lang="en-US" sz="800" dirty="0">
-                <a:solidFill>
-                  <a:srgbClr val="666666"/>
-                </a:solidFill>
-                <a:latin typeface="Arial" pitchFamily="34" charset="0"/>
-                <a:ea typeface="Arial" pitchFamily="34" charset="-122"/>
-                <a:cs typeface="Arial" pitchFamily="34" charset="-120"/>
-              </a:rPr>
-              <a:t>Generate data</a:t>
-            </a:r>
-            <a:endParaRPr lang="en-US" sz="800" dirty="0"/>
-          </a:p>
-        </p:txBody>
-      </p:sp>
-      <p:sp>
-        <p:nvSpPr>
-          <p:cNvPr id="11" name="Text 9"/>
-          <p:cNvSpPr/>
-          <p:nvPr/>
-        </p:nvSpPr>
-        <p:spPr>
-          <a:xfrm>
-            <a:off x="3556099" y="1348978"/>
-            <a:ext cx="233172" cy="266700"/>
-          </a:xfrm>
-          <a:prstGeom prst="rect">
-            <a:avLst/>
-          </a:prstGeom>
-          <a:noFill/>
-          <a:ln/>
-        </p:spPr>
-        <p:txBody>
-          <a:bodyPr wrap="square" lIns="0" tIns="0" rIns="0" bIns="0" rtlCol="0" anchor="t"/>
-          <a:lstStyle/>
-          <a:p>
-            <a:pPr algn="l" indent="0" marL="0">
-              <a:buNone/>
-            </a:pPr>
-            <a:r>
-              <a:rPr lang="en-US" sz="1800" b="1" dirty="0">
-                <a:solidFill>
-                  <a:srgbClr val="E94560"/>
-                </a:solidFill>
-                <a:latin typeface="Arial" pitchFamily="34" charset="0"/>
-                <a:ea typeface="Arial" pitchFamily="34" charset="-122"/>
-                <a:cs typeface="Arial" pitchFamily="34" charset="-120"/>
-              </a:rPr>
-              <a:t>→</a:t>
-            </a:r>
-            <a:endParaRPr lang="en-US" sz="1800" dirty="0"/>
-          </a:p>
-        </p:txBody>
-      </p:sp>
-      <p:sp>
-        <p:nvSpPr>
-          <p:cNvPr id="12" name="Text 10"/>
-          <p:cNvSpPr/>
-          <p:nvPr/>
-        </p:nvSpPr>
-        <p:spPr>
-          <a:xfrm>
-            <a:off x="3911650" y="1171277"/>
-            <a:ext cx="1320701" cy="622250"/>
+            <a:off x="6053733" y="1580852"/>
+            <a:ext cx="2582317" cy="1071563"/>
           </a:xfrm>
           <a:prstGeom prst="roundRect">
             <a:avLst>
-              <a:gd name="adj" fmla="val 16328"/>
+              <a:gd name="adj" fmla="val 7111"/>
             </a:avLst>
           </a:prstGeom>
           <a:solidFill>
@@ -12371,9 +14117,9 @@
           </a:solidFill>
           <a:ln/>
           <a:effectLst>
-            <a:outerShdw sx="100000" sy="100000" kx="0" ky="0" algn="bl" rotWithShape="0" blurRad="95250" dist="28575" dir="5400000">
+            <a:outerShdw sx="100000" sy="100000" kx="0" ky="0" algn="bl" rotWithShape="0" blurRad="57150" dist="19050" dir="5400000">
               <a:srgbClr val="000000">
-                <a:alpha val="10000"/>
+                <a:alpha val="8000"/>
               </a:srgbClr>
             </a:outerShdw>
           </a:effectLst>
@@ -12391,138 +14137,102 @@
       </p:sp>
       <p:sp>
         <p:nvSpPr>
+          <p:cNvPr id="11" name="Text 9"/>
+          <p:cNvSpPr/>
+          <p:nvPr/>
+        </p:nvSpPr>
+        <p:spPr>
+          <a:xfrm>
+            <a:off x="6244233" y="1733252"/>
+            <a:ext cx="2245343" cy="152400"/>
+          </a:xfrm>
+          <a:prstGeom prst="rect">
+            <a:avLst/>
+          </a:prstGeom>
+          <a:noFill/>
+          <a:ln/>
+        </p:spPr>
+        <p:txBody>
+          <a:bodyPr wrap="square" lIns="0" tIns="0" rIns="0" bIns="0" rtlCol="0" anchor="t"/>
+          <a:lstStyle/>
+          <a:p>
+            <a:pPr algn="l" indent="0" marL="0">
+              <a:spcAft>
+                <a:spcPts val="600"/>
+              </a:spcAft>
+              <a:buNone/>
+            </a:pPr>
+            <a:r>
+              <a:rPr lang="en-US" sz="1100" b="1" dirty="0">
+                <a:solidFill>
+                  <a:srgbClr val="E94560"/>
+                </a:solidFill>
+                <a:latin typeface="Arial" pitchFamily="34" charset="0"/>
+                <a:ea typeface="Arial" pitchFamily="34" charset="-122"/>
+                <a:cs typeface="Arial" pitchFamily="34" charset="-120"/>
+              </a:rPr>
+              <a:t>Vote Submission</a:t>
+            </a:r>
+            <a:endParaRPr lang="en-US" sz="1100" dirty="0"/>
+          </a:p>
+        </p:txBody>
+      </p:sp>
+      <p:sp>
+        <p:nvSpPr>
+          <p:cNvPr id="12" name="Text 10"/>
+          <p:cNvSpPr/>
+          <p:nvPr/>
+        </p:nvSpPr>
+        <p:spPr>
+          <a:xfrm>
+            <a:off x="6244233" y="1961852"/>
+            <a:ext cx="2245343" cy="148530"/>
+          </a:xfrm>
+          <a:prstGeom prst="rect">
+            <a:avLst/>
+          </a:prstGeom>
+          <a:noFill/>
+          <a:ln/>
+        </p:spPr>
+        <p:txBody>
+          <a:bodyPr wrap="square" lIns="0" tIns="0" rIns="0" bIns="0" rtlCol="0" anchor="t"/>
+          <a:lstStyle/>
+          <a:p>
+            <a:pPr algn="l" indent="0" marL="0">
+              <a:lnSpc>
+                <a:spcPts val="1170"/>
+              </a:lnSpc>
+              <a:buNone/>
+            </a:pPr>
+            <a:r>
+              <a:rPr lang="en-US" sz="900" dirty="0">
+                <a:solidFill>
+                  <a:srgbClr val="333333"/>
+                </a:solidFill>
+                <a:latin typeface="Arial" pitchFamily="34" charset="0"/>
+                <a:ea typeface="Arial" pitchFamily="34" charset="-122"/>
+                <a:cs typeface="Arial" pitchFamily="34" charset="-120"/>
+              </a:rPr>
+              <a:t>EIP-712 signature, choice, timestamp</a:t>
+            </a:r>
+            <a:endParaRPr lang="en-US" sz="900" dirty="0"/>
+          </a:p>
+        </p:txBody>
+      </p:sp>
+      <p:sp>
+        <p:nvSpPr>
           <p:cNvPr id="13" name="Text 11"/>
           <p:cNvSpPr/>
           <p:nvPr/>
         </p:nvSpPr>
         <p:spPr>
           <a:xfrm>
-            <a:off x="4053891" y="1323677"/>
-            <a:ext cx="1036219" cy="152400"/>
-          </a:xfrm>
-          <a:prstGeom prst="rect">
-            <a:avLst/>
-          </a:prstGeom>
-          <a:noFill/>
-          <a:ln/>
-        </p:spPr>
-        <p:txBody>
-          <a:bodyPr wrap="square" lIns="0" tIns="0" rIns="0" bIns="0" rtlCol="0" anchor="t"/>
-          <a:lstStyle/>
-          <a:p>
-            <a:pPr algn="ctr" indent="0" marL="0">
-              <a:spcAft>
-                <a:spcPts val="400"/>
-              </a:spcAft>
-              <a:buNone/>
-            </a:pPr>
-            <a:r>
-              <a:rPr lang="en-US" sz="1100" b="1" dirty="0">
-                <a:solidFill>
-                  <a:srgbClr val="0F3460"/>
-                </a:solidFill>
-                <a:latin typeface="Arial" pitchFamily="34" charset="0"/>
-                <a:ea typeface="Arial" pitchFamily="34" charset="-122"/>
-                <a:cs typeface="Arial" pitchFamily="34" charset="-120"/>
-              </a:rPr>
-              <a:t>Training Data</a:t>
-            </a:r>
-            <a:endParaRPr lang="en-US" sz="1100" dirty="0"/>
-          </a:p>
-        </p:txBody>
-      </p:sp>
-      <p:sp>
-        <p:nvSpPr>
-          <p:cNvPr id="14" name="Text 12"/>
-          <p:cNvSpPr/>
-          <p:nvPr/>
-        </p:nvSpPr>
-        <p:spPr>
-          <a:xfrm>
-            <a:off x="4053891" y="1526828"/>
-            <a:ext cx="1036219" cy="114300"/>
-          </a:xfrm>
-          <a:prstGeom prst="rect">
-            <a:avLst/>
-          </a:prstGeom>
-          <a:noFill/>
-          <a:ln/>
-        </p:spPr>
-        <p:txBody>
-          <a:bodyPr wrap="square" lIns="0" tIns="0" rIns="0" bIns="0" rtlCol="0" anchor="t"/>
-          <a:lstStyle/>
-          <a:p>
-            <a:pPr algn="ctr" indent="0" marL="0">
-              <a:buNone/>
-            </a:pPr>
-            <a:r>
-              <a:rPr lang="en-US" sz="800" dirty="0">
-                <a:solidFill>
-                  <a:srgbClr val="666666"/>
-                </a:solidFill>
-                <a:latin typeface="Arial" pitchFamily="34" charset="0"/>
-                <a:ea typeface="Arial" pitchFamily="34" charset="-122"/>
-                <a:cs typeface="Arial" pitchFamily="34" charset="-120"/>
-              </a:rPr>
-              <a:t>AI learns patterns</a:t>
-            </a:r>
-            <a:endParaRPr lang="en-US" sz="800" dirty="0"/>
-          </a:p>
-        </p:txBody>
-      </p:sp>
-      <p:sp>
-        <p:nvSpPr>
-          <p:cNvPr id="15" name="Text 13"/>
-          <p:cNvSpPr/>
-          <p:nvPr/>
-        </p:nvSpPr>
-        <p:spPr>
-          <a:xfrm>
-            <a:off x="5359301" y="1348978"/>
-            <a:ext cx="233172" cy="266700"/>
-          </a:xfrm>
-          <a:prstGeom prst="rect">
-            <a:avLst/>
-          </a:prstGeom>
-          <a:noFill/>
-          <a:ln/>
-        </p:spPr>
-        <p:txBody>
-          <a:bodyPr wrap="square" lIns="0" tIns="0" rIns="0" bIns="0" rtlCol="0" anchor="t"/>
-          <a:lstStyle/>
-          <a:p>
-            <a:pPr algn="l" indent="0" marL="0">
-              <a:buNone/>
-            </a:pPr>
-            <a:r>
-              <a:rPr lang="en-US" sz="1800" b="1" dirty="0">
-                <a:solidFill>
-                  <a:srgbClr val="E94560"/>
-                </a:solidFill>
-                <a:latin typeface="Arial" pitchFamily="34" charset="0"/>
-                <a:ea typeface="Arial" pitchFamily="34" charset="-122"/>
-                <a:cs typeface="Arial" pitchFamily="34" charset="-120"/>
-              </a:rPr>
-              <a:t>→</a:t>
-            </a:r>
-            <a:endParaRPr lang="en-US" sz="1800" dirty="0"/>
-          </a:p>
-        </p:txBody>
-      </p:sp>
-      <p:sp>
-        <p:nvSpPr>
-          <p:cNvPr id="16" name="Text 14"/>
-          <p:cNvSpPr/>
-          <p:nvPr/>
-        </p:nvSpPr>
-        <p:spPr>
-          <a:xfrm>
-            <a:off x="5714851" y="1171277"/>
-            <a:ext cx="1320701" cy="622250"/>
+            <a:off x="507950" y="2842915"/>
+            <a:ext cx="2582317" cy="1071563"/>
           </a:xfrm>
           <a:prstGeom prst="roundRect">
             <a:avLst>
-              <a:gd name="adj" fmla="val 16328"/>
+              <a:gd name="adj" fmla="val 7111"/>
             </a:avLst>
           </a:prstGeom>
           <a:solidFill>
@@ -12530,9 +14240,9 @@
           </a:solidFill>
           <a:ln/>
           <a:effectLst>
-            <a:outerShdw sx="100000" sy="100000" kx="0" ky="0" algn="bl" rotWithShape="0" blurRad="95250" dist="28575" dir="5400000">
+            <a:outerShdw sx="100000" sy="100000" kx="0" ky="0" algn="bl" rotWithShape="0" blurRad="57150" dist="19050" dir="5400000">
               <a:srgbClr val="000000">
-                <a:alpha val="10000"/>
+                <a:alpha val="8000"/>
               </a:srgbClr>
             </a:outerShdw>
           </a:effectLst>
@@ -12550,41 +14260,41 @@
       </p:sp>
       <p:sp>
         <p:nvSpPr>
-          <p:cNvPr id="17" name="Text 15"/>
-          <p:cNvSpPr/>
-          <p:nvPr/>
-        </p:nvSpPr>
-        <p:spPr>
-          <a:xfrm>
-            <a:off x="5857092" y="1323677"/>
-            <a:ext cx="1036219" cy="152400"/>
-          </a:xfrm>
-          <a:prstGeom prst="rect">
-            <a:avLst/>
-          </a:prstGeom>
-          <a:noFill/>
-          <a:ln/>
-        </p:spPr>
-        <p:txBody>
-          <a:bodyPr wrap="square" lIns="0" tIns="0" rIns="0" bIns="0" rtlCol="0" anchor="t"/>
-          <a:lstStyle/>
-          <a:p>
-            <a:pPr algn="ctr" indent="0" marL="0">
+          <p:cNvPr id="14" name="Text 12"/>
+          <p:cNvSpPr/>
+          <p:nvPr/>
+        </p:nvSpPr>
+        <p:spPr>
+          <a:xfrm>
+            <a:off x="698450" y="2995315"/>
+            <a:ext cx="2245343" cy="152400"/>
+          </a:xfrm>
+          <a:prstGeom prst="rect">
+            <a:avLst/>
+          </a:prstGeom>
+          <a:noFill/>
+          <a:ln/>
+        </p:spPr>
+        <p:txBody>
+          <a:bodyPr wrap="square" lIns="0" tIns="0" rIns="0" bIns="0" rtlCol="0" anchor="t"/>
+          <a:lstStyle/>
+          <a:p>
+            <a:pPr algn="l" indent="0" marL="0">
               <a:spcAft>
-                <a:spcPts val="400"/>
+                <a:spcPts val="600"/>
               </a:spcAft>
               <a:buNone/>
             </a:pPr>
             <a:r>
               <a:rPr lang="en-US" sz="1100" b="1" dirty="0">
                 <a:solidFill>
-                  <a:srgbClr val="0F3460"/>
-                </a:solidFill>
-                <a:latin typeface="Arial" pitchFamily="34" charset="0"/>
-                <a:ea typeface="Arial" pitchFamily="34" charset="-122"/>
-                <a:cs typeface="Arial" pitchFamily="34" charset="-120"/>
-              </a:rPr>
-              <a:t>Better AI</a:t>
+                  <a:srgbClr val="E94560"/>
+                </a:solidFill>
+                <a:latin typeface="Arial" pitchFamily="34" charset="0"/>
+                <a:ea typeface="Arial" pitchFamily="34" charset="-122"/>
+                <a:cs typeface="Arial" pitchFamily="34" charset="-120"/>
+              </a:rPr>
+              <a:t>User Points</a:t>
             </a:r>
             <a:endParaRPr lang="en-US" sz="1100" dirty="0"/>
           </a:p>
@@ -12592,96 +14302,60 @@
       </p:sp>
       <p:sp>
         <p:nvSpPr>
-          <p:cNvPr id="18" name="Text 16"/>
-          <p:cNvSpPr/>
-          <p:nvPr/>
-        </p:nvSpPr>
-        <p:spPr>
-          <a:xfrm>
-            <a:off x="5857092" y="1526828"/>
-            <a:ext cx="1036219" cy="114300"/>
-          </a:xfrm>
-          <a:prstGeom prst="rect">
-            <a:avLst/>
-          </a:prstGeom>
-          <a:noFill/>
-          <a:ln/>
-        </p:spPr>
-        <p:txBody>
-          <a:bodyPr wrap="square" lIns="0" tIns="0" rIns="0" bIns="0" rtlCol="0" anchor="t"/>
-          <a:lstStyle/>
-          <a:p>
-            <a:pPr algn="ctr" indent="0" marL="0">
-              <a:buNone/>
-            </a:pPr>
-            <a:r>
-              <a:rPr lang="en-US" sz="800" dirty="0">
-                <a:solidFill>
-                  <a:srgbClr val="666666"/>
-                </a:solidFill>
-                <a:latin typeface="Arial" pitchFamily="34" charset="0"/>
-                <a:ea typeface="Arial" pitchFamily="34" charset="-122"/>
-                <a:cs typeface="Arial" pitchFamily="34" charset="-120"/>
-              </a:rPr>
-              <a:t>Accurate predictions</a:t>
-            </a:r>
-            <a:endParaRPr lang="en-US" sz="800" dirty="0"/>
-          </a:p>
-        </p:txBody>
-      </p:sp>
-      <p:sp>
-        <p:nvSpPr>
-          <p:cNvPr id="19" name="Text 17"/>
-          <p:cNvSpPr/>
-          <p:nvPr/>
-        </p:nvSpPr>
-        <p:spPr>
-          <a:xfrm>
-            <a:off x="7162502" y="1348978"/>
-            <a:ext cx="233172" cy="266700"/>
-          </a:xfrm>
-          <a:prstGeom prst="rect">
-            <a:avLst/>
-          </a:prstGeom>
-          <a:noFill/>
-          <a:ln/>
-        </p:spPr>
-        <p:txBody>
-          <a:bodyPr wrap="square" lIns="0" tIns="0" rIns="0" bIns="0" rtlCol="0" anchor="t"/>
-          <a:lstStyle/>
-          <a:p>
-            <a:pPr algn="l" indent="0" marL="0">
-              <a:buNone/>
-            </a:pPr>
-            <a:r>
-              <a:rPr lang="en-US" sz="1800" b="1" dirty="0">
-                <a:solidFill>
-                  <a:srgbClr val="E94560"/>
-                </a:solidFill>
-                <a:latin typeface="Arial" pitchFamily="34" charset="0"/>
-                <a:ea typeface="Arial" pitchFamily="34" charset="-122"/>
-                <a:cs typeface="Arial" pitchFamily="34" charset="-120"/>
-              </a:rPr>
-              <a:t>→</a:t>
-            </a:r>
-            <a:endParaRPr lang="en-US" sz="1800" dirty="0"/>
-          </a:p>
-        </p:txBody>
-      </p:sp>
-      <p:sp>
-        <p:nvSpPr>
-          <p:cNvPr id="20" name="Text 18"/>
-          <p:cNvSpPr/>
-          <p:nvPr/>
-        </p:nvSpPr>
-        <p:spPr>
-          <a:xfrm>
-            <a:off x="7518053" y="1171277"/>
-            <a:ext cx="1320701" cy="622250"/>
+          <p:cNvPr id="15" name="Text 13"/>
+          <p:cNvSpPr/>
+          <p:nvPr/>
+        </p:nvSpPr>
+        <p:spPr>
+          <a:xfrm>
+            <a:off x="698450" y="3223915"/>
+            <a:ext cx="2245343" cy="297061"/>
+          </a:xfrm>
+          <a:prstGeom prst="rect">
+            <a:avLst/>
+          </a:prstGeom>
+          <a:noFill/>
+          <a:ln/>
+        </p:spPr>
+        <p:txBody>
+          <a:bodyPr wrap="square" lIns="0" tIns="0" rIns="0" bIns="0" rtlCol="0" anchor="t"/>
+          <a:lstStyle/>
+          <a:p>
+            <a:pPr algn="l" indent="0" marL="0">
+              <a:lnSpc>
+                <a:spcPts val="1170"/>
+              </a:lnSpc>
+              <a:buNone/>
+            </a:pPr>
+            <a:r>
+              <a:rPr lang="en-US" sz="900" dirty="0">
+                <a:solidFill>
+                  <a:srgbClr val="333333"/>
+                </a:solidFill>
+                <a:latin typeface="Arial" pitchFamily="34" charset="0"/>
+                <a:ea typeface="Arial" pitchFamily="34" charset="-122"/>
+                <a:cs typeface="Arial" pitchFamily="34" charset="-120"/>
+              </a:rPr>
+              <a:t>Points balance, level, streak, redemption history</a:t>
+            </a:r>
+            <a:endParaRPr lang="en-US" sz="900" dirty="0"/>
+          </a:p>
+        </p:txBody>
+      </p:sp>
+      <p:sp>
+        <p:nvSpPr>
+          <p:cNvPr id="16" name="Text 14"/>
+          <p:cNvSpPr/>
+          <p:nvPr/>
+        </p:nvSpPr>
+        <p:spPr>
+          <a:xfrm>
+            <a:off x="3280767" y="2842915"/>
+            <a:ext cx="2582466" cy="1071563"/>
           </a:xfrm>
           <a:prstGeom prst="roundRect">
             <a:avLst>
-              <a:gd name="adj" fmla="val 16328"/>
+              <a:gd name="adj" fmla="val 7111"/>
             </a:avLst>
           </a:prstGeom>
           <a:solidFill>
@@ -12689,9 +14363,9 @@
           </a:solidFill>
           <a:ln/>
           <a:effectLst>
-            <a:outerShdw sx="100000" sy="100000" kx="0" ky="0" algn="bl" rotWithShape="0" blurRad="95250" dist="28575" dir="5400000">
+            <a:outerShdw sx="100000" sy="100000" kx="0" ky="0" algn="bl" rotWithShape="0" blurRad="57150" dist="19050" dir="5400000">
               <a:srgbClr val="000000">
-                <a:alpha val="10000"/>
+                <a:alpha val="8000"/>
               </a:srgbClr>
             </a:outerShdw>
           </a:effectLst>
@@ -12709,127 +14383,14 @@
       </p:sp>
       <p:sp>
         <p:nvSpPr>
-          <p:cNvPr id="21" name="Text 19"/>
-          <p:cNvSpPr/>
-          <p:nvPr/>
-        </p:nvSpPr>
-        <p:spPr>
-          <a:xfrm>
-            <a:off x="7660294" y="1323677"/>
-            <a:ext cx="1036219" cy="152400"/>
-          </a:xfrm>
-          <a:prstGeom prst="rect">
-            <a:avLst/>
-          </a:prstGeom>
-          <a:noFill/>
-          <a:ln/>
-        </p:spPr>
-        <p:txBody>
-          <a:bodyPr wrap="square" lIns="0" tIns="0" rIns="0" bIns="0" rtlCol="0" anchor="t"/>
-          <a:lstStyle/>
-          <a:p>
-            <a:pPr algn="ctr" indent="0" marL="0">
-              <a:spcAft>
-                <a:spcPts val="400"/>
-              </a:spcAft>
-              <a:buNone/>
-            </a:pPr>
-            <a:r>
-              <a:rPr lang="en-US" sz="1100" b="1" dirty="0">
-                <a:solidFill>
-                  <a:srgbClr val="0F3460"/>
-                </a:solidFill>
-                <a:latin typeface="Arial" pitchFamily="34" charset="0"/>
-                <a:ea typeface="Arial" pitchFamily="34" charset="-122"/>
-                <a:cs typeface="Arial" pitchFamily="34" charset="-120"/>
-              </a:rPr>
-              <a:t>More Users</a:t>
-            </a:r>
-            <a:endParaRPr lang="en-US" sz="1100" dirty="0"/>
-          </a:p>
-        </p:txBody>
-      </p:sp>
-      <p:sp>
-        <p:nvSpPr>
-          <p:cNvPr id="22" name="Text 20"/>
-          <p:cNvSpPr/>
-          <p:nvPr/>
-        </p:nvSpPr>
-        <p:spPr>
-          <a:xfrm>
-            <a:off x="7660294" y="1526828"/>
-            <a:ext cx="1036219" cy="114300"/>
-          </a:xfrm>
-          <a:prstGeom prst="rect">
-            <a:avLst/>
-          </a:prstGeom>
-          <a:noFill/>
-          <a:ln/>
-        </p:spPr>
-        <p:txBody>
-          <a:bodyPr wrap="square" lIns="0" tIns="0" rIns="0" bIns="0" rtlCol="0" anchor="t"/>
-          <a:lstStyle/>
-          <a:p>
-            <a:pPr algn="ctr" indent="0" marL="0">
-              <a:buNone/>
-            </a:pPr>
-            <a:r>
-              <a:rPr lang="en-US" sz="800" dirty="0">
-                <a:solidFill>
-                  <a:srgbClr val="666666"/>
-                </a:solidFill>
-                <a:latin typeface="Arial" pitchFamily="34" charset="0"/>
-                <a:ea typeface="Arial" pitchFamily="34" charset="-122"/>
-                <a:cs typeface="Arial" pitchFamily="34" charset="-120"/>
-              </a:rPr>
-              <a:t>Cycle repeats</a:t>
-            </a:r>
-            <a:endParaRPr lang="en-US" sz="800" dirty="0"/>
-          </a:p>
-        </p:txBody>
-      </p:sp>
-      <p:sp>
-        <p:nvSpPr>
-          <p:cNvPr id="23" name="Text 21"/>
-          <p:cNvSpPr/>
-          <p:nvPr/>
-        </p:nvSpPr>
-        <p:spPr>
-          <a:xfrm>
-            <a:off x="444401" y="2047429"/>
-            <a:ext cx="2624733" cy="853380"/>
-          </a:xfrm>
-          <a:prstGeom prst="roundRect">
-            <a:avLst>
-              <a:gd name="adj" fmla="val 11906"/>
-            </a:avLst>
-          </a:prstGeom>
-          <a:solidFill>
-            <a:srgbClr val="1A1A2E"/>
-          </a:solidFill>
-          <a:ln/>
-        </p:spPr>
-        <p:txBody>
-          <a:bodyPr wrap="square" rtlCol="0" anchor="ctr"/>
-          <a:lstStyle/>
-          <a:p>
-            <a:pPr indent="0" marL="0">
-              <a:buNone/>
-            </a:pPr>
-            <a:endParaRPr lang="en-US" dirty="0"/>
-          </a:p>
-        </p:txBody>
-      </p:sp>
-      <p:sp>
-        <p:nvSpPr>
-          <p:cNvPr id="24" name="Text 22"/>
-          <p:cNvSpPr/>
-          <p:nvPr/>
-        </p:nvSpPr>
-        <p:spPr>
-          <a:xfrm>
-            <a:off x="596801" y="2199829"/>
-            <a:ext cx="2366331" cy="152400"/>
+          <p:cNvPr id="17" name="Text 15"/>
+          <p:cNvSpPr/>
+          <p:nvPr/>
+        </p:nvSpPr>
+        <p:spPr>
+          <a:xfrm>
+            <a:off x="3471267" y="2995315"/>
+            <a:ext cx="2245495" cy="152400"/>
           </a:xfrm>
           <a:prstGeom prst="rect">
             <a:avLst/>
@@ -12856,7 +14417,7 @@
                 <a:ea typeface="Arial" pitchFamily="34" charset="-122"/>
                 <a:cs typeface="Arial" pitchFamily="34" charset="-120"/>
               </a:rPr>
-              <a:t>6-Month Data Barrier</a:t>
+              <a:t>AI Analysis Cache</a:t>
             </a:r>
             <a:endParaRPr lang="en-US" sz="1100" dirty="0"/>
           </a:p>
@@ -12864,14 +14425,14 @@
       </p:sp>
       <p:sp>
         <p:nvSpPr>
-          <p:cNvPr id="25" name="Text 23"/>
-          <p:cNvSpPr/>
-          <p:nvPr/>
-        </p:nvSpPr>
-        <p:spPr>
-          <a:xfrm>
-            <a:off x="596801" y="2428429"/>
-            <a:ext cx="2366331" cy="319980"/>
+          <p:cNvPr id="18" name="Text 16"/>
+          <p:cNvSpPr/>
+          <p:nvPr/>
+        </p:nvSpPr>
+        <p:spPr>
+          <a:xfrm>
+            <a:off x="3471267" y="3223915"/>
+            <a:ext cx="2245495" cy="297061"/>
           </a:xfrm>
           <a:prstGeom prst="rect">
             <a:avLst/>
@@ -12885,20 +14446,20 @@
           <a:p>
             <a:pPr algn="l" indent="0" marL="0">
               <a:lnSpc>
-                <a:spcPts val="1260"/>
+                <a:spcPts val="1170"/>
               </a:lnSpc>
               <a:buNone/>
             </a:pPr>
             <a:r>
               <a:rPr lang="en-US" sz="900" dirty="0">
                 <a:solidFill>
-                  <a:srgbClr val="FFFFFF"/>
-                </a:solidFill>
-                <a:latin typeface="Arial" pitchFamily="34" charset="0"/>
-                <a:ea typeface="Arial" pitchFamily="34" charset="-122"/>
-                <a:cs typeface="Arial" pitchFamily="34" charset="-120"/>
-              </a:rPr>
-              <a:t>Proposal analysis history creates dataset no competitor can replicate</a:t>
+                  <a:srgbClr val="333333"/>
+                </a:solidFill>
+                <a:latin typeface="Arial" pitchFamily="34" charset="0"/>
+                <a:ea typeface="Arial" pitchFamily="34" charset="-122"/>
+                <a:cs typeface="Arial" pitchFamily="34" charset="-120"/>
+              </a:rPr>
+              <a:t>Cached proposal analysis, user preferences</a:t>
             </a:r>
             <a:endParaRPr lang="en-US" sz="900" dirty="0"/>
           </a:p>
@@ -12906,24 +14467,31 @@
       </p:sp>
       <p:sp>
         <p:nvSpPr>
-          <p:cNvPr id="26" name="Text 24"/>
-          <p:cNvSpPr/>
-          <p:nvPr/>
-        </p:nvSpPr>
-        <p:spPr>
-          <a:xfrm>
-            <a:off x="3259634" y="2047429"/>
-            <a:ext cx="2624733" cy="853380"/>
+          <p:cNvPr id="19" name="Text 17"/>
+          <p:cNvSpPr/>
+          <p:nvPr/>
+        </p:nvSpPr>
+        <p:spPr>
+          <a:xfrm>
+            <a:off x="6053733" y="2842915"/>
+            <a:ext cx="2582317" cy="1071563"/>
           </a:xfrm>
           <a:prstGeom prst="roundRect">
             <a:avLst>
-              <a:gd name="adj" fmla="val 11906"/>
+              <a:gd name="adj" fmla="val 7111"/>
             </a:avLst>
           </a:prstGeom>
           <a:solidFill>
-            <a:srgbClr val="1A1A2E"/>
+            <a:srgbClr val="FFFFFF"/>
           </a:solidFill>
           <a:ln/>
+          <a:effectLst>
+            <a:outerShdw sx="100000" sy="100000" kx="0" ky="0" algn="bl" rotWithShape="0" blurRad="57150" dist="19050" dir="5400000">
+              <a:srgbClr val="000000">
+                <a:alpha val="8000"/>
+              </a:srgbClr>
+            </a:outerShdw>
+          </a:effectLst>
         </p:spPr>
         <p:txBody>
           <a:bodyPr wrap="square" rtlCol="0" anchor="ctr"/>
@@ -12938,14 +14506,14 @@
       </p:sp>
       <p:sp>
         <p:nvSpPr>
-          <p:cNvPr id="27" name="Text 25"/>
-          <p:cNvSpPr/>
-          <p:nvPr/>
-        </p:nvSpPr>
-        <p:spPr>
-          <a:xfrm>
-            <a:off x="3412034" y="2199829"/>
-            <a:ext cx="2366331" cy="152400"/>
+          <p:cNvPr id="20" name="Text 18"/>
+          <p:cNvSpPr/>
+          <p:nvPr/>
+        </p:nvSpPr>
+        <p:spPr>
+          <a:xfrm>
+            <a:off x="6244233" y="2995315"/>
+            <a:ext cx="2245343" cy="152400"/>
           </a:xfrm>
           <a:prstGeom prst="rect">
             <a:avLst/>
@@ -12972,7 +14540,7 @@
                 <a:ea typeface="Arial" pitchFamily="34" charset="-122"/>
                 <a:cs typeface="Arial" pitchFamily="34" charset="-120"/>
               </a:rPr>
-              <a:t>Strategy Profiles</a:t>
+              <a:t>Leaderboard</a:t>
             </a:r>
             <a:endParaRPr lang="en-US" sz="1100" dirty="0"/>
           </a:p>
@@ -12980,14 +14548,14 @@
       </p:sp>
       <p:sp>
         <p:nvSpPr>
-          <p:cNvPr id="28" name="Text 26"/>
-          <p:cNvSpPr/>
-          <p:nvPr/>
-        </p:nvSpPr>
-        <p:spPr>
-          <a:xfrm>
-            <a:off x="3412034" y="2428429"/>
-            <a:ext cx="2366331" cy="319980"/>
+          <p:cNvPr id="21" name="Text 19"/>
+          <p:cNvSpPr/>
+          <p:nvPr/>
+        </p:nvSpPr>
+        <p:spPr>
+          <a:xfrm>
+            <a:off x="6244233" y="3223915"/>
+            <a:ext cx="2245343" cy="148530"/>
           </a:xfrm>
           <a:prstGeom prst="rect">
             <a:avLst/>
@@ -13001,20 +14569,20 @@
           <a:p>
             <a:pPr algn="l" indent="0" marL="0">
               <a:lnSpc>
-                <a:spcPts val="1260"/>
+                <a:spcPts val="1170"/>
               </a:lnSpc>
               <a:buNone/>
             </a:pPr>
             <a:r>
               <a:rPr lang="en-US" sz="900" dirty="0">
                 <a:solidFill>
-                  <a:srgbClr val="FFFFFF"/>
-                </a:solidFill>
-                <a:latin typeface="Arial" pitchFamily="34" charset="0"/>
-                <a:ea typeface="Arial" pitchFamily="34" charset="-122"/>
-                <a:cs typeface="Arial" pitchFamily="34" charset="-120"/>
-              </a:rPr>
-              <a:t>Conservative/Balanced/Aggressive preferences improve recommendations</a:t>
+                  <a:srgbClr val="333333"/>
+                </a:solidFill>
+                <a:latin typeface="Arial" pitchFamily="34" charset="0"/>
+                <a:ea typeface="Arial" pitchFamily="34" charset="-122"/>
+                <a:cs typeface="Arial" pitchFamily="34" charset="-120"/>
+              </a:rPr>
+              <a:t>Global rankings, DAO-specific stats</a:t>
             </a:r>
             <a:endParaRPr lang="en-US" sz="900" dirty="0"/>
           </a:p>
@@ -13022,24 +14590,31 @@
       </p:sp>
       <p:sp>
         <p:nvSpPr>
-          <p:cNvPr id="29" name="Text 27"/>
-          <p:cNvSpPr/>
-          <p:nvPr/>
-        </p:nvSpPr>
-        <p:spPr>
-          <a:xfrm>
-            <a:off x="6074866" y="2047429"/>
-            <a:ext cx="2624733" cy="853380"/>
+          <p:cNvPr id="22" name="Text 20"/>
+          <p:cNvSpPr/>
+          <p:nvPr/>
+        </p:nvSpPr>
+        <p:spPr>
+          <a:xfrm>
+            <a:off x="507950" y="4104977"/>
+            <a:ext cx="8128099" cy="681930"/>
           </a:xfrm>
           <a:prstGeom prst="roundRect">
             <a:avLst>
-              <a:gd name="adj" fmla="val 11906"/>
+              <a:gd name="adj" fmla="val 11174"/>
             </a:avLst>
           </a:prstGeom>
           <a:solidFill>
-            <a:srgbClr val="1A1A2E"/>
+            <a:srgbClr val="FFFFFF"/>
           </a:solidFill>
           <a:ln/>
+          <a:effectLst>
+            <a:outerShdw sx="100000" sy="100000" kx="0" ky="0" algn="bl" rotWithShape="0" blurRad="57150" dist="19050" dir="5400000">
+              <a:srgbClr val="000000">
+                <a:alpha val="8000"/>
+              </a:srgbClr>
+            </a:outerShdw>
+          </a:effectLst>
         </p:spPr>
         <p:txBody>
           <a:bodyPr wrap="square" rtlCol="0" anchor="ctr"/>
@@ -13054,14 +14629,14 @@
       </p:sp>
       <p:sp>
         <p:nvSpPr>
-          <p:cNvPr id="30" name="Text 28"/>
-          <p:cNvSpPr/>
-          <p:nvPr/>
-        </p:nvSpPr>
-        <p:spPr>
-          <a:xfrm>
-            <a:off x="6227266" y="2199829"/>
-            <a:ext cx="2366331" cy="152400"/>
+          <p:cNvPr id="23" name="Text 21"/>
+          <p:cNvSpPr/>
+          <p:nvPr/>
+        </p:nvSpPr>
+        <p:spPr>
+          <a:xfrm>
+            <a:off x="698450" y="4257377"/>
+            <a:ext cx="7902041" cy="152400"/>
           </a:xfrm>
           <a:prstGeom prst="rect">
             <a:avLst/>
@@ -13088,7 +14663,7 @@
                 <a:ea typeface="Arial" pitchFamily="34" charset="-122"/>
                 <a:cs typeface="Arial" pitchFamily="34" charset="-120"/>
               </a:rPr>
-              <a:t>DAO-Specific Models</a:t>
+              <a:t>Data Flow Architecture</a:t>
             </a:r>
             <a:endParaRPr lang="en-US" sz="1100" dirty="0"/>
           </a:p>
@@ -13096,14 +14671,14 @@
       </p:sp>
       <p:sp>
         <p:nvSpPr>
-          <p:cNvPr id="31" name="Text 29"/>
-          <p:cNvSpPr/>
-          <p:nvPr/>
-        </p:nvSpPr>
-        <p:spPr>
-          <a:xfrm>
-            <a:off x="6227266" y="2428429"/>
-            <a:ext cx="2366331" cy="319980"/>
+          <p:cNvPr id="24" name="Text 22"/>
+          <p:cNvSpPr/>
+          <p:nvPr/>
+        </p:nvSpPr>
+        <p:spPr>
+          <a:xfrm>
+            <a:off x="698450" y="4485977"/>
+            <a:ext cx="7902041" cy="148530"/>
           </a:xfrm>
           <a:prstGeom prst="rect">
             <a:avLst/>
@@ -13117,20 +14692,20 @@
           <a:p>
             <a:pPr algn="l" indent="0" marL="0">
               <a:lnSpc>
-                <a:spcPts val="1260"/>
+                <a:spcPts val="1170"/>
               </a:lnSpc>
               <a:buNone/>
             </a:pPr>
             <a:r>
               <a:rPr lang="en-US" sz="900" dirty="0">
                 <a:solidFill>
-                  <a:srgbClr val="FFFFFF"/>
-                </a:solidFill>
-                <a:latin typeface="Arial" pitchFamily="34" charset="0"/>
-                <a:ea typeface="Arial" pitchFamily="34" charset="-122"/>
-                <a:cs typeface="Arial" pitchFamily="34" charset="-120"/>
-              </a:rPr>
-              <a:t>Each DAO's governance patterns learned and optimized separately</a:t>
+                  <a:srgbClr val="333333"/>
+                </a:solidFill>
+                <a:latin typeface="Arial" pitchFamily="34" charset="0"/>
+                <a:ea typeface="Arial" pitchFamily="34" charset="-122"/>
+                <a:cs typeface="Arial" pitchFamily="34" charset="-120"/>
+              </a:rPr>
+              <a:t>Frontend (React) → Backend API (Hono) → Multi-source aggregation → PostgreSQL/Redis storage → Real-time sync with Snapshot</a:t>
             </a:r>
             <a:endParaRPr lang="en-US" sz="900" dirty="0"/>
           </a:p>
